--- a/MST-Visualizer.pptx.pptx
+++ b/MST-Visualizer.pptx.pptx
@@ -1,43 +1,50 @@
 
 <file path=ppt/presentation.xml><?xml version="1.0" encoding="utf-8"?>
-<p:presentation xmlns:a="http://schemas.openxmlformats.org/drawingml/2006/main" xmlns:r="http://schemas.openxmlformats.org/officeDocument/2006/relationships" xmlns:p="http://schemas.openxmlformats.org/presentationml/2006/main" saveSubsetFonts="1" embedTrueTypeFonts="true">
+<p:presentation xmlns:a="http://schemas.openxmlformats.org/drawingml/2006/main" xmlns:r="http://schemas.openxmlformats.org/officeDocument/2006/relationships" xmlns:p="http://schemas.openxmlformats.org/presentationml/2006/main" embedTrueTypeFonts="1" saveSubsetFonts="1">
   <p:sldMasterIdLst>
     <p:sldMasterId id="2147483648" r:id="rId1"/>
   </p:sldMasterIdLst>
   <p:notesMasterIdLst>
-    <p:notesMasterId r:id="rId13"/>
+    <p:notesMasterId r:id="rId9"/>
   </p:notesMasterIdLst>
   <p:sldIdLst>
-    <p:sldId id="256" r:id="rId6"/>
-    <p:sldId id="257" r:id="rId7"/>
-    <p:sldId id="258" r:id="rId8"/>
-    <p:sldId id="259" r:id="rId9"/>
-    <p:sldId id="260" r:id="rId10"/>
-    <p:sldId id="261" r:id="rId11"/>
-    <p:sldId id="262" r:id="rId12"/>
+    <p:sldId id="256" r:id="rId2"/>
+    <p:sldId id="257" r:id="rId3"/>
+    <p:sldId id="258" r:id="rId4"/>
+    <p:sldId id="259" r:id="rId5"/>
+    <p:sldId id="260" r:id="rId6"/>
+    <p:sldId id="261" r:id="rId7"/>
+    <p:sldId id="262" r:id="rId8"/>
   </p:sldIdLst>
   <p:sldSz cx="18288000" cy="10287000"/>
   <p:notesSz cx="6858000" cy="9144000"/>
   <p:embeddedFontLst>
     <p:embeddedFont>
-      <p:font typeface="PT Serif Bold" charset="1" panose="020A0703040505020204"/>
-      <p:regular r:id="rId16"/>
+      <p:font typeface="PT Serif Bold" panose="020B0604020202020204" charset="0"/>
+      <p:regular r:id="rId10"/>
     </p:embeddedFont>
     <p:embeddedFont>
-      <p:font typeface="DM Sans" charset="1" panose="00000000000000000000"/>
+      <p:font typeface="DM Sans Italics" panose="020B0604020202020204" charset="0"/>
+      <p:regular r:id="rId11"/>
+    </p:embeddedFont>
+    <p:embeddedFont>
+      <p:font typeface="PT Serif" panose="020B0604020202020204" charset="0"/>
+      <p:regular r:id="rId12"/>
+    </p:embeddedFont>
+    <p:embeddedFont>
+      <p:font typeface="Calibri" panose="020F0502020204030204" pitchFamily="34" charset="0"/>
+      <p:regular r:id="rId13"/>
+      <p:bold r:id="rId14"/>
+      <p:italic r:id="rId15"/>
+      <p:boldItalic r:id="rId16"/>
+    </p:embeddedFont>
+    <p:embeddedFont>
+      <p:font typeface="DM Sans Bold" panose="020B0604020202020204" charset="0"/>
       <p:regular r:id="rId17"/>
     </p:embeddedFont>
     <p:embeddedFont>
-      <p:font typeface="DM Sans Bold" charset="1" panose="00000000000000000000"/>
+      <p:font typeface="DM Sans" panose="020B0604020202020204" charset="0"/>
       <p:regular r:id="rId18"/>
-    </p:embeddedFont>
-    <p:embeddedFont>
-      <p:font typeface="PT Serif" charset="1" panose="020A0603040505020204"/>
-      <p:regular r:id="rId19"/>
-    </p:embeddedFont>
-    <p:embeddedFont>
-      <p:font typeface="DM Sans Italics" charset="1" panose="00000000000000000000"/>
-      <p:regular r:id="rId26"/>
     </p:embeddedFont>
   </p:embeddedFontLst>
   <p:defaultTextStyle>
@@ -135,6 +142,22 @@
       </a:defRPr>
     </a:lvl9pPr>
   </p:defaultTextStyle>
+  <p:extLst>
+    <p:ext uri="{EFAFB233-063F-42B5-8137-9DF3F51BA10A}">
+      <p15:sldGuideLst xmlns:p15="http://schemas.microsoft.com/office/powerpoint/2012/main">
+        <p15:guide id="1" orient="horz" pos="2160">
+          <p15:clr>
+            <a:srgbClr val="A4A3A4"/>
+          </p15:clr>
+        </p15:guide>
+        <p15:guide id="2" pos="2880">
+          <p15:clr>
+            <a:srgbClr val="A4A3A4"/>
+          </p15:clr>
+        </p15:guide>
+      </p15:sldGuideLst>
+    </p:ext>
+  </p:extLst>
 </p:presentation>
 </file>
 
@@ -220,7 +243,7 @@
           <a:p>
             <a:fld id="{B7268E1E-0E44-426D-905E-8AD9B19D2182}" type="datetimeFigureOut">
               <a:rPr lang="cs-CZ" smtClean="0"/>
-              <a:t>1.7.2013</a:t>
+              <a:t>11.11.2025</a:t>
             </a:fld>
             <a:endParaRPr lang="cs-CZ"/>
           </a:p>
@@ -489,9 +512,9 @@
 </file>
 
 <file path=ppt/notesSlides/notesSlide1.xml><?xml version="1.0" encoding="utf-8"?>
-<p:notes xmlns:p="http://schemas.openxmlformats.org/presentationml/2006/main" xmlns:a="http://schemas.openxmlformats.org/drawingml/2006/main">
+<p:notes xmlns:a="http://schemas.openxmlformats.org/drawingml/2006/main" xmlns:r="http://schemas.openxmlformats.org/officeDocument/2006/relationships" xmlns:p="http://schemas.openxmlformats.org/presentationml/2006/main">
   <p:cSld>
-    <p:spTree xmlns:r="http://schemas.openxmlformats.org/officeDocument/2006/relationships">
+    <p:spTree>
       <p:nvGrpSpPr>
         <p:cNvPr id="1" name=""/>
         <p:cNvGrpSpPr/>
@@ -531,7 +554,9 @@
               <a:defRPr sz="1200"/>
             </a:lvl1pPr>
           </a:lstStyle>
-          <a:p/>
+          <a:p>
+            <a:endParaRPr/>
+          </a:p>
         </p:txBody>
       </p:sp>
       <p:sp>
@@ -561,7 +586,7 @@
             </a:lvl1pPr>
           </a:lstStyle>
           <a:p>
-            <a:r id="{B7268E1E-0E44-426D-905E-8AD9B19D2182}" type="datetimeFigureOut">
+            <a:r>
               <a:rPr lang="cs-CZ" smtClean="0"/>
               <a:t>1.7.2013</a:t>
             </a:r>
@@ -580,8 +605,8 @@
         </p:nvSpPr>
         <p:spPr>
           <a:xfrm>
-            <a:off x="2857500" y="512763"/>
-            <a:ext cx="3429000" cy="2566987"/>
+            <a:off x="2290763" y="512763"/>
+            <a:ext cx="4562475" cy="2566987"/>
           </a:xfrm>
           <a:prstGeom prst="rect">
             <a:avLst/>
@@ -596,7 +621,9 @@
         <p:txBody>
           <a:bodyPr vert="horz" lIns="91440" tIns="45720" rIns="91440" bIns="45720" rtlCol="0" anchor="ctr"/>
           <a:lstStyle/>
-          <a:p/>
+          <a:p>
+            <a:endParaRPr/>
+          </a:p>
         </p:txBody>
       </p:sp>
       <p:sp>
@@ -656,7 +683,9 @@
               <a:defRPr sz="1200"/>
             </a:lvl1pPr>
           </a:lstStyle>
-          <a:p/>
+          <a:p>
+            <a:endParaRPr/>
+          </a:p>
         </p:txBody>
       </p:sp>
       <p:sp>
@@ -686,7 +715,7 @@
             </a:lvl1pPr>
           </a:lstStyle>
           <a:p>
-            <a:r id="{871B2431-D351-4C6E-A3CF-9DFAC0E3E050}" type="slidenum">
+            <a:r>
               <a:rPr lang="cs-CZ" smtClean="0"/>
               <a:t>‹#›</a:t>
             </a:r>
@@ -702,9 +731,9 @@
 </file>
 
 <file path=ppt/notesSlides/notesSlide2.xml><?xml version="1.0" encoding="utf-8"?>
-<p:notes xmlns:p="http://schemas.openxmlformats.org/presentationml/2006/main" xmlns:a="http://schemas.openxmlformats.org/drawingml/2006/main">
+<p:notes xmlns:a="http://schemas.openxmlformats.org/drawingml/2006/main" xmlns:r="http://schemas.openxmlformats.org/officeDocument/2006/relationships" xmlns:p="http://schemas.openxmlformats.org/presentationml/2006/main">
   <p:cSld>
-    <p:spTree xmlns:r="http://schemas.openxmlformats.org/officeDocument/2006/relationships">
+    <p:spTree>
       <p:nvGrpSpPr>
         <p:cNvPr id="1" name=""/>
         <p:cNvGrpSpPr/>
@@ -744,7 +773,9 @@
               <a:defRPr sz="1200"/>
             </a:lvl1pPr>
           </a:lstStyle>
-          <a:p/>
+          <a:p>
+            <a:endParaRPr/>
+          </a:p>
         </p:txBody>
       </p:sp>
       <p:sp>
@@ -774,7 +805,7 @@
             </a:lvl1pPr>
           </a:lstStyle>
           <a:p>
-            <a:r id="{B7268E1E-0E44-426D-905E-8AD9B19D2182}" type="datetimeFigureOut">
+            <a:r>
               <a:rPr lang="cs-CZ" smtClean="0"/>
               <a:t>1.7.2013</a:t>
             </a:r>
@@ -793,8 +824,8 @@
         </p:nvSpPr>
         <p:spPr>
           <a:xfrm>
-            <a:off x="2857500" y="512763"/>
-            <a:ext cx="3429000" cy="2566987"/>
+            <a:off x="2290763" y="512763"/>
+            <a:ext cx="4562475" cy="2566987"/>
           </a:xfrm>
           <a:prstGeom prst="rect">
             <a:avLst/>
@@ -809,7 +840,9 @@
         <p:txBody>
           <a:bodyPr vert="horz" lIns="91440" tIns="45720" rIns="91440" bIns="45720" rtlCol="0" anchor="ctr"/>
           <a:lstStyle/>
-          <a:p/>
+          <a:p>
+            <a:endParaRPr/>
+          </a:p>
         </p:txBody>
       </p:sp>
       <p:sp>
@@ -869,7 +902,9 @@
               <a:defRPr sz="1200"/>
             </a:lvl1pPr>
           </a:lstStyle>
-          <a:p/>
+          <a:p>
+            <a:endParaRPr/>
+          </a:p>
         </p:txBody>
       </p:sp>
       <p:sp>
@@ -899,7 +934,7 @@
             </a:lvl1pPr>
           </a:lstStyle>
           <a:p>
-            <a:r id="{871B2431-D351-4C6E-A3CF-9DFAC0E3E050}" type="slidenum">
+            <a:r>
               <a:rPr lang="cs-CZ" smtClean="0"/>
               <a:t>‹#›</a:t>
             </a:r>
@@ -915,9 +950,9 @@
 </file>
 
 <file path=ppt/notesSlides/notesSlide3.xml><?xml version="1.0" encoding="utf-8"?>
-<p:notes xmlns:p="http://schemas.openxmlformats.org/presentationml/2006/main" xmlns:a="http://schemas.openxmlformats.org/drawingml/2006/main">
+<p:notes xmlns:a="http://schemas.openxmlformats.org/drawingml/2006/main" xmlns:r="http://schemas.openxmlformats.org/officeDocument/2006/relationships" xmlns:p="http://schemas.openxmlformats.org/presentationml/2006/main">
   <p:cSld>
-    <p:spTree xmlns:r="http://schemas.openxmlformats.org/officeDocument/2006/relationships">
+    <p:spTree>
       <p:nvGrpSpPr>
         <p:cNvPr id="1" name=""/>
         <p:cNvGrpSpPr/>
@@ -957,7 +992,9 @@
               <a:defRPr sz="1200"/>
             </a:lvl1pPr>
           </a:lstStyle>
-          <a:p/>
+          <a:p>
+            <a:endParaRPr/>
+          </a:p>
         </p:txBody>
       </p:sp>
       <p:sp>
@@ -987,7 +1024,7 @@
             </a:lvl1pPr>
           </a:lstStyle>
           <a:p>
-            <a:r id="{B7268E1E-0E44-426D-905E-8AD9B19D2182}" type="datetimeFigureOut">
+            <a:r>
               <a:rPr lang="cs-CZ" smtClean="0"/>
               <a:t>1.7.2013</a:t>
             </a:r>
@@ -1006,8 +1043,8 @@
         </p:nvSpPr>
         <p:spPr>
           <a:xfrm>
-            <a:off x="2857500" y="512763"/>
-            <a:ext cx="3429000" cy="2566987"/>
+            <a:off x="2290763" y="512763"/>
+            <a:ext cx="4562475" cy="2566987"/>
           </a:xfrm>
           <a:prstGeom prst="rect">
             <a:avLst/>
@@ -1022,7 +1059,9 @@
         <p:txBody>
           <a:bodyPr vert="horz" lIns="91440" tIns="45720" rIns="91440" bIns="45720" rtlCol="0" anchor="ctr"/>
           <a:lstStyle/>
-          <a:p/>
+          <a:p>
+            <a:endParaRPr/>
+          </a:p>
         </p:txBody>
       </p:sp>
       <p:sp>
@@ -1082,7 +1121,9 @@
               <a:defRPr sz="1200"/>
             </a:lvl1pPr>
           </a:lstStyle>
-          <a:p/>
+          <a:p>
+            <a:endParaRPr/>
+          </a:p>
         </p:txBody>
       </p:sp>
       <p:sp>
@@ -1112,7 +1153,7 @@
             </a:lvl1pPr>
           </a:lstStyle>
           <a:p>
-            <a:r id="{871B2431-D351-4C6E-A3CF-9DFAC0E3E050}" type="slidenum">
+            <a:r>
               <a:rPr lang="cs-CZ" smtClean="0"/>
               <a:t>‹#›</a:t>
             </a:r>
@@ -1128,9 +1169,9 @@
 </file>
 
 <file path=ppt/notesSlides/notesSlide4.xml><?xml version="1.0" encoding="utf-8"?>
-<p:notes xmlns:p="http://schemas.openxmlformats.org/presentationml/2006/main" xmlns:a="http://schemas.openxmlformats.org/drawingml/2006/main">
+<p:notes xmlns:a="http://schemas.openxmlformats.org/drawingml/2006/main" xmlns:r="http://schemas.openxmlformats.org/officeDocument/2006/relationships" xmlns:p="http://schemas.openxmlformats.org/presentationml/2006/main">
   <p:cSld>
-    <p:spTree xmlns:r="http://schemas.openxmlformats.org/officeDocument/2006/relationships">
+    <p:spTree>
       <p:nvGrpSpPr>
         <p:cNvPr id="1" name=""/>
         <p:cNvGrpSpPr/>
@@ -1170,7 +1211,9 @@
               <a:defRPr sz="1200"/>
             </a:lvl1pPr>
           </a:lstStyle>
-          <a:p/>
+          <a:p>
+            <a:endParaRPr/>
+          </a:p>
         </p:txBody>
       </p:sp>
       <p:sp>
@@ -1200,7 +1243,7 @@
             </a:lvl1pPr>
           </a:lstStyle>
           <a:p>
-            <a:r id="{B7268E1E-0E44-426D-905E-8AD9B19D2182}" type="datetimeFigureOut">
+            <a:r>
               <a:rPr lang="cs-CZ" smtClean="0"/>
               <a:t>1.7.2013</a:t>
             </a:r>
@@ -1219,8 +1262,8 @@
         </p:nvSpPr>
         <p:spPr>
           <a:xfrm>
-            <a:off x="2857500" y="512763"/>
-            <a:ext cx="3429000" cy="2566987"/>
+            <a:off x="2290763" y="512763"/>
+            <a:ext cx="4562475" cy="2566987"/>
           </a:xfrm>
           <a:prstGeom prst="rect">
             <a:avLst/>
@@ -1235,7 +1278,9 @@
         <p:txBody>
           <a:bodyPr vert="horz" lIns="91440" tIns="45720" rIns="91440" bIns="45720" rtlCol="0" anchor="ctr"/>
           <a:lstStyle/>
-          <a:p/>
+          <a:p>
+            <a:endParaRPr/>
+          </a:p>
         </p:txBody>
       </p:sp>
       <p:sp>
@@ -1295,7 +1340,9 @@
               <a:defRPr sz="1200"/>
             </a:lvl1pPr>
           </a:lstStyle>
-          <a:p/>
+          <a:p>
+            <a:endParaRPr/>
+          </a:p>
         </p:txBody>
       </p:sp>
       <p:sp>
@@ -1325,7 +1372,7 @@
             </a:lvl1pPr>
           </a:lstStyle>
           <a:p>
-            <a:r id="{871B2431-D351-4C6E-A3CF-9DFAC0E3E050}" type="slidenum">
+            <a:r>
               <a:rPr lang="cs-CZ" smtClean="0"/>
               <a:t>‹#›</a:t>
             </a:r>
@@ -1341,9 +1388,9 @@
 </file>
 
 <file path=ppt/notesSlides/notesSlide5.xml><?xml version="1.0" encoding="utf-8"?>
-<p:notes xmlns:p="http://schemas.openxmlformats.org/presentationml/2006/main" xmlns:a="http://schemas.openxmlformats.org/drawingml/2006/main">
+<p:notes xmlns:a="http://schemas.openxmlformats.org/drawingml/2006/main" xmlns:r="http://schemas.openxmlformats.org/officeDocument/2006/relationships" xmlns:p="http://schemas.openxmlformats.org/presentationml/2006/main">
   <p:cSld>
-    <p:spTree xmlns:r="http://schemas.openxmlformats.org/officeDocument/2006/relationships">
+    <p:spTree>
       <p:nvGrpSpPr>
         <p:cNvPr id="1" name=""/>
         <p:cNvGrpSpPr/>
@@ -1383,7 +1430,9 @@
               <a:defRPr sz="1200"/>
             </a:lvl1pPr>
           </a:lstStyle>
-          <a:p/>
+          <a:p>
+            <a:endParaRPr/>
+          </a:p>
         </p:txBody>
       </p:sp>
       <p:sp>
@@ -1413,7 +1462,7 @@
             </a:lvl1pPr>
           </a:lstStyle>
           <a:p>
-            <a:r id="{B7268E1E-0E44-426D-905E-8AD9B19D2182}" type="datetimeFigureOut">
+            <a:r>
               <a:rPr lang="cs-CZ" smtClean="0"/>
               <a:t>1.7.2013</a:t>
             </a:r>
@@ -1432,8 +1481,8 @@
         </p:nvSpPr>
         <p:spPr>
           <a:xfrm>
-            <a:off x="2857500" y="512763"/>
-            <a:ext cx="3429000" cy="2566987"/>
+            <a:off x="2290763" y="512763"/>
+            <a:ext cx="4562475" cy="2566987"/>
           </a:xfrm>
           <a:prstGeom prst="rect">
             <a:avLst/>
@@ -1448,7 +1497,9 @@
         <p:txBody>
           <a:bodyPr vert="horz" lIns="91440" tIns="45720" rIns="91440" bIns="45720" rtlCol="0" anchor="ctr"/>
           <a:lstStyle/>
-          <a:p/>
+          <a:p>
+            <a:endParaRPr/>
+          </a:p>
         </p:txBody>
       </p:sp>
       <p:sp>
@@ -1508,7 +1559,9 @@
               <a:defRPr sz="1200"/>
             </a:lvl1pPr>
           </a:lstStyle>
-          <a:p/>
+          <a:p>
+            <a:endParaRPr/>
+          </a:p>
         </p:txBody>
       </p:sp>
       <p:sp>
@@ -1538,7 +1591,7 @@
             </a:lvl1pPr>
           </a:lstStyle>
           <a:p>
-            <a:r id="{871B2431-D351-4C6E-A3CF-9DFAC0E3E050}" type="slidenum">
+            <a:r>
               <a:rPr lang="cs-CZ" smtClean="0"/>
               <a:t>‹#›</a:t>
             </a:r>
@@ -1554,9 +1607,9 @@
 </file>
 
 <file path=ppt/notesSlides/notesSlide6.xml><?xml version="1.0" encoding="utf-8"?>
-<p:notes xmlns:p="http://schemas.openxmlformats.org/presentationml/2006/main" xmlns:a="http://schemas.openxmlformats.org/drawingml/2006/main">
+<p:notes xmlns:a="http://schemas.openxmlformats.org/drawingml/2006/main" xmlns:r="http://schemas.openxmlformats.org/officeDocument/2006/relationships" xmlns:p="http://schemas.openxmlformats.org/presentationml/2006/main">
   <p:cSld>
-    <p:spTree xmlns:r="http://schemas.openxmlformats.org/officeDocument/2006/relationships">
+    <p:spTree>
       <p:nvGrpSpPr>
         <p:cNvPr id="1" name=""/>
         <p:cNvGrpSpPr/>
@@ -1596,7 +1649,9 @@
               <a:defRPr sz="1200"/>
             </a:lvl1pPr>
           </a:lstStyle>
-          <a:p/>
+          <a:p>
+            <a:endParaRPr/>
+          </a:p>
         </p:txBody>
       </p:sp>
       <p:sp>
@@ -1626,7 +1681,7 @@
             </a:lvl1pPr>
           </a:lstStyle>
           <a:p>
-            <a:r id="{B7268E1E-0E44-426D-905E-8AD9B19D2182}" type="datetimeFigureOut">
+            <a:r>
               <a:rPr lang="cs-CZ" smtClean="0"/>
               <a:t>1.7.2013</a:t>
             </a:r>
@@ -1645,8 +1700,8 @@
         </p:nvSpPr>
         <p:spPr>
           <a:xfrm>
-            <a:off x="2857500" y="512763"/>
-            <a:ext cx="3429000" cy="2566987"/>
+            <a:off x="2290763" y="512763"/>
+            <a:ext cx="4562475" cy="2566987"/>
           </a:xfrm>
           <a:prstGeom prst="rect">
             <a:avLst/>
@@ -1661,7 +1716,9 @@
         <p:txBody>
           <a:bodyPr vert="horz" lIns="91440" tIns="45720" rIns="91440" bIns="45720" rtlCol="0" anchor="ctr"/>
           <a:lstStyle/>
-          <a:p/>
+          <a:p>
+            <a:endParaRPr/>
+          </a:p>
         </p:txBody>
       </p:sp>
       <p:sp>
@@ -1721,7 +1778,9 @@
               <a:defRPr sz="1200"/>
             </a:lvl1pPr>
           </a:lstStyle>
-          <a:p/>
+          <a:p>
+            <a:endParaRPr/>
+          </a:p>
         </p:txBody>
       </p:sp>
       <p:sp>
@@ -1751,7 +1810,7 @@
             </a:lvl1pPr>
           </a:lstStyle>
           <a:p>
-            <a:r id="{871B2431-D351-4C6E-A3CF-9DFAC0E3E050}" type="slidenum">
+            <a:r>
               <a:rPr lang="cs-CZ" smtClean="0"/>
               <a:t>‹#›</a:t>
             </a:r>
@@ -1767,9 +1826,9 @@
 </file>
 
 <file path=ppt/notesSlides/notesSlide7.xml><?xml version="1.0" encoding="utf-8"?>
-<p:notes xmlns:p="http://schemas.openxmlformats.org/presentationml/2006/main" xmlns:a="http://schemas.openxmlformats.org/drawingml/2006/main">
+<p:notes xmlns:a="http://schemas.openxmlformats.org/drawingml/2006/main" xmlns:r="http://schemas.openxmlformats.org/officeDocument/2006/relationships" xmlns:p="http://schemas.openxmlformats.org/presentationml/2006/main">
   <p:cSld>
-    <p:spTree xmlns:r="http://schemas.openxmlformats.org/officeDocument/2006/relationships">
+    <p:spTree>
       <p:nvGrpSpPr>
         <p:cNvPr id="1" name=""/>
         <p:cNvGrpSpPr/>
@@ -1809,7 +1868,9 @@
               <a:defRPr sz="1200"/>
             </a:lvl1pPr>
           </a:lstStyle>
-          <a:p/>
+          <a:p>
+            <a:endParaRPr/>
+          </a:p>
         </p:txBody>
       </p:sp>
       <p:sp>
@@ -1839,7 +1900,7 @@
             </a:lvl1pPr>
           </a:lstStyle>
           <a:p>
-            <a:r id="{B7268E1E-0E44-426D-905E-8AD9B19D2182}" type="datetimeFigureOut">
+            <a:r>
               <a:rPr lang="cs-CZ" smtClean="0"/>
               <a:t>1.7.2013</a:t>
             </a:r>
@@ -1858,8 +1919,8 @@
         </p:nvSpPr>
         <p:spPr>
           <a:xfrm>
-            <a:off x="2857500" y="512763"/>
-            <a:ext cx="3429000" cy="2566987"/>
+            <a:off x="2290763" y="512763"/>
+            <a:ext cx="4562475" cy="2566987"/>
           </a:xfrm>
           <a:prstGeom prst="rect">
             <a:avLst/>
@@ -1874,7 +1935,9 @@
         <p:txBody>
           <a:bodyPr vert="horz" lIns="91440" tIns="45720" rIns="91440" bIns="45720" rtlCol="0" anchor="ctr"/>
           <a:lstStyle/>
-          <a:p/>
+          <a:p>
+            <a:endParaRPr/>
+          </a:p>
         </p:txBody>
       </p:sp>
       <p:sp>
@@ -1934,7 +1997,9 @@
               <a:defRPr sz="1200"/>
             </a:lvl1pPr>
           </a:lstStyle>
-          <a:p/>
+          <a:p>
+            <a:endParaRPr/>
+          </a:p>
         </p:txBody>
       </p:sp>
       <p:sp>
@@ -1964,7 +2029,7 @@
             </a:lvl1pPr>
           </a:lstStyle>
           <a:p>
-            <a:r id="{871B2431-D351-4C6E-A3CF-9DFAC0E3E050}" type="slidenum">
+            <a:r>
               <a:rPr lang="cs-CZ" smtClean="0"/>
               <a:t>‹#›</a:t>
             </a:r>
@@ -2161,7 +2226,7 @@
             <a:fld id="{1D8BD707-D9CF-40AE-B4C6-C98DA3205C09}" type="datetimeFigureOut">
               <a:rPr lang="en-US" smtClean="0"/>
               <a:pPr/>
-              <a:t>8/1/2011</a:t>
+              <a:t>11/11/2025</a:t>
             </a:fld>
             <a:endParaRPr lang="en-US"/>
           </a:p>
@@ -2328,7 +2393,7 @@
             <a:fld id="{1D8BD707-D9CF-40AE-B4C6-C98DA3205C09}" type="datetimeFigureOut">
               <a:rPr lang="en-US" smtClean="0"/>
               <a:pPr/>
-              <a:t>8/1/2011</a:t>
+              <a:t>11/11/2025</a:t>
             </a:fld>
             <a:endParaRPr lang="en-US"/>
           </a:p>
@@ -2505,7 +2570,7 @@
             <a:fld id="{1D8BD707-D9CF-40AE-B4C6-C98DA3205C09}" type="datetimeFigureOut">
               <a:rPr lang="en-US" smtClean="0"/>
               <a:pPr/>
-              <a:t>8/1/2011</a:t>
+              <a:t>11/11/2025</a:t>
             </a:fld>
             <a:endParaRPr lang="en-US"/>
           </a:p>
@@ -2672,7 +2737,7 @@
             <a:fld id="{1D8BD707-D9CF-40AE-B4C6-C98DA3205C09}" type="datetimeFigureOut">
               <a:rPr lang="en-US" smtClean="0"/>
               <a:pPr/>
-              <a:t>8/1/2011</a:t>
+              <a:t>11/11/2025</a:t>
             </a:fld>
             <a:endParaRPr lang="en-US"/>
           </a:p>
@@ -2915,7 +2980,7 @@
             <a:fld id="{1D8BD707-D9CF-40AE-B4C6-C98DA3205C09}" type="datetimeFigureOut">
               <a:rPr lang="en-US" smtClean="0"/>
               <a:pPr/>
-              <a:t>8/1/2011</a:t>
+              <a:t>11/11/2025</a:t>
             </a:fld>
             <a:endParaRPr lang="en-US"/>
           </a:p>
@@ -3200,7 +3265,7 @@
             <a:fld id="{1D8BD707-D9CF-40AE-B4C6-C98DA3205C09}" type="datetimeFigureOut">
               <a:rPr lang="en-US" smtClean="0"/>
               <a:pPr/>
-              <a:t>8/1/2011</a:t>
+              <a:t>11/11/2025</a:t>
             </a:fld>
             <a:endParaRPr lang="en-US"/>
           </a:p>
@@ -3619,7 +3684,7 @@
             <a:fld id="{1D8BD707-D9CF-40AE-B4C6-C98DA3205C09}" type="datetimeFigureOut">
               <a:rPr lang="en-US" smtClean="0"/>
               <a:pPr/>
-              <a:t>8/1/2011</a:t>
+              <a:t>11/11/2025</a:t>
             </a:fld>
             <a:endParaRPr lang="en-US"/>
           </a:p>
@@ -3734,7 +3799,7 @@
             <a:fld id="{1D8BD707-D9CF-40AE-B4C6-C98DA3205C09}" type="datetimeFigureOut">
               <a:rPr lang="en-US" smtClean="0"/>
               <a:pPr/>
-              <a:t>8/1/2011</a:t>
+              <a:t>11/11/2025</a:t>
             </a:fld>
             <a:endParaRPr lang="en-US"/>
           </a:p>
@@ -3826,7 +3891,7 @@
             <a:fld id="{1D8BD707-D9CF-40AE-B4C6-C98DA3205C09}" type="datetimeFigureOut">
               <a:rPr lang="en-US" smtClean="0"/>
               <a:pPr/>
-              <a:t>8/1/2011</a:t>
+              <a:t>11/11/2025</a:t>
             </a:fld>
             <a:endParaRPr lang="en-US"/>
           </a:p>
@@ -4100,7 +4165,7 @@
             <a:fld id="{1D8BD707-D9CF-40AE-B4C6-C98DA3205C09}" type="datetimeFigureOut">
               <a:rPr lang="en-US" smtClean="0"/>
               <a:pPr/>
-              <a:t>8/1/2011</a:t>
+              <a:t>11/11/2025</a:t>
             </a:fld>
             <a:endParaRPr lang="en-US"/>
           </a:p>
@@ -4350,7 +4415,7 @@
             <a:fld id="{1D8BD707-D9CF-40AE-B4C6-C98DA3205C09}" type="datetimeFigureOut">
               <a:rPr lang="en-US" smtClean="0"/>
               <a:pPr/>
-              <a:t>8/1/2011</a:t>
+              <a:t>11/11/2025</a:t>
             </a:fld>
             <a:endParaRPr lang="en-US"/>
           </a:p>
@@ -4560,7 +4625,7 @@
             <a:fld id="{1D8BD707-D9CF-40AE-B4C6-C98DA3205C09}" type="datetimeFigureOut">
               <a:rPr lang="en-US" smtClean="0"/>
               <a:pPr/>
-              <a:t>8/1/2011</a:t>
+              <a:t>11/11/2025</a:t>
             </a:fld>
             <a:endParaRPr lang="en-US"/>
           </a:p>
@@ -4915,7 +4980,7 @@
 </file>
 
 <file path=ppt/slides/slide1.xml><?xml version="1.0" encoding="utf-8"?>
-<p:sld xmlns:p="http://schemas.openxmlformats.org/presentationml/2006/main" xmlns:a="http://schemas.openxmlformats.org/drawingml/2006/main" xmlns:r="http://schemas.openxmlformats.org/officeDocument/2006/relationships">
+<p:sld xmlns:a="http://schemas.openxmlformats.org/drawingml/2006/main" xmlns:r="http://schemas.openxmlformats.org/officeDocument/2006/relationships" xmlns:p="http://schemas.openxmlformats.org/presentationml/2006/main">
   <p:cSld>
     <p:spTree>
       <p:nvGrpSpPr>
@@ -4933,12 +4998,12 @@
       </p:grpSpPr>
       <p:grpSp>
         <p:nvGrpSpPr>
-          <p:cNvPr name="Group 2" id="2"/>
+          <p:cNvPr id="2" name="Group 2"/>
           <p:cNvGrpSpPr/>
           <p:nvPr/>
         </p:nvGrpSpPr>
         <p:grpSpPr>
-          <a:xfrm rot="0">
+          <a:xfrm>
             <a:off x="0" y="0"/>
             <a:ext cx="18288000" cy="10287000"/>
             <a:chOff x="0" y="0"/>
@@ -4947,12 +5012,12 @@
         </p:grpSpPr>
         <p:sp>
           <p:nvSpPr>
-            <p:cNvPr name="Freeform 3" id="3"/>
+            <p:cNvPr id="3" name="Freeform 3"/>
             <p:cNvSpPr/>
             <p:nvPr/>
           </p:nvSpPr>
           <p:spPr>
-            <a:xfrm flipH="false" flipV="false" rot="0">
+            <a:xfrm>
               <a:off x="0" y="0"/>
               <a:ext cx="24384000" cy="13716000"/>
             </a:xfrm>
@@ -4961,9 +5026,9 @@
               <a:gdLst/>
               <a:ahLst/>
               <a:cxnLst/>
-              <a:rect r="r" b="b" t="t" l="l"/>
+              <a:rect l="l" t="t" r="r" b="b"/>
               <a:pathLst>
-                <a:path h="13716000" w="24384000">
+                <a:path w="24384000" h="13716000">
                   <a:moveTo>
                     <a:pt x="0" y="0"/>
                   </a:moveTo>
@@ -4988,14 +5053,14 @@
       </p:grpSp>
       <p:grpSp>
         <p:nvGrpSpPr>
-          <p:cNvPr name="Group 4" id="4"/>
+          <p:cNvPr id="4" name="Group 4"/>
           <p:cNvGrpSpPr>
-            <a:grpSpLocks noChangeAspect="true"/>
+            <a:grpSpLocks noChangeAspect="1"/>
           </p:cNvGrpSpPr>
           <p:nvPr/>
         </p:nvGrpSpPr>
         <p:grpSpPr>
-          <a:xfrm rot="0">
+          <a:xfrm>
             <a:off x="16049019" y="9686925"/>
             <a:ext cx="2153256" cy="514350"/>
             <a:chOff x="0" y="0"/>
@@ -5004,14 +5069,14 @@
         </p:grpSpPr>
         <p:sp>
           <p:nvSpPr>
-            <p:cNvPr name="Freeform 5" id="5" descr="preencoded.png">
+            <p:cNvPr id="5" name="Freeform 5" descr="preencoded.png">
               <a:hlinkClick r:id="rId3" tooltip="https://gamma.app/?utm_source=made-with-gamma"/>
             </p:cNvPr>
             <p:cNvSpPr/>
             <p:nvPr/>
           </p:nvSpPr>
           <p:spPr>
-            <a:xfrm flipH="false" flipV="false" rot="0">
+            <a:xfrm>
               <a:off x="0" y="0"/>
               <a:ext cx="2870962" cy="685800"/>
             </a:xfrm>
@@ -5020,9 +5085,9 @@
               <a:gdLst/>
               <a:ahLst/>
               <a:cxnLst/>
-              <a:rect r="r" b="b" t="t" l="l"/>
+              <a:rect l="l" t="t" r="r" b="b"/>
               <a:pathLst>
-                <a:path h="685800" w="2870962">
+                <a:path w="2870962" h="685800">
                   <a:moveTo>
                     <a:pt x="0" y="0"/>
                   </a:moveTo>
@@ -5045,7 +5110,7 @@
             <a:blipFill>
               <a:blip r:embed="rId4"/>
               <a:stretch>
-                <a:fillRect l="0" t="0" r="-1" b="0"/>
+                <a:fillRect r="-1"/>
               </a:stretch>
             </a:blipFill>
           </p:spPr>
@@ -5053,14 +5118,14 @@
       </p:grpSp>
       <p:grpSp>
         <p:nvGrpSpPr>
-          <p:cNvPr name="Group 6" id="6"/>
+          <p:cNvPr id="6" name="Group 6"/>
           <p:cNvGrpSpPr>
-            <a:grpSpLocks noChangeAspect="true"/>
+            <a:grpSpLocks noChangeAspect="1"/>
           </p:cNvGrpSpPr>
           <p:nvPr/>
         </p:nvGrpSpPr>
         <p:grpSpPr>
-          <a:xfrm rot="0">
+          <a:xfrm>
             <a:off x="11344275" y="0"/>
             <a:ext cx="6858000" cy="10287000"/>
             <a:chOff x="0" y="0"/>
@@ -5069,12 +5134,12 @@
         </p:grpSpPr>
         <p:sp>
           <p:nvSpPr>
-            <p:cNvPr name="Freeform 7" id="7"/>
+            <p:cNvPr id="7" name="Freeform 7"/>
             <p:cNvSpPr/>
             <p:nvPr/>
           </p:nvSpPr>
           <p:spPr>
-            <a:xfrm flipH="false" flipV="false" rot="0">
+            <a:xfrm>
               <a:off x="0" y="0"/>
               <a:ext cx="9144000" cy="13716000"/>
             </a:xfrm>
@@ -5083,9 +5148,9 @@
               <a:gdLst/>
               <a:ahLst/>
               <a:cxnLst/>
-              <a:rect r="r" b="b" t="t" l="l"/>
+              <a:rect l="l" t="t" r="r" b="b"/>
               <a:pathLst>
-                <a:path h="13716000" w="9144000">
+                <a:path w="9144000" h="13716000">
                   <a:moveTo>
                     <a:pt x="0" y="0"/>
                   </a:moveTo>
@@ -5108,7 +5173,7 @@
             <a:blipFill>
               <a:blip r:embed="rId5"/>
               <a:stretch>
-                <a:fillRect l="-20832" t="0" r="-29791" b="0"/>
+                <a:fillRect l="-20832" r="-29791"/>
               </a:stretch>
             </a:blipFill>
           </p:spPr>
@@ -5116,12 +5181,12 @@
       </p:grpSp>
       <p:sp>
         <p:nvSpPr>
-          <p:cNvPr name="Freeform 8" id="8"/>
+          <p:cNvPr id="8" name="Freeform 8"/>
           <p:cNvSpPr/>
           <p:nvPr/>
         </p:nvSpPr>
         <p:spPr>
-          <a:xfrm flipH="false" flipV="false" rot="3998324">
+          <a:xfrm rot="3998324">
             <a:off x="8132677" y="6983959"/>
             <a:ext cx="3270792" cy="4318716"/>
           </a:xfrm>
@@ -5130,9 +5195,9 @@
             <a:gdLst/>
             <a:ahLst/>
             <a:cxnLst/>
-            <a:rect r="r" b="b" t="t" l="l"/>
+            <a:rect l="l" t="t" r="r" b="b"/>
             <a:pathLst>
-              <a:path h="4318716" w="3270792">
+              <a:path w="3270792" h="4318716">
                 <a:moveTo>
                   <a:pt x="0" y="0"/>
                 </a:moveTo>
@@ -5156,24 +5221,24 @@
             <a:blip r:embed="rId6">
               <a:extLst>
                 <a:ext uri="{96DAC541-7B7A-43D3-8B79-37D633B846F1}">
-                  <asvg:svgBlip xmlns:asvg="http://schemas.microsoft.com/office/drawing/2016/SVG/main" r:embed="rId7"/>
+                  <asvg:svgBlip xmlns:asvg="http://schemas.microsoft.com/office/drawing/2016/SVG/main" xmlns="" r:embed="rId7"/>
                 </a:ext>
               </a:extLst>
             </a:blip>
             <a:stretch>
-              <a:fillRect l="0" t="0" r="0" b="0"/>
+              <a:fillRect/>
             </a:stretch>
           </a:blipFill>
         </p:spPr>
       </p:sp>
       <p:sp>
         <p:nvSpPr>
-          <p:cNvPr name="Freeform 9" id="9"/>
+          <p:cNvPr id="9" name="Freeform 9"/>
           <p:cNvSpPr/>
           <p:nvPr/>
         </p:nvSpPr>
         <p:spPr>
-          <a:xfrm flipH="false" flipV="false" rot="1695503">
+          <a:xfrm rot="1695503">
             <a:off x="-667352" y="-1248037"/>
             <a:ext cx="5780943" cy="7633090"/>
           </a:xfrm>
@@ -5182,9 +5247,9 @@
             <a:gdLst/>
             <a:ahLst/>
             <a:cxnLst/>
-            <a:rect r="r" b="b" t="t" l="l"/>
+            <a:rect l="l" t="t" r="r" b="b"/>
             <a:pathLst>
-              <a:path h="7633090" w="5780943">
+              <a:path w="5780943" h="7633090">
                 <a:moveTo>
                   <a:pt x="0" y="0"/>
                 </a:moveTo>
@@ -5208,24 +5273,24 @@
             <a:blip r:embed="rId8">
               <a:extLst>
                 <a:ext uri="{96DAC541-7B7A-43D3-8B79-37D633B846F1}">
-                  <asvg:svgBlip xmlns:asvg="http://schemas.microsoft.com/office/drawing/2016/SVG/main" r:embed="rId9"/>
+                  <asvg:svgBlip xmlns:asvg="http://schemas.microsoft.com/office/drawing/2016/SVG/main" xmlns="" r:embed="rId9"/>
                 </a:ext>
               </a:extLst>
             </a:blip>
             <a:stretch>
-              <a:fillRect l="0" t="0" r="0" b="0"/>
+              <a:fillRect/>
             </a:stretch>
           </a:blipFill>
         </p:spPr>
       </p:sp>
       <p:sp>
         <p:nvSpPr>
-          <p:cNvPr name="TextBox 10" id="10"/>
-          <p:cNvSpPr txBox="true"/>
-          <p:nvPr/>
-        </p:nvSpPr>
-        <p:spPr>
-          <a:xfrm rot="0">
+          <p:cNvPr id="10" name="TextBox 10"/>
+          <p:cNvSpPr txBox="1"/>
+          <p:nvPr/>
+        </p:nvSpPr>
+        <p:spPr>
+          <a:xfrm>
             <a:off x="1815303" y="1799080"/>
             <a:ext cx="8151762" cy="1182852"/>
           </a:xfrm>
@@ -5234,7 +5299,7 @@
           </a:prstGeom>
         </p:spPr>
         <p:txBody>
-          <a:bodyPr anchor="t" rtlCol="false" tIns="0" lIns="0" bIns="0" rIns="0">
+          <a:bodyPr lIns="0" tIns="0" rIns="0" bIns="0" rtlCol="0" anchor="t">
             <a:spAutoFit/>
           </a:bodyPr>
           <a:lstStyle/>
@@ -5245,7 +5310,7 @@
               </a:lnSpc>
             </a:pPr>
             <a:r>
-              <a:rPr lang="en-US" sz="7512" b="true">
+              <a:rPr lang="en-US" sz="7512" b="1">
                 <a:solidFill>
                   <a:srgbClr val="020202"/>
                 </a:solidFill>
@@ -5261,12 +5326,12 @@
       </p:sp>
       <p:sp>
         <p:nvSpPr>
-          <p:cNvPr name="TextBox 11" id="11"/>
-          <p:cNvSpPr txBox="true"/>
-          <p:nvPr/>
-        </p:nvSpPr>
-        <p:spPr>
-          <a:xfrm rot="0">
+          <p:cNvPr id="11" name="TextBox 11"/>
+          <p:cNvSpPr txBox="1"/>
+          <p:nvPr/>
+        </p:nvSpPr>
+        <p:spPr>
+          <a:xfrm>
             <a:off x="1805778" y="3039082"/>
             <a:ext cx="8151762" cy="914400"/>
           </a:xfrm>
@@ -5275,7 +5340,7 @@
           </a:prstGeom>
         </p:spPr>
         <p:txBody>
-          <a:bodyPr anchor="t" rtlCol="false" tIns="0" lIns="0" bIns="0" rIns="0">
+          <a:bodyPr lIns="0" tIns="0" rIns="0" bIns="0" rtlCol="0" anchor="t">
             <a:spAutoFit/>
           </a:bodyPr>
           <a:lstStyle/>
@@ -5302,12 +5367,12 @@
       </p:sp>
       <p:sp>
         <p:nvSpPr>
-          <p:cNvPr name="TextBox 12" id="12"/>
-          <p:cNvSpPr txBox="true"/>
-          <p:nvPr/>
-        </p:nvSpPr>
-        <p:spPr>
-          <a:xfrm rot="0">
+          <p:cNvPr id="12" name="TextBox 12"/>
+          <p:cNvSpPr txBox="1"/>
+          <p:nvPr/>
+        </p:nvSpPr>
+        <p:spPr>
+          <a:xfrm>
             <a:off x="1805778" y="4161956"/>
             <a:ext cx="8630032" cy="2258065"/>
           </a:xfrm>
@@ -5316,7 +5381,7 @@
           </a:prstGeom>
         </p:spPr>
         <p:txBody>
-          <a:bodyPr anchor="t" rtlCol="false" tIns="0" lIns="0" bIns="0" rIns="0">
+          <a:bodyPr lIns="0" tIns="0" rIns="0" bIns="0" rtlCol="0" anchor="t">
             <a:spAutoFit/>
           </a:bodyPr>
           <a:lstStyle/>
@@ -5327,7 +5392,7 @@
               </a:lnSpc>
             </a:pPr>
             <a:r>
-              <a:rPr lang="en-US" sz="6279" b="true">
+              <a:rPr lang="en-US" sz="6279" b="1">
                 <a:solidFill>
                   <a:srgbClr val="383838"/>
                 </a:solidFill>
@@ -5343,12 +5408,12 @@
       </p:sp>
       <p:sp>
         <p:nvSpPr>
-          <p:cNvPr name="TextBox 13" id="13"/>
-          <p:cNvSpPr txBox="true"/>
-          <p:nvPr/>
-        </p:nvSpPr>
-        <p:spPr>
-          <a:xfrm rot="0">
+          <p:cNvPr id="13" name="TextBox 13"/>
+          <p:cNvSpPr txBox="1"/>
+          <p:nvPr/>
+        </p:nvSpPr>
+        <p:spPr>
+          <a:xfrm>
             <a:off x="3804970" y="1250408"/>
             <a:ext cx="4115278" cy="586773"/>
           </a:xfrm>
@@ -5357,7 +5422,7 @@
           </a:prstGeom>
         </p:spPr>
         <p:txBody>
-          <a:bodyPr anchor="t" rtlCol="false" tIns="0" lIns="0" bIns="0" rIns="0">
+          <a:bodyPr lIns="0" tIns="0" rIns="0" bIns="0" rtlCol="0" anchor="t">
             <a:spAutoFit/>
           </a:bodyPr>
           <a:lstStyle/>
@@ -5368,7 +5433,7 @@
               </a:lnSpc>
             </a:pPr>
             <a:r>
-              <a:rPr lang="en-US" sz="3058" b="true">
+              <a:rPr lang="en-US" sz="3058" b="1">
                 <a:solidFill>
                   <a:srgbClr val="383838"/>
                 </a:solidFill>
@@ -5384,12 +5449,12 @@
       </p:sp>
       <p:grpSp>
         <p:nvGrpSpPr>
-          <p:cNvPr name="Group 14" id="14"/>
+          <p:cNvPr id="14" name="Group 14"/>
           <p:cNvGrpSpPr/>
           <p:nvPr/>
         </p:nvGrpSpPr>
         <p:grpSpPr>
-          <a:xfrm rot="0">
+          <a:xfrm>
             <a:off x="3230799" y="6923024"/>
             <a:ext cx="5320769" cy="2335276"/>
             <a:chOff x="0" y="0"/>
@@ -5398,12 +5463,12 @@
         </p:grpSpPr>
         <p:sp>
           <p:nvSpPr>
-            <p:cNvPr name="TextBox 15" id="15"/>
-            <p:cNvSpPr txBox="true"/>
+            <p:cNvPr id="15" name="TextBox 15"/>
+            <p:cNvSpPr txBox="1"/>
             <p:nvPr/>
           </p:nvSpPr>
           <p:spPr>
-            <a:xfrm rot="0">
+            <a:xfrm>
               <a:off x="0" y="900312"/>
               <a:ext cx="7094359" cy="659425"/>
             </a:xfrm>
@@ -5412,7 +5477,7 @@
             </a:prstGeom>
           </p:spPr>
           <p:txBody>
-            <a:bodyPr anchor="t" rtlCol="false" tIns="0" lIns="0" bIns="0" rIns="0">
+            <a:bodyPr lIns="0" tIns="0" rIns="0" bIns="0" rtlCol="0" anchor="t">
               <a:spAutoFit/>
             </a:bodyPr>
             <a:lstStyle/>
@@ -5439,12 +5504,12 @@
         </p:sp>
         <p:sp>
           <p:nvSpPr>
-            <p:cNvPr name="TextBox 16" id="16"/>
-            <p:cNvSpPr txBox="true"/>
+            <p:cNvPr id="16" name="TextBox 16"/>
+            <p:cNvSpPr txBox="1"/>
             <p:nvPr/>
           </p:nvSpPr>
           <p:spPr>
-            <a:xfrm rot="0">
+            <a:xfrm>
               <a:off x="1902860" y="-123825"/>
               <a:ext cx="3288639" cy="740098"/>
             </a:xfrm>
@@ -5453,7 +5518,7 @@
             </a:prstGeom>
           </p:spPr>
           <p:txBody>
-            <a:bodyPr anchor="t" rtlCol="false" tIns="0" lIns="0" bIns="0" rIns="0">
+            <a:bodyPr lIns="0" tIns="0" rIns="0" bIns="0" rtlCol="0" anchor="t">
               <a:spAutoFit/>
             </a:bodyPr>
             <a:lstStyle/>
@@ -5464,7 +5529,7 @@
                 </a:lnSpc>
               </a:pPr>
               <a:r>
-                <a:rPr lang="en-US" sz="3058" b="true">
+                <a:rPr lang="en-US" sz="3058" b="1">
                   <a:solidFill>
                     <a:srgbClr val="383838"/>
                   </a:solidFill>
@@ -5480,12 +5545,12 @@
         </p:sp>
         <p:sp>
           <p:nvSpPr>
-            <p:cNvPr name="TextBox 17" id="17"/>
-            <p:cNvSpPr txBox="true"/>
+            <p:cNvPr id="17" name="TextBox 17"/>
+            <p:cNvSpPr txBox="1"/>
             <p:nvPr/>
           </p:nvSpPr>
           <p:spPr>
-            <a:xfrm rot="0">
+            <a:xfrm>
               <a:off x="0" y="1677294"/>
               <a:ext cx="7094359" cy="659425"/>
             </a:xfrm>
@@ -5494,7 +5559,7 @@
             </a:prstGeom>
           </p:spPr>
           <p:txBody>
-            <a:bodyPr anchor="t" rtlCol="false" tIns="0" lIns="0" bIns="0" rIns="0">
+            <a:bodyPr lIns="0" tIns="0" rIns="0" bIns="0" rtlCol="0" anchor="t">
               <a:spAutoFit/>
             </a:bodyPr>
             <a:lstStyle/>
@@ -5521,12 +5586,12 @@
         </p:sp>
         <p:sp>
           <p:nvSpPr>
-            <p:cNvPr name="TextBox 18" id="18"/>
-            <p:cNvSpPr txBox="true"/>
+            <p:cNvPr id="18" name="TextBox 18"/>
+            <p:cNvSpPr txBox="1"/>
             <p:nvPr/>
           </p:nvSpPr>
           <p:spPr>
-            <a:xfrm rot="0">
+            <a:xfrm>
               <a:off x="0" y="2454277"/>
               <a:ext cx="7094359" cy="659425"/>
             </a:xfrm>
@@ -5535,7 +5600,7 @@
             </a:prstGeom>
           </p:spPr>
           <p:txBody>
-            <a:bodyPr anchor="t" rtlCol="false" tIns="0" lIns="0" bIns="0" rIns="0">
+            <a:bodyPr lIns="0" tIns="0" rIns="0" bIns="0" rtlCol="0" anchor="t">
               <a:spAutoFit/>
             </a:bodyPr>
             <a:lstStyle/>
@@ -5570,7 +5635,7 @@
 </file>
 
 <file path=ppt/slides/slide2.xml><?xml version="1.0" encoding="utf-8"?>
-<p:sld xmlns:p="http://schemas.openxmlformats.org/presentationml/2006/main" xmlns:a="http://schemas.openxmlformats.org/drawingml/2006/main" xmlns:r="http://schemas.openxmlformats.org/officeDocument/2006/relationships">
+<p:sld xmlns:a="http://schemas.openxmlformats.org/drawingml/2006/main" xmlns:r="http://schemas.openxmlformats.org/officeDocument/2006/relationships" xmlns:p="http://schemas.openxmlformats.org/presentationml/2006/main">
   <p:cSld>
     <p:spTree>
       <p:nvGrpSpPr>
@@ -5588,12 +5653,12 @@
       </p:grpSpPr>
       <p:grpSp>
         <p:nvGrpSpPr>
-          <p:cNvPr name="Group 2" id="2"/>
+          <p:cNvPr id="2" name="Group 2"/>
           <p:cNvGrpSpPr/>
           <p:nvPr/>
         </p:nvGrpSpPr>
         <p:grpSpPr>
-          <a:xfrm rot="0">
+          <a:xfrm>
             <a:off x="0" y="0"/>
             <a:ext cx="18288000" cy="10287000"/>
             <a:chOff x="0" y="0"/>
@@ -5602,12 +5667,12 @@
         </p:grpSpPr>
         <p:sp>
           <p:nvSpPr>
-            <p:cNvPr name="Freeform 3" id="3"/>
+            <p:cNvPr id="3" name="Freeform 3"/>
             <p:cNvSpPr/>
             <p:nvPr/>
           </p:nvSpPr>
           <p:spPr>
-            <a:xfrm flipH="false" flipV="false" rot="0">
+            <a:xfrm>
               <a:off x="0" y="0"/>
               <a:ext cx="24384000" cy="13716000"/>
             </a:xfrm>
@@ -5616,9 +5681,9 @@
               <a:gdLst/>
               <a:ahLst/>
               <a:cxnLst/>
-              <a:rect r="r" b="b" t="t" l="l"/>
+              <a:rect l="l" t="t" r="r" b="b"/>
               <a:pathLst>
-                <a:path h="13716000" w="24384000">
+                <a:path w="24384000" h="13716000">
                   <a:moveTo>
                     <a:pt x="0" y="0"/>
                   </a:moveTo>
@@ -5643,12 +5708,12 @@
       </p:grpSp>
       <p:grpSp>
         <p:nvGrpSpPr>
-          <p:cNvPr name="Group 4" id="4"/>
+          <p:cNvPr id="4" name="Group 4"/>
           <p:cNvGrpSpPr/>
           <p:nvPr/>
         </p:nvGrpSpPr>
         <p:grpSpPr>
-          <a:xfrm rot="0">
+          <a:xfrm>
             <a:off x="0" y="0"/>
             <a:ext cx="18288000" cy="10287000"/>
             <a:chOff x="0" y="0"/>
@@ -5657,12 +5722,12 @@
         </p:grpSpPr>
         <p:sp>
           <p:nvSpPr>
-            <p:cNvPr name="Freeform 5" id="5"/>
+            <p:cNvPr id="5" name="Freeform 5"/>
             <p:cNvSpPr/>
             <p:nvPr/>
           </p:nvSpPr>
           <p:spPr>
-            <a:xfrm flipH="false" flipV="false" rot="0">
+            <a:xfrm>
               <a:off x="0" y="0"/>
               <a:ext cx="24384000" cy="13716000"/>
             </a:xfrm>
@@ -5671,9 +5736,9 @@
               <a:gdLst/>
               <a:ahLst/>
               <a:cxnLst/>
-              <a:rect r="r" b="b" t="t" l="l"/>
+              <a:rect l="l" t="t" r="r" b="b"/>
               <a:pathLst>
-                <a:path h="13716000" w="24384000">
+                <a:path w="24384000" h="13716000">
                   <a:moveTo>
                     <a:pt x="0" y="0"/>
                   </a:moveTo>
@@ -5698,12 +5763,12 @@
       </p:grpSp>
       <p:sp>
         <p:nvSpPr>
-          <p:cNvPr name="Freeform 6" id="6"/>
+          <p:cNvPr id="6" name="Freeform 6"/>
           <p:cNvSpPr/>
           <p:nvPr/>
         </p:nvSpPr>
         <p:spPr>
-          <a:xfrm flipH="false" flipV="false" rot="3998324">
+          <a:xfrm rot="3998324">
             <a:off x="8132677" y="6983959"/>
             <a:ext cx="3270792" cy="4318716"/>
           </a:xfrm>
@@ -5712,9 +5777,9 @@
             <a:gdLst/>
             <a:ahLst/>
             <a:cxnLst/>
-            <a:rect r="r" b="b" t="t" l="l"/>
+            <a:rect l="l" t="t" r="r" b="b"/>
             <a:pathLst>
-              <a:path h="4318716" w="3270792">
+              <a:path w="3270792" h="4318716">
                 <a:moveTo>
                   <a:pt x="0" y="0"/>
                 </a:moveTo>
@@ -5738,24 +5803,24 @@
             <a:blip r:embed="rId3">
               <a:extLst>
                 <a:ext uri="{96DAC541-7B7A-43D3-8B79-37D633B846F1}">
-                  <asvg:svgBlip xmlns:asvg="http://schemas.microsoft.com/office/drawing/2016/SVG/main" r:embed="rId4"/>
+                  <asvg:svgBlip xmlns:asvg="http://schemas.microsoft.com/office/drawing/2016/SVG/main" xmlns="" r:embed="rId4"/>
                 </a:ext>
               </a:extLst>
             </a:blip>
             <a:stretch>
-              <a:fillRect l="0" t="0" r="0" b="0"/>
+              <a:fillRect/>
             </a:stretch>
           </a:blipFill>
         </p:spPr>
       </p:sp>
       <p:sp>
         <p:nvSpPr>
-          <p:cNvPr name="Freeform 7" id="7"/>
+          <p:cNvPr id="7" name="Freeform 7"/>
           <p:cNvSpPr/>
           <p:nvPr/>
         </p:nvSpPr>
         <p:spPr>
-          <a:xfrm flipH="false" flipV="false" rot="0">
+          <a:xfrm>
             <a:off x="629832" y="2169335"/>
             <a:ext cx="7156705" cy="6870436"/>
           </a:xfrm>
@@ -5764,9 +5829,9 @@
             <a:gdLst/>
             <a:ahLst/>
             <a:cxnLst/>
-            <a:rect r="r" b="b" t="t" l="l"/>
+            <a:rect l="l" t="t" r="r" b="b"/>
             <a:pathLst>
-              <a:path h="6870436" w="7156705">
+              <a:path w="7156705" h="6870436">
                 <a:moveTo>
                   <a:pt x="0" y="0"/>
                 </a:moveTo>
@@ -5789,19 +5854,19 @@
           <a:blipFill>
             <a:blip r:embed="rId5"/>
             <a:stretch>
-              <a:fillRect l="0" t="0" r="0" b="0"/>
+              <a:fillRect/>
             </a:stretch>
           </a:blipFill>
         </p:spPr>
       </p:sp>
       <p:sp>
         <p:nvSpPr>
-          <p:cNvPr name="TextBox 8" id="8"/>
-          <p:cNvSpPr txBox="true"/>
-          <p:nvPr/>
-        </p:nvSpPr>
-        <p:spPr>
-          <a:xfrm rot="0">
+          <p:cNvPr id="8" name="TextBox 8"/>
+          <p:cNvSpPr txBox="1"/>
+          <p:nvPr/>
+        </p:nvSpPr>
+        <p:spPr>
+          <a:xfrm>
             <a:off x="971550" y="734765"/>
             <a:ext cx="8577673" cy="885825"/>
           </a:xfrm>
@@ -5810,7 +5875,7 @@
           </a:prstGeom>
         </p:spPr>
         <p:txBody>
-          <a:bodyPr anchor="t" rtlCol="false" tIns="0" lIns="0" bIns="0" rIns="0">
+          <a:bodyPr lIns="0" tIns="0" rIns="0" bIns="0" rtlCol="0" anchor="t">
             <a:spAutoFit/>
           </a:bodyPr>
           <a:lstStyle/>
@@ -5821,7 +5886,7 @@
               </a:lnSpc>
             </a:pPr>
             <a:r>
-              <a:rPr lang="en-US" sz="5687" b="true">
+              <a:rPr lang="en-US" sz="5687" b="1">
                 <a:solidFill>
                   <a:srgbClr val="020202"/>
                 </a:solidFill>
@@ -5837,12 +5902,12 @@
       </p:sp>
       <p:sp>
         <p:nvSpPr>
-          <p:cNvPr name="TextBox 9" id="9"/>
-          <p:cNvSpPr txBox="true"/>
-          <p:nvPr/>
-        </p:nvSpPr>
-        <p:spPr>
-          <a:xfrm rot="0">
+          <p:cNvPr id="9" name="TextBox 9"/>
+          <p:cNvSpPr txBox="1"/>
+          <p:nvPr/>
+        </p:nvSpPr>
+        <p:spPr>
+          <a:xfrm>
             <a:off x="8298866" y="2111432"/>
             <a:ext cx="3643759" cy="514879"/>
           </a:xfrm>
@@ -5851,7 +5916,7 @@
           </a:prstGeom>
         </p:spPr>
         <p:txBody>
-          <a:bodyPr anchor="t" rtlCol="false" tIns="0" lIns="0" bIns="0" rIns="0">
+          <a:bodyPr lIns="0" tIns="0" rIns="0" bIns="0" rtlCol="0" anchor="t">
             <a:spAutoFit/>
           </a:bodyPr>
           <a:lstStyle/>
@@ -5862,7 +5927,7 @@
               </a:lnSpc>
             </a:pPr>
             <a:r>
-              <a:rPr lang="en-US" sz="3312" b="true">
+              <a:rPr lang="en-US" sz="3312" b="1">
                 <a:solidFill>
                   <a:srgbClr val="020202"/>
                 </a:solidFill>
@@ -5878,12 +5943,12 @@
       </p:sp>
       <p:sp>
         <p:nvSpPr>
-          <p:cNvPr name="TextBox 10" id="10"/>
-          <p:cNvSpPr txBox="true"/>
-          <p:nvPr/>
-        </p:nvSpPr>
-        <p:spPr>
-          <a:xfrm rot="0">
+          <p:cNvPr id="10" name="TextBox 10"/>
+          <p:cNvSpPr txBox="1"/>
+          <p:nvPr/>
+        </p:nvSpPr>
+        <p:spPr>
+          <a:xfrm>
             <a:off x="8298866" y="2654548"/>
             <a:ext cx="9208084" cy="2170038"/>
           </a:xfrm>
@@ -5892,7 +5957,7 @@
           </a:prstGeom>
         </p:spPr>
         <p:txBody>
-          <a:bodyPr anchor="t" rtlCol="false" tIns="0" lIns="0" bIns="0" rIns="0">
+          <a:bodyPr lIns="0" tIns="0" rIns="0" bIns="0" rtlCol="0" anchor="t">
             <a:spAutoFit/>
           </a:bodyPr>
           <a:lstStyle/>
@@ -5919,12 +5984,12 @@
       </p:sp>
       <p:sp>
         <p:nvSpPr>
-          <p:cNvPr name="TextBox 11" id="11"/>
-          <p:cNvSpPr txBox="true"/>
-          <p:nvPr/>
-        </p:nvSpPr>
-        <p:spPr>
-          <a:xfrm rot="0">
+          <p:cNvPr id="11" name="TextBox 11"/>
+          <p:cNvSpPr txBox="1"/>
+          <p:nvPr/>
+        </p:nvSpPr>
+        <p:spPr>
+          <a:xfrm>
             <a:off x="8298866" y="5262736"/>
             <a:ext cx="3643759" cy="514879"/>
           </a:xfrm>
@@ -5933,7 +5998,7 @@
           </a:prstGeom>
         </p:spPr>
         <p:txBody>
-          <a:bodyPr anchor="t" rtlCol="false" tIns="0" lIns="0" bIns="0" rIns="0">
+          <a:bodyPr lIns="0" tIns="0" rIns="0" bIns="0" rtlCol="0" anchor="t">
             <a:spAutoFit/>
           </a:bodyPr>
           <a:lstStyle/>
@@ -5944,7 +6009,7 @@
               </a:lnSpc>
             </a:pPr>
             <a:r>
-              <a:rPr lang="en-US" sz="3312" b="true">
+              <a:rPr lang="en-US" sz="3312" b="1">
                 <a:solidFill>
                   <a:srgbClr val="020202"/>
                 </a:solidFill>
@@ -5960,12 +6025,12 @@
       </p:sp>
       <p:grpSp>
         <p:nvGrpSpPr>
-          <p:cNvPr name="Group 12" id="12"/>
+          <p:cNvPr id="12" name="Group 12"/>
           <p:cNvGrpSpPr/>
           <p:nvPr/>
         </p:nvGrpSpPr>
         <p:grpSpPr>
-          <a:xfrm rot="0">
+          <a:xfrm>
             <a:off x="8069373" y="5970315"/>
             <a:ext cx="9437577" cy="2427708"/>
             <a:chOff x="0" y="0"/>
@@ -5974,12 +6039,12 @@
         </p:grpSpPr>
         <p:sp>
           <p:nvSpPr>
-            <p:cNvPr name="TextBox 13" id="13"/>
-            <p:cNvSpPr txBox="true"/>
+            <p:cNvPr id="13" name="TextBox 13"/>
+            <p:cNvSpPr txBox="1"/>
             <p:nvPr/>
           </p:nvSpPr>
           <p:spPr>
-            <a:xfrm rot="0">
+            <a:xfrm>
               <a:off x="0" y="-104775"/>
               <a:ext cx="12583437" cy="648659"/>
             </a:xfrm>
@@ -5988,12 +6053,12 @@
             </a:prstGeom>
           </p:spPr>
           <p:txBody>
-            <a:bodyPr anchor="t" rtlCol="false" tIns="0" lIns="0" bIns="0" rIns="0">
+            <a:bodyPr lIns="0" tIns="0" rIns="0" bIns="0" rtlCol="0" anchor="t">
               <a:spAutoFit/>
             </a:bodyPr>
             <a:lstStyle/>
             <a:p>
-              <a:pPr algn="l" marL="410963" indent="-205481" lvl="1">
+              <a:pPr marL="410963" lvl="1" indent="-205481" algn="l">
                 <a:lnSpc>
                   <a:spcPts val="4408"/>
                 </a:lnSpc>
@@ -6017,12 +6082,12 @@
         </p:sp>
         <p:sp>
           <p:nvSpPr>
-            <p:cNvPr name="TextBox 14" id="14"/>
-            <p:cNvSpPr txBox="true"/>
+            <p:cNvPr id="14" name="TextBox 14"/>
+            <p:cNvSpPr txBox="1"/>
             <p:nvPr/>
           </p:nvSpPr>
           <p:spPr>
-            <a:xfrm rot="0">
+            <a:xfrm>
               <a:off x="0" y="568489"/>
               <a:ext cx="12583437" cy="648659"/>
             </a:xfrm>
@@ -6031,12 +6096,12 @@
             </a:prstGeom>
           </p:spPr>
           <p:txBody>
-            <a:bodyPr anchor="t" rtlCol="false" tIns="0" lIns="0" bIns="0" rIns="0">
+            <a:bodyPr lIns="0" tIns="0" rIns="0" bIns="0" rtlCol="0" anchor="t">
               <a:spAutoFit/>
             </a:bodyPr>
             <a:lstStyle/>
             <a:p>
-              <a:pPr algn="l" marL="410963" indent="-205481" lvl="1">
+              <a:pPr marL="410963" lvl="1" indent="-205481" algn="l">
                 <a:lnSpc>
                   <a:spcPts val="4408"/>
                 </a:lnSpc>
@@ -6060,12 +6125,12 @@
         </p:sp>
         <p:sp>
           <p:nvSpPr>
-            <p:cNvPr name="TextBox 15" id="15"/>
-            <p:cNvSpPr txBox="true"/>
+            <p:cNvPr id="15" name="TextBox 15"/>
+            <p:cNvSpPr txBox="1"/>
             <p:nvPr/>
           </p:nvSpPr>
           <p:spPr>
-            <a:xfrm rot="0">
+            <a:xfrm>
               <a:off x="0" y="1241754"/>
               <a:ext cx="12583437" cy="648659"/>
             </a:xfrm>
@@ -6074,12 +6139,12 @@
             </a:prstGeom>
           </p:spPr>
           <p:txBody>
-            <a:bodyPr anchor="t" rtlCol="false" tIns="0" lIns="0" bIns="0" rIns="0">
+            <a:bodyPr lIns="0" tIns="0" rIns="0" bIns="0" rtlCol="0" anchor="t">
               <a:spAutoFit/>
             </a:bodyPr>
             <a:lstStyle/>
             <a:p>
-              <a:pPr algn="l" marL="410963" indent="-205481" lvl="1">
+              <a:pPr marL="410963" lvl="1" indent="-205481" algn="l">
                 <a:lnSpc>
                   <a:spcPts val="4408"/>
                 </a:lnSpc>
@@ -6103,12 +6168,12 @@
         </p:sp>
         <p:sp>
           <p:nvSpPr>
-            <p:cNvPr name="TextBox 16" id="16"/>
-            <p:cNvSpPr txBox="true"/>
+            <p:cNvPr id="16" name="TextBox 16"/>
+            <p:cNvSpPr txBox="1"/>
             <p:nvPr/>
           </p:nvSpPr>
           <p:spPr>
-            <a:xfrm rot="0">
+            <a:xfrm>
               <a:off x="0" y="1915018"/>
               <a:ext cx="12583437" cy="648659"/>
             </a:xfrm>
@@ -6117,12 +6182,12 @@
             </a:prstGeom>
           </p:spPr>
           <p:txBody>
-            <a:bodyPr anchor="t" rtlCol="false" tIns="0" lIns="0" bIns="0" rIns="0">
+            <a:bodyPr lIns="0" tIns="0" rIns="0" bIns="0" rtlCol="0" anchor="t">
               <a:spAutoFit/>
             </a:bodyPr>
             <a:lstStyle/>
             <a:p>
-              <a:pPr algn="l" marL="410963" indent="-205481" lvl="1">
+              <a:pPr marL="410963" lvl="1" indent="-205481" algn="l">
                 <a:lnSpc>
                   <a:spcPts val="4408"/>
                 </a:lnSpc>
@@ -6146,12 +6211,12 @@
         </p:sp>
         <p:sp>
           <p:nvSpPr>
-            <p:cNvPr name="TextBox 17" id="17"/>
-            <p:cNvSpPr txBox="true"/>
+            <p:cNvPr id="17" name="TextBox 17"/>
+            <p:cNvSpPr txBox="1"/>
             <p:nvPr/>
           </p:nvSpPr>
           <p:spPr>
-            <a:xfrm rot="0">
+            <a:xfrm>
               <a:off x="0" y="2588284"/>
               <a:ext cx="12583437" cy="648659"/>
             </a:xfrm>
@@ -6160,12 +6225,12 @@
             </a:prstGeom>
           </p:spPr>
           <p:txBody>
-            <a:bodyPr anchor="t" rtlCol="false" tIns="0" lIns="0" bIns="0" rIns="0">
+            <a:bodyPr lIns="0" tIns="0" rIns="0" bIns="0" rtlCol="0" anchor="t">
               <a:spAutoFit/>
             </a:bodyPr>
             <a:lstStyle/>
             <a:p>
-              <a:pPr algn="l" marL="410963" indent="-205481" lvl="1">
+              <a:pPr marL="410963" lvl="1" indent="-205481" algn="l">
                 <a:lnSpc>
                   <a:spcPts val="4408"/>
                 </a:lnSpc>
@@ -6190,12 +6255,12 @@
       </p:grpSp>
       <p:sp>
         <p:nvSpPr>
-          <p:cNvPr name="Freeform 18" id="18"/>
+          <p:cNvPr id="18" name="Freeform 18"/>
           <p:cNvSpPr/>
           <p:nvPr/>
         </p:nvSpPr>
         <p:spPr>
-          <a:xfrm flipH="true" flipV="true" rot="3471976">
+          <a:xfrm rot="3471976" flipH="1" flipV="1">
             <a:off x="11646919" y="-2755363"/>
             <a:ext cx="5780943" cy="7633090"/>
           </a:xfrm>
@@ -6204,9 +6269,9 @@
             <a:gdLst/>
             <a:ahLst/>
             <a:cxnLst/>
-            <a:rect r="r" b="b" t="t" l="l"/>
+            <a:rect l="l" t="t" r="r" b="b"/>
             <a:pathLst>
-              <a:path h="7633090" w="5780943">
+              <a:path w="5780943" h="7633090">
                 <a:moveTo>
                   <a:pt x="5780944" y="7633090"/>
                 </a:moveTo>
@@ -6230,15 +6295,52 @@
             <a:blip r:embed="rId6">
               <a:extLst>
                 <a:ext uri="{96DAC541-7B7A-43D3-8B79-37D633B846F1}">
-                  <asvg:svgBlip xmlns:asvg="http://schemas.microsoft.com/office/drawing/2016/SVG/main" r:embed="rId7"/>
+                  <asvg:svgBlip xmlns:asvg="http://schemas.microsoft.com/office/drawing/2016/SVG/main" xmlns="" r:embed="rId7"/>
                 </a:ext>
               </a:extLst>
             </a:blip>
             <a:stretch>
-              <a:fillRect l="0" t="0" r="0" b="0"/>
+              <a:fillRect/>
             </a:stretch>
           </a:blipFill>
         </p:spPr>
+      </p:sp>
+      <p:sp>
+        <p:nvSpPr>
+          <p:cNvPr id="19" name="TextBox 18"/>
+          <p:cNvSpPr txBox="1"/>
+          <p:nvPr/>
+        </p:nvSpPr>
+        <p:spPr>
+          <a:xfrm>
+            <a:off x="14935200" y="9791700"/>
+            <a:ext cx="9208084" cy="369332"/>
+          </a:xfrm>
+          <a:prstGeom prst="rect">
+            <a:avLst/>
+          </a:prstGeom>
+        </p:spPr>
+        <p:txBody>
+          <a:bodyPr lIns="0" tIns="0" rIns="0" bIns="0" rtlCol="0" anchor="t">
+            <a:spAutoFit/>
+          </a:bodyPr>
+          <a:lstStyle/>
+          <a:p>
+            <a:r>
+              <a:rPr lang="en-US" sz="2400" dirty="0" smtClean="0"/>
+              <a:t>Group No. 7 		2</a:t>
+            </a:r>
+            <a:endParaRPr lang="en-US" sz="2120" dirty="0">
+              <a:solidFill>
+                <a:srgbClr val="383838"/>
+              </a:solidFill>
+              <a:latin typeface="DM Sans"/>
+              <a:ea typeface="DM Sans"/>
+              <a:cs typeface="DM Sans"/>
+              <a:sym typeface="DM Sans"/>
+            </a:endParaRPr>
+          </a:p>
+        </p:txBody>
       </p:sp>
     </p:spTree>
   </p:cSld>
@@ -6249,7 +6351,7 @@
 </file>
 
 <file path=ppt/slides/slide3.xml><?xml version="1.0" encoding="utf-8"?>
-<p:sld xmlns:p="http://schemas.openxmlformats.org/presentationml/2006/main" xmlns:a="http://schemas.openxmlformats.org/drawingml/2006/main" xmlns:r="http://schemas.openxmlformats.org/officeDocument/2006/relationships">
+<p:sld xmlns:a="http://schemas.openxmlformats.org/drawingml/2006/main" xmlns:r="http://schemas.openxmlformats.org/officeDocument/2006/relationships" xmlns:p="http://schemas.openxmlformats.org/presentationml/2006/main">
   <p:cSld>
     <p:spTree>
       <p:nvGrpSpPr>
@@ -6267,12 +6369,12 @@
       </p:grpSpPr>
       <p:grpSp>
         <p:nvGrpSpPr>
-          <p:cNvPr name="Group 2" id="2"/>
+          <p:cNvPr id="2" name="Group 2"/>
           <p:cNvGrpSpPr/>
           <p:nvPr/>
         </p:nvGrpSpPr>
         <p:grpSpPr>
-          <a:xfrm rot="0">
+          <a:xfrm>
             <a:off x="0" y="0"/>
             <a:ext cx="18288000" cy="10287000"/>
             <a:chOff x="0" y="0"/>
@@ -6281,12 +6383,12 @@
         </p:grpSpPr>
         <p:sp>
           <p:nvSpPr>
-            <p:cNvPr name="Freeform 3" id="3"/>
+            <p:cNvPr id="3" name="Freeform 3"/>
             <p:cNvSpPr/>
             <p:nvPr/>
           </p:nvSpPr>
           <p:spPr>
-            <a:xfrm flipH="false" flipV="false" rot="0">
+            <a:xfrm>
               <a:off x="0" y="0"/>
               <a:ext cx="24384000" cy="13716000"/>
             </a:xfrm>
@@ -6295,9 +6397,9 @@
               <a:gdLst/>
               <a:ahLst/>
               <a:cxnLst/>
-              <a:rect r="r" b="b" t="t" l="l"/>
+              <a:rect l="l" t="t" r="r" b="b"/>
               <a:pathLst>
-                <a:path h="13716000" w="24384000">
+                <a:path w="24384000" h="13716000">
                   <a:moveTo>
                     <a:pt x="0" y="0"/>
                   </a:moveTo>
@@ -6322,13 +6424,13 @@
       </p:grpSp>
       <p:grpSp>
         <p:nvGrpSpPr>
-          <p:cNvPr name="Group 4" id="4"/>
+          <p:cNvPr id="4" name="Group 4"/>
           <p:cNvGrpSpPr/>
           <p:nvPr/>
         </p:nvGrpSpPr>
         <p:grpSpPr>
-          <a:xfrm rot="0">
-            <a:off x="0" y="0"/>
+          <a:xfrm>
+            <a:off x="-152400" y="0"/>
             <a:ext cx="18288000" cy="10287000"/>
             <a:chOff x="0" y="0"/>
             <a:chExt cx="24384000" cy="13716000"/>
@@ -6336,12 +6438,12 @@
         </p:grpSpPr>
         <p:sp>
           <p:nvSpPr>
-            <p:cNvPr name="Freeform 5" id="5"/>
+            <p:cNvPr id="5" name="Freeform 5"/>
             <p:cNvSpPr/>
             <p:nvPr/>
           </p:nvSpPr>
           <p:spPr>
-            <a:xfrm flipH="false" flipV="false" rot="0">
+            <a:xfrm>
               <a:off x="0" y="0"/>
               <a:ext cx="24384000" cy="13716000"/>
             </a:xfrm>
@@ -6350,9 +6452,9 @@
               <a:gdLst/>
               <a:ahLst/>
               <a:cxnLst/>
-              <a:rect r="r" b="b" t="t" l="l"/>
+              <a:rect l="l" t="t" r="r" b="b"/>
               <a:pathLst>
-                <a:path h="13716000" w="24384000">
+                <a:path w="24384000" h="13716000">
                   <a:moveTo>
                     <a:pt x="0" y="0"/>
                   </a:moveTo>
@@ -6377,12 +6479,12 @@
       </p:grpSp>
       <p:sp>
         <p:nvSpPr>
-          <p:cNvPr name="Freeform 6" id="6"/>
+          <p:cNvPr id="6" name="Freeform 6"/>
           <p:cNvSpPr/>
           <p:nvPr/>
         </p:nvSpPr>
         <p:spPr>
-          <a:xfrm flipH="true" flipV="true" rot="3471976">
+          <a:xfrm rot="3471976" flipH="1" flipV="1">
             <a:off x="11646919" y="-2755363"/>
             <a:ext cx="5780943" cy="7633090"/>
           </a:xfrm>
@@ -6391,9 +6493,9 @@
             <a:gdLst/>
             <a:ahLst/>
             <a:cxnLst/>
-            <a:rect r="r" b="b" t="t" l="l"/>
+            <a:rect l="l" t="t" r="r" b="b"/>
             <a:pathLst>
-              <a:path h="7633090" w="5780943">
+              <a:path w="5780943" h="7633090">
                 <a:moveTo>
                   <a:pt x="5780944" y="7633090"/>
                 </a:moveTo>
@@ -6417,24 +6519,24 @@
             <a:blip r:embed="rId3">
               <a:extLst>
                 <a:ext uri="{96DAC541-7B7A-43D3-8B79-37D633B846F1}">
-                  <asvg:svgBlip xmlns:asvg="http://schemas.microsoft.com/office/drawing/2016/SVG/main" r:embed="rId4"/>
+                  <asvg:svgBlip xmlns:asvg="http://schemas.microsoft.com/office/drawing/2016/SVG/main" xmlns="" r:embed="rId4"/>
                 </a:ext>
               </a:extLst>
             </a:blip>
             <a:stretch>
-              <a:fillRect l="0" t="0" r="0" b="0"/>
+              <a:fillRect/>
             </a:stretch>
           </a:blipFill>
         </p:spPr>
       </p:sp>
       <p:sp>
         <p:nvSpPr>
-          <p:cNvPr name="Freeform 7" id="7"/>
+          <p:cNvPr id="7" name="Freeform 7"/>
           <p:cNvSpPr/>
           <p:nvPr/>
         </p:nvSpPr>
         <p:spPr>
-          <a:xfrm flipH="false" flipV="false" rot="1695503">
+          <a:xfrm rot="1695503">
             <a:off x="-667352" y="-1248037"/>
             <a:ext cx="5780943" cy="7633090"/>
           </a:xfrm>
@@ -6443,9 +6545,9 @@
             <a:gdLst/>
             <a:ahLst/>
             <a:cxnLst/>
-            <a:rect r="r" b="b" t="t" l="l"/>
+            <a:rect l="l" t="t" r="r" b="b"/>
             <a:pathLst>
-              <a:path h="7633090" w="5780943">
+              <a:path w="5780943" h="7633090">
                 <a:moveTo>
                   <a:pt x="0" y="0"/>
                 </a:moveTo>
@@ -6469,24 +6571,24 @@
             <a:blip r:embed="rId3">
               <a:extLst>
                 <a:ext uri="{96DAC541-7B7A-43D3-8B79-37D633B846F1}">
-                  <asvg:svgBlip xmlns:asvg="http://schemas.microsoft.com/office/drawing/2016/SVG/main" r:embed="rId4"/>
+                  <asvg:svgBlip xmlns:asvg="http://schemas.microsoft.com/office/drawing/2016/SVG/main" xmlns="" r:embed="rId4"/>
                 </a:ext>
               </a:extLst>
             </a:blip>
             <a:stretch>
-              <a:fillRect l="0" t="0" r="0" b="0"/>
+              <a:fillRect/>
             </a:stretch>
           </a:blipFill>
         </p:spPr>
       </p:sp>
       <p:grpSp>
         <p:nvGrpSpPr>
-          <p:cNvPr name="Group 8" id="8"/>
+          <p:cNvPr id="8" name="Group 8"/>
           <p:cNvGrpSpPr/>
           <p:nvPr/>
         </p:nvGrpSpPr>
         <p:grpSpPr>
-          <a:xfrm rot="0">
+          <a:xfrm>
             <a:off x="852487" y="3025527"/>
             <a:ext cx="16425862" cy="1808857"/>
             <a:chOff x="0" y="0"/>
@@ -6495,12 +6597,12 @@
         </p:grpSpPr>
         <p:sp>
           <p:nvSpPr>
-            <p:cNvPr name="Freeform 9" id="9"/>
+            <p:cNvPr id="9" name="Freeform 9"/>
             <p:cNvSpPr/>
             <p:nvPr/>
           </p:nvSpPr>
           <p:spPr>
-            <a:xfrm flipH="false" flipV="false" rot="0">
+            <a:xfrm>
               <a:off x="0" y="0"/>
               <a:ext cx="21901150" cy="2411857"/>
             </a:xfrm>
@@ -6509,9 +6611,9 @@
               <a:gdLst/>
               <a:ahLst/>
               <a:cxnLst/>
-              <a:rect r="r" b="b" t="t" l="l"/>
+              <a:rect l="l" t="t" r="r" b="b"/>
               <a:pathLst>
-                <a:path h="2411857" w="21901150">
+                <a:path w="21901150" h="2411857">
                   <a:moveTo>
                     <a:pt x="0" y="53213"/>
                   </a:moveTo>
@@ -6556,12 +6658,12 @@
       </p:grpSp>
       <p:grpSp>
         <p:nvGrpSpPr>
-          <p:cNvPr name="Group 10" id="10"/>
+          <p:cNvPr id="10" name="Group 10"/>
           <p:cNvGrpSpPr/>
           <p:nvPr/>
         </p:nvGrpSpPr>
         <p:grpSpPr>
-          <a:xfrm rot="0">
+          <a:xfrm>
             <a:off x="852488" y="3025527"/>
             <a:ext cx="5208537" cy="4951607"/>
             <a:chOff x="0" y="0"/>
@@ -6570,12 +6672,12 @@
         </p:grpSpPr>
         <p:sp>
           <p:nvSpPr>
-            <p:cNvPr name="Freeform 11" id="11"/>
+            <p:cNvPr id="11" name="Freeform 11"/>
             <p:cNvSpPr/>
             <p:nvPr/>
           </p:nvSpPr>
           <p:spPr>
-            <a:xfrm flipH="false" flipV="false" rot="0">
+            <a:xfrm>
               <a:off x="0" y="0"/>
               <a:ext cx="6944741" cy="6602189"/>
             </a:xfrm>
@@ -6584,9 +6686,9 @@
               <a:gdLst/>
               <a:ahLst/>
               <a:cxnLst/>
-              <a:rect r="r" b="b" t="t" l="l"/>
+              <a:rect l="l" t="t" r="r" b="b"/>
               <a:pathLst>
-                <a:path h="6602189" w="6944741">
+                <a:path w="6944741" h="6602189">
                   <a:moveTo>
                     <a:pt x="0" y="145666"/>
                   </a:moveTo>
@@ -6631,12 +6733,12 @@
       </p:grpSp>
       <p:grpSp>
         <p:nvGrpSpPr>
-          <p:cNvPr name="Group 12" id="12"/>
+          <p:cNvPr id="12" name="Group 12"/>
           <p:cNvGrpSpPr/>
           <p:nvPr/>
         </p:nvGrpSpPr>
         <p:grpSpPr>
-          <a:xfrm rot="0">
+          <a:xfrm>
             <a:off x="6416427" y="3025527"/>
             <a:ext cx="5297984" cy="4951607"/>
             <a:chOff x="0" y="0"/>
@@ -6645,12 +6747,12 @@
         </p:grpSpPr>
         <p:sp>
           <p:nvSpPr>
-            <p:cNvPr name="Freeform 13" id="13"/>
+            <p:cNvPr id="13" name="Freeform 13"/>
             <p:cNvSpPr/>
             <p:nvPr/>
           </p:nvSpPr>
           <p:spPr>
-            <a:xfrm flipH="false" flipV="false" rot="0">
+            <a:xfrm>
               <a:off x="0" y="0"/>
               <a:ext cx="7064003" cy="6602189"/>
             </a:xfrm>
@@ -6659,9 +6761,9 @@
               <a:gdLst/>
               <a:ahLst/>
               <a:cxnLst/>
-              <a:rect r="r" b="b" t="t" l="l"/>
+              <a:rect l="l" t="t" r="r" b="b"/>
               <a:pathLst>
-                <a:path h="6602189" w="7064003">
+                <a:path w="7064003" h="6602189">
                   <a:moveTo>
                     <a:pt x="0" y="0"/>
                   </a:moveTo>
@@ -6686,12 +6788,12 @@
       </p:grpSp>
       <p:grpSp>
         <p:nvGrpSpPr>
-          <p:cNvPr name="Group 14" id="14"/>
+          <p:cNvPr id="14" name="Group 14"/>
           <p:cNvGrpSpPr/>
           <p:nvPr/>
         </p:nvGrpSpPr>
         <p:grpSpPr>
-          <a:xfrm rot="0">
+          <a:xfrm>
             <a:off x="6327725" y="3025527"/>
             <a:ext cx="28575" cy="1808857"/>
             <a:chOff x="0" y="0"/>
@@ -6700,12 +6802,12 @@
         </p:grpSpPr>
         <p:sp>
           <p:nvSpPr>
-            <p:cNvPr name="Freeform 15" id="15"/>
+            <p:cNvPr id="15" name="Freeform 15"/>
             <p:cNvSpPr/>
             <p:nvPr/>
           </p:nvSpPr>
           <p:spPr>
-            <a:xfrm flipH="false" flipV="false" rot="0">
+            <a:xfrm>
               <a:off x="0" y="0"/>
               <a:ext cx="38100" cy="2411857"/>
             </a:xfrm>
@@ -6714,9 +6816,9 @@
               <a:gdLst/>
               <a:ahLst/>
               <a:cxnLst/>
-              <a:rect r="r" b="b" t="t" l="l"/>
+              <a:rect l="l" t="t" r="r" b="b"/>
               <a:pathLst>
-                <a:path h="2411857" w="38100">
+                <a:path w="38100" h="2411857">
                   <a:moveTo>
                     <a:pt x="0" y="19050"/>
                   </a:moveTo>
@@ -6755,12 +6857,12 @@
       </p:grpSp>
       <p:grpSp>
         <p:nvGrpSpPr>
-          <p:cNvPr name="Group 16" id="16"/>
+          <p:cNvPr id="16" name="Group 16"/>
           <p:cNvGrpSpPr/>
           <p:nvPr/>
         </p:nvGrpSpPr>
         <p:grpSpPr>
-          <a:xfrm rot="0">
+          <a:xfrm>
             <a:off x="12012514" y="3025527"/>
             <a:ext cx="5168205" cy="4951607"/>
             <a:chOff x="0" y="0"/>
@@ -6769,12 +6871,12 @@
         </p:grpSpPr>
         <p:sp>
           <p:nvSpPr>
-            <p:cNvPr name="Freeform 17" id="17"/>
+            <p:cNvPr id="17" name="Freeform 17"/>
             <p:cNvSpPr/>
             <p:nvPr/>
           </p:nvSpPr>
           <p:spPr>
-            <a:xfrm flipH="false" flipV="false" rot="0">
+            <a:xfrm>
               <a:off x="0" y="0"/>
               <a:ext cx="6890896" cy="6602189"/>
             </a:xfrm>
@@ -6783,9 +6885,9 @@
               <a:gdLst/>
               <a:ahLst/>
               <a:cxnLst/>
-              <a:rect r="r" b="b" t="t" l="l"/>
+              <a:rect l="l" t="t" r="r" b="b"/>
               <a:pathLst>
-                <a:path h="6602189" w="6890896">
+                <a:path w="6890896" h="6602189">
                   <a:moveTo>
                     <a:pt x="0" y="0"/>
                   </a:moveTo>
@@ -6810,12 +6912,12 @@
       </p:grpSp>
       <p:grpSp>
         <p:nvGrpSpPr>
-          <p:cNvPr name="Group 18" id="18"/>
+          <p:cNvPr id="18" name="Group 18"/>
           <p:cNvGrpSpPr/>
           <p:nvPr/>
         </p:nvGrpSpPr>
         <p:grpSpPr>
-          <a:xfrm rot="0">
+          <a:xfrm>
             <a:off x="11802964" y="3025527"/>
             <a:ext cx="28575" cy="1808857"/>
             <a:chOff x="0" y="0"/>
@@ -6824,12 +6926,12 @@
         </p:grpSpPr>
         <p:sp>
           <p:nvSpPr>
-            <p:cNvPr name="Freeform 19" id="19"/>
+            <p:cNvPr id="19" name="Freeform 19"/>
             <p:cNvSpPr/>
             <p:nvPr/>
           </p:nvSpPr>
           <p:spPr>
-            <a:xfrm flipH="false" flipV="false" rot="0">
+            <a:xfrm>
               <a:off x="0" y="0"/>
               <a:ext cx="38100" cy="2411857"/>
             </a:xfrm>
@@ -6838,9 +6940,9 @@
               <a:gdLst/>
               <a:ahLst/>
               <a:cxnLst/>
-              <a:rect r="r" b="b" t="t" l="l"/>
+              <a:rect l="l" t="t" r="r" b="b"/>
               <a:pathLst>
-                <a:path h="2411857" w="38100">
+                <a:path w="38100" h="2411857">
                   <a:moveTo>
                     <a:pt x="0" y="19050"/>
                   </a:moveTo>
@@ -6879,12 +6981,12 @@
       </p:grpSp>
       <p:grpSp>
         <p:nvGrpSpPr>
-          <p:cNvPr name="Group 20" id="20"/>
+          <p:cNvPr id="20" name="Group 20"/>
           <p:cNvGrpSpPr/>
           <p:nvPr/>
         </p:nvGrpSpPr>
         <p:grpSpPr>
-          <a:xfrm rot="0">
+          <a:xfrm>
             <a:off x="852487" y="8290024"/>
             <a:ext cx="5297984" cy="968276"/>
             <a:chOff x="0" y="0"/>
@@ -6893,12 +6995,12 @@
         </p:grpSpPr>
         <p:sp>
           <p:nvSpPr>
-            <p:cNvPr name="Freeform 21" id="21"/>
+            <p:cNvPr id="21" name="Freeform 21"/>
             <p:cNvSpPr/>
             <p:nvPr/>
           </p:nvSpPr>
           <p:spPr>
-            <a:xfrm flipH="false" flipV="false" rot="0">
+            <a:xfrm>
               <a:off x="0" y="0"/>
               <a:ext cx="7063994" cy="1291082"/>
             </a:xfrm>
@@ -6907,9 +7009,9 @@
               <a:gdLst/>
               <a:ahLst/>
               <a:cxnLst/>
-              <a:rect r="r" b="b" t="t" l="l"/>
+              <a:rect l="l" t="t" r="r" b="b"/>
               <a:pathLst>
-                <a:path h="1291082" w="7063994">
+                <a:path w="7063994" h="1291082">
                   <a:moveTo>
                     <a:pt x="0" y="53213"/>
                   </a:moveTo>
@@ -6954,12 +7056,12 @@
       </p:grpSp>
       <p:sp>
         <p:nvSpPr>
-          <p:cNvPr name="Freeform 22" id="22"/>
+          <p:cNvPr id="22" name="Freeform 22"/>
           <p:cNvSpPr/>
           <p:nvPr/>
         </p:nvSpPr>
         <p:spPr>
-          <a:xfrm flipH="false" flipV="false" rot="3998324">
+          <a:xfrm rot="3998324">
             <a:off x="8132677" y="6983959"/>
             <a:ext cx="3270792" cy="4318716"/>
           </a:xfrm>
@@ -6968,9 +7070,9 @@
             <a:gdLst/>
             <a:ahLst/>
             <a:cxnLst/>
-            <a:rect r="r" b="b" t="t" l="l"/>
+            <a:rect l="l" t="t" r="r" b="b"/>
             <a:pathLst>
-              <a:path h="4318716" w="3270792">
+              <a:path w="3270792" h="4318716">
                 <a:moveTo>
                   <a:pt x="0" y="0"/>
                 </a:moveTo>
@@ -6994,24 +7096,24 @@
             <a:blip r:embed="rId5">
               <a:extLst>
                 <a:ext uri="{96DAC541-7B7A-43D3-8B79-37D633B846F1}">
-                  <asvg:svgBlip xmlns:asvg="http://schemas.microsoft.com/office/drawing/2016/SVG/main" r:embed="rId6"/>
+                  <asvg:svgBlip xmlns:asvg="http://schemas.microsoft.com/office/drawing/2016/SVG/main" xmlns="" r:embed="rId6"/>
                 </a:ext>
               </a:extLst>
             </a:blip>
             <a:stretch>
-              <a:fillRect l="0" t="0" r="0" b="0"/>
+              <a:fillRect/>
             </a:stretch>
           </a:blipFill>
         </p:spPr>
       </p:sp>
       <p:grpSp>
         <p:nvGrpSpPr>
-          <p:cNvPr name="Group 23" id="23"/>
+          <p:cNvPr id="23" name="Group 23"/>
           <p:cNvGrpSpPr/>
           <p:nvPr/>
         </p:nvGrpSpPr>
         <p:grpSpPr>
-          <a:xfrm rot="0">
+          <a:xfrm>
             <a:off x="6416427" y="8290024"/>
             <a:ext cx="5297984" cy="968276"/>
             <a:chOff x="0" y="0"/>
@@ -7020,12 +7122,12 @@
         </p:grpSpPr>
         <p:sp>
           <p:nvSpPr>
-            <p:cNvPr name="Freeform 24" id="24"/>
+            <p:cNvPr id="24" name="Freeform 24"/>
             <p:cNvSpPr/>
             <p:nvPr/>
           </p:nvSpPr>
           <p:spPr>
-            <a:xfrm flipH="false" flipV="false" rot="0">
+            <a:xfrm>
               <a:off x="0" y="0"/>
               <a:ext cx="7063994" cy="1291082"/>
             </a:xfrm>
@@ -7034,9 +7136,9 @@
               <a:gdLst/>
               <a:ahLst/>
               <a:cxnLst/>
-              <a:rect r="r" b="b" t="t" l="l"/>
+              <a:rect l="l" t="t" r="r" b="b"/>
               <a:pathLst>
-                <a:path h="1291082" w="7063994">
+                <a:path w="7063994" h="1291082">
                   <a:moveTo>
                     <a:pt x="0" y="53213"/>
                   </a:moveTo>
@@ -7081,12 +7183,12 @@
       </p:grpSp>
       <p:grpSp>
         <p:nvGrpSpPr>
-          <p:cNvPr name="Group 25" id="25"/>
+          <p:cNvPr id="25" name="Group 25"/>
           <p:cNvGrpSpPr/>
           <p:nvPr/>
         </p:nvGrpSpPr>
         <p:grpSpPr>
-          <a:xfrm rot="0">
+          <a:xfrm>
             <a:off x="11980366" y="8290024"/>
             <a:ext cx="5297984" cy="968276"/>
             <a:chOff x="0" y="0"/>
@@ -7095,12 +7197,12 @@
         </p:grpSpPr>
         <p:sp>
           <p:nvSpPr>
-            <p:cNvPr name="Freeform 26" id="26"/>
+            <p:cNvPr id="26" name="Freeform 26"/>
             <p:cNvSpPr/>
             <p:nvPr/>
           </p:nvSpPr>
           <p:spPr>
-            <a:xfrm flipH="false" flipV="false" rot="0">
+            <a:xfrm>
               <a:off x="0" y="0"/>
               <a:ext cx="7063994" cy="1291082"/>
             </a:xfrm>
@@ -7109,9 +7211,9 @@
               <a:gdLst/>
               <a:ahLst/>
               <a:cxnLst/>
-              <a:rect r="r" b="b" t="t" l="l"/>
+              <a:rect l="l" t="t" r="r" b="b"/>
               <a:pathLst>
-                <a:path h="1291082" w="7063994">
+                <a:path w="7063994" h="1291082">
                   <a:moveTo>
                     <a:pt x="0" y="53213"/>
                   </a:moveTo>
@@ -7156,12 +7258,12 @@
       </p:grpSp>
       <p:sp>
         <p:nvSpPr>
-          <p:cNvPr name="TextBox 27" id="27"/>
-          <p:cNvSpPr txBox="true"/>
-          <p:nvPr/>
-        </p:nvSpPr>
-        <p:spPr>
-          <a:xfrm rot="0">
+          <p:cNvPr id="27" name="TextBox 27"/>
+          <p:cNvSpPr txBox="1"/>
+          <p:nvPr/>
+        </p:nvSpPr>
+        <p:spPr>
+          <a:xfrm>
             <a:off x="852488" y="904875"/>
             <a:ext cx="8635459" cy="849313"/>
           </a:xfrm>
@@ -7170,7 +7272,7 @@
           </a:prstGeom>
         </p:spPr>
         <p:txBody>
-          <a:bodyPr anchor="t" rtlCol="false" tIns="0" lIns="0" bIns="0" rIns="0">
+          <a:bodyPr lIns="0" tIns="0" rIns="0" bIns="0" rtlCol="0" anchor="t">
             <a:spAutoFit/>
           </a:bodyPr>
           <a:lstStyle/>
@@ -7181,7 +7283,7 @@
               </a:lnSpc>
             </a:pPr>
             <a:r>
-              <a:rPr lang="en-US" sz="5437" b="true">
+              <a:rPr lang="en-US" sz="5437" b="1">
                 <a:solidFill>
                   <a:srgbClr val="020202"/>
                 </a:solidFill>
@@ -7197,12 +7299,12 @@
       </p:sp>
       <p:sp>
         <p:nvSpPr>
-          <p:cNvPr name="TextBox 28" id="28"/>
-          <p:cNvSpPr txBox="true"/>
-          <p:nvPr/>
-        </p:nvSpPr>
-        <p:spPr>
-          <a:xfrm rot="0">
+          <p:cNvPr id="28" name="TextBox 28"/>
+          <p:cNvSpPr txBox="1"/>
+          <p:nvPr/>
+        </p:nvSpPr>
+        <p:spPr>
+          <a:xfrm>
             <a:off x="873919" y="1901577"/>
             <a:ext cx="14807059" cy="838200"/>
           </a:xfrm>
@@ -7211,7 +7313,7 @@
           </a:prstGeom>
         </p:spPr>
         <p:txBody>
-          <a:bodyPr anchor="t" rtlCol="false" tIns="0" lIns="0" bIns="0" rIns="0">
+          <a:bodyPr lIns="0" tIns="0" rIns="0" bIns="0" rtlCol="0" anchor="t">
             <a:spAutoFit/>
           </a:bodyPr>
           <a:lstStyle/>
@@ -7238,12 +7340,12 @@
       </p:sp>
       <p:sp>
         <p:nvSpPr>
-          <p:cNvPr name="TextBox 29" id="29"/>
-          <p:cNvSpPr txBox="true"/>
-          <p:nvPr/>
-        </p:nvSpPr>
-        <p:spPr>
-          <a:xfrm rot="0">
+          <p:cNvPr id="29" name="TextBox 29"/>
+          <p:cNvSpPr txBox="1"/>
+          <p:nvPr/>
+        </p:nvSpPr>
+        <p:spPr>
+          <a:xfrm>
             <a:off x="1118444" y="3272432"/>
             <a:ext cx="3491805" cy="528438"/>
           </a:xfrm>
@@ -7252,7 +7354,7 @@
           </a:prstGeom>
         </p:spPr>
         <p:txBody>
-          <a:bodyPr anchor="t" rtlCol="false" tIns="0" lIns="0" bIns="0" rIns="0">
+          <a:bodyPr lIns="0" tIns="0" rIns="0" bIns="0" rtlCol="0" anchor="t">
             <a:spAutoFit/>
           </a:bodyPr>
           <a:lstStyle/>
@@ -7279,12 +7381,12 @@
       </p:sp>
       <p:sp>
         <p:nvSpPr>
-          <p:cNvPr name="TextBox 30" id="30"/>
-          <p:cNvSpPr txBox="true"/>
-          <p:nvPr/>
-        </p:nvSpPr>
-        <p:spPr>
-          <a:xfrm rot="0">
+          <p:cNvPr id="30" name="TextBox 30"/>
+          <p:cNvSpPr txBox="1"/>
+          <p:nvPr/>
+        </p:nvSpPr>
+        <p:spPr>
+          <a:xfrm>
             <a:off x="1089124" y="4123135"/>
             <a:ext cx="4943326" cy="2903293"/>
           </a:xfrm>
@@ -7293,12 +7395,12 @@
           </a:prstGeom>
         </p:spPr>
         <p:txBody>
-          <a:bodyPr anchor="t" rtlCol="false" tIns="0" lIns="0" bIns="0" rIns="0">
+          <a:bodyPr lIns="0" tIns="0" rIns="0" bIns="0" rtlCol="0" anchor="t">
             <a:spAutoFit/>
           </a:bodyPr>
           <a:lstStyle/>
           <a:p>
-            <a:pPr algn="l" marL="631501" indent="-315751" lvl="1">
+            <a:pPr marL="631501" lvl="1" indent="-315751" algn="l">
               <a:lnSpc>
                 <a:spcPts val="4723"/>
               </a:lnSpc>
@@ -7319,7 +7421,7 @@
             </a:r>
           </a:p>
           <a:p>
-            <a:pPr algn="l" marL="631501" indent="-315751" lvl="1">
+            <a:pPr marL="631501" lvl="1" indent="-315751" algn="l">
               <a:lnSpc>
                 <a:spcPts val="4723"/>
               </a:lnSpc>
@@ -7340,7 +7442,7 @@
             </a:r>
           </a:p>
           <a:p>
-            <a:pPr algn="l" marL="631501" indent="-315751" lvl="1">
+            <a:pPr marL="631501" lvl="1" indent="-315751" algn="l">
               <a:lnSpc>
                 <a:spcPts val="4723"/>
               </a:lnSpc>
@@ -7361,7 +7463,7 @@
             </a:r>
           </a:p>
           <a:p>
-            <a:pPr algn="l" marL="631501" indent="-315751" lvl="1">
+            <a:pPr marL="631501" lvl="1" indent="-315751" algn="l">
               <a:lnSpc>
                 <a:spcPts val="4723"/>
               </a:lnSpc>
@@ -7382,7 +7484,7 @@
             </a:r>
           </a:p>
           <a:p>
-            <a:pPr algn="l" marL="631501" indent="-315751" lvl="1">
+            <a:pPr marL="631501" lvl="1" indent="-315751" algn="l">
               <a:lnSpc>
                 <a:spcPts val="4724"/>
               </a:lnSpc>
@@ -7406,12 +7508,12 @@
       </p:sp>
       <p:sp>
         <p:nvSpPr>
-          <p:cNvPr name="TextBox 31" id="31"/>
-          <p:cNvSpPr txBox="true"/>
-          <p:nvPr/>
-        </p:nvSpPr>
-        <p:spPr>
-          <a:xfrm rot="0">
+          <p:cNvPr id="31" name="TextBox 31"/>
+          <p:cNvSpPr txBox="1"/>
+          <p:nvPr/>
+        </p:nvSpPr>
+        <p:spPr>
+          <a:xfrm>
             <a:off x="6593681" y="3272432"/>
             <a:ext cx="3491805" cy="528438"/>
           </a:xfrm>
@@ -7420,7 +7522,7 @@
           </a:prstGeom>
         </p:spPr>
         <p:txBody>
-          <a:bodyPr anchor="t" rtlCol="false" tIns="0" lIns="0" bIns="0" rIns="0">
+          <a:bodyPr lIns="0" tIns="0" rIns="0" bIns="0" rtlCol="0" anchor="t">
             <a:spAutoFit/>
           </a:bodyPr>
           <a:lstStyle/>
@@ -7447,12 +7549,12 @@
       </p:sp>
       <p:sp>
         <p:nvSpPr>
-          <p:cNvPr name="TextBox 32" id="32"/>
-          <p:cNvSpPr txBox="true"/>
-          <p:nvPr/>
-        </p:nvSpPr>
-        <p:spPr>
-          <a:xfrm rot="0">
+          <p:cNvPr id="32" name="TextBox 32"/>
+          <p:cNvSpPr txBox="1"/>
+          <p:nvPr/>
+        </p:nvSpPr>
+        <p:spPr>
+          <a:xfrm>
             <a:off x="6593681" y="4123135"/>
             <a:ext cx="4943326" cy="2312743"/>
           </a:xfrm>
@@ -7461,12 +7563,12 @@
           </a:prstGeom>
         </p:spPr>
         <p:txBody>
-          <a:bodyPr anchor="t" rtlCol="false" tIns="0" lIns="0" bIns="0" rIns="0">
+          <a:bodyPr lIns="0" tIns="0" rIns="0" bIns="0" rtlCol="0" anchor="t">
             <a:spAutoFit/>
           </a:bodyPr>
           <a:lstStyle/>
           <a:p>
-            <a:pPr algn="l" marL="631501" indent="-315751" lvl="1">
+            <a:pPr marL="631501" lvl="1" indent="-315751" algn="l">
               <a:lnSpc>
                 <a:spcPts val="4723"/>
               </a:lnSpc>
@@ -7487,7 +7589,7 @@
             </a:r>
           </a:p>
           <a:p>
-            <a:pPr algn="l" marL="631501" indent="-315751" lvl="1">
+            <a:pPr marL="631501" lvl="1" indent="-315751" algn="l">
               <a:lnSpc>
                 <a:spcPts val="4723"/>
               </a:lnSpc>
@@ -7508,7 +7610,7 @@
             </a:r>
           </a:p>
           <a:p>
-            <a:pPr algn="l" marL="631501" indent="-315751" lvl="1">
+            <a:pPr marL="631501" lvl="1" indent="-315751" algn="l">
               <a:lnSpc>
                 <a:spcPts val="4723"/>
               </a:lnSpc>
@@ -7529,7 +7631,7 @@
             </a:r>
           </a:p>
           <a:p>
-            <a:pPr algn="l" marL="631501" indent="-315751" lvl="1">
+            <a:pPr marL="631501" lvl="1" indent="-315751" algn="l">
               <a:lnSpc>
                 <a:spcPts val="4724"/>
               </a:lnSpc>
@@ -7553,12 +7655,12 @@
       </p:sp>
       <p:sp>
         <p:nvSpPr>
-          <p:cNvPr name="TextBox 33" id="33"/>
-          <p:cNvSpPr txBox="true"/>
-          <p:nvPr/>
-        </p:nvSpPr>
-        <p:spPr>
-          <a:xfrm rot="0">
+          <p:cNvPr id="33" name="TextBox 33"/>
+          <p:cNvSpPr txBox="1"/>
+          <p:nvPr/>
+        </p:nvSpPr>
+        <p:spPr>
+          <a:xfrm>
             <a:off x="12068919" y="3272432"/>
             <a:ext cx="3491805" cy="528438"/>
           </a:xfrm>
@@ -7567,7 +7669,7 @@
           </a:prstGeom>
         </p:spPr>
         <p:txBody>
-          <a:bodyPr anchor="t" rtlCol="false" tIns="0" lIns="0" bIns="0" rIns="0">
+          <a:bodyPr lIns="0" tIns="0" rIns="0" bIns="0" rtlCol="0" anchor="t">
             <a:spAutoFit/>
           </a:bodyPr>
           <a:lstStyle/>
@@ -7594,12 +7696,12 @@
       </p:sp>
       <p:sp>
         <p:nvSpPr>
-          <p:cNvPr name="TextBox 34" id="34"/>
-          <p:cNvSpPr txBox="true"/>
-          <p:nvPr/>
-        </p:nvSpPr>
-        <p:spPr>
-          <a:xfrm rot="0">
+          <p:cNvPr id="34" name="TextBox 34"/>
+          <p:cNvSpPr txBox="1"/>
+          <p:nvPr/>
+        </p:nvSpPr>
+        <p:spPr>
+          <a:xfrm>
             <a:off x="12126814" y="4123135"/>
             <a:ext cx="4943475" cy="1131643"/>
           </a:xfrm>
@@ -7608,12 +7710,12 @@
           </a:prstGeom>
         </p:spPr>
         <p:txBody>
-          <a:bodyPr anchor="t" rtlCol="false" tIns="0" lIns="0" bIns="0" rIns="0">
+          <a:bodyPr lIns="0" tIns="0" rIns="0" bIns="0" rtlCol="0" anchor="t">
             <a:spAutoFit/>
           </a:bodyPr>
           <a:lstStyle/>
           <a:p>
-            <a:pPr algn="l" marL="631501" indent="-315751" lvl="1">
+            <a:pPr marL="631501" lvl="1" indent="-315751" algn="l">
               <a:lnSpc>
                 <a:spcPts val="4723"/>
               </a:lnSpc>
@@ -7634,7 +7736,7 @@
             </a:r>
           </a:p>
           <a:p>
-            <a:pPr algn="l" marL="631501" indent="-315751" lvl="1">
+            <a:pPr marL="631501" lvl="1" indent="-315751" algn="l">
               <a:lnSpc>
                 <a:spcPts val="4724"/>
               </a:lnSpc>
@@ -7658,12 +7760,12 @@
       </p:sp>
       <p:sp>
         <p:nvSpPr>
-          <p:cNvPr name="TextBox 35" id="35"/>
-          <p:cNvSpPr txBox="true"/>
-          <p:nvPr/>
-        </p:nvSpPr>
-        <p:spPr>
-          <a:xfrm rot="0">
+          <p:cNvPr id="35" name="TextBox 35"/>
+          <p:cNvSpPr txBox="1"/>
+          <p:nvPr/>
+        </p:nvSpPr>
+        <p:spPr>
+          <a:xfrm>
             <a:off x="1118444" y="8536930"/>
             <a:ext cx="3604618" cy="455414"/>
           </a:xfrm>
@@ -7672,7 +7774,7 @@
           </a:prstGeom>
         </p:spPr>
         <p:txBody>
-          <a:bodyPr anchor="t" rtlCol="false" tIns="0" lIns="0" bIns="0" rIns="0">
+          <a:bodyPr lIns="0" tIns="0" rIns="0" bIns="0" rtlCol="0" anchor="t">
             <a:spAutoFit/>
           </a:bodyPr>
           <a:lstStyle/>
@@ -7699,12 +7801,12 @@
       </p:sp>
       <p:sp>
         <p:nvSpPr>
-          <p:cNvPr name="TextBox 36" id="36"/>
-          <p:cNvSpPr txBox="true"/>
-          <p:nvPr/>
-        </p:nvSpPr>
-        <p:spPr>
-          <a:xfrm rot="0">
+          <p:cNvPr id="36" name="TextBox 36"/>
+          <p:cNvSpPr txBox="1"/>
+          <p:nvPr/>
+        </p:nvSpPr>
+        <p:spPr>
+          <a:xfrm>
             <a:off x="6682382" y="8536930"/>
             <a:ext cx="3491805" cy="455414"/>
           </a:xfrm>
@@ -7713,7 +7815,7 @@
           </a:prstGeom>
         </p:spPr>
         <p:txBody>
-          <a:bodyPr anchor="t" rtlCol="false" tIns="0" lIns="0" bIns="0" rIns="0">
+          <a:bodyPr lIns="0" tIns="0" rIns="0" bIns="0" rtlCol="0" anchor="t">
             <a:spAutoFit/>
           </a:bodyPr>
           <a:lstStyle/>
@@ -7740,12 +7842,12 @@
       </p:sp>
       <p:sp>
         <p:nvSpPr>
-          <p:cNvPr name="TextBox 37" id="37"/>
-          <p:cNvSpPr txBox="true"/>
-          <p:nvPr/>
-        </p:nvSpPr>
-        <p:spPr>
-          <a:xfrm rot="0">
+          <p:cNvPr id="37" name="TextBox 37"/>
+          <p:cNvSpPr txBox="1"/>
+          <p:nvPr/>
+        </p:nvSpPr>
+        <p:spPr>
+          <a:xfrm>
             <a:off x="12246322" y="8536930"/>
             <a:ext cx="3491805" cy="455414"/>
           </a:xfrm>
@@ -7754,7 +7856,7 @@
           </a:prstGeom>
         </p:spPr>
         <p:txBody>
-          <a:bodyPr anchor="t" rtlCol="false" tIns="0" lIns="0" bIns="0" rIns="0">
+          <a:bodyPr lIns="0" tIns="0" rIns="0" bIns="0" rtlCol="0" anchor="t">
             <a:spAutoFit/>
           </a:bodyPr>
           <a:lstStyle/>
@@ -7779,6 +7881,47 @@
           </a:p>
         </p:txBody>
       </p:sp>
+      <p:sp>
+        <p:nvSpPr>
+          <p:cNvPr id="38" name="TextBox 37"/>
+          <p:cNvSpPr txBox="1"/>
+          <p:nvPr/>
+        </p:nvSpPr>
+        <p:spPr>
+          <a:xfrm>
+            <a:off x="14935200" y="9789056"/>
+            <a:ext cx="9208084" cy="369332"/>
+          </a:xfrm>
+          <a:prstGeom prst="rect">
+            <a:avLst/>
+          </a:prstGeom>
+        </p:spPr>
+        <p:txBody>
+          <a:bodyPr lIns="0" tIns="0" rIns="0" bIns="0" rtlCol="0" anchor="t">
+            <a:spAutoFit/>
+          </a:bodyPr>
+          <a:lstStyle/>
+          <a:p>
+            <a:r>
+              <a:rPr lang="en-US" sz="2400" dirty="0" smtClean="0"/>
+              <a:t>Group No. 7 		</a:t>
+            </a:r>
+            <a:r>
+              <a:rPr lang="en-US" sz="2400" dirty="0" smtClean="0"/>
+              <a:t>3</a:t>
+            </a:r>
+            <a:endParaRPr lang="en-US" sz="2120" dirty="0">
+              <a:solidFill>
+                <a:srgbClr val="383838"/>
+              </a:solidFill>
+              <a:latin typeface="DM Sans"/>
+              <a:ea typeface="DM Sans"/>
+              <a:cs typeface="DM Sans"/>
+              <a:sym typeface="DM Sans"/>
+            </a:endParaRPr>
+          </a:p>
+        </p:txBody>
+      </p:sp>
     </p:spTree>
   </p:cSld>
   <p:clrMapOvr>
@@ -7788,7 +7931,7 @@
 </file>
 
 <file path=ppt/slides/slide4.xml><?xml version="1.0" encoding="utf-8"?>
-<p:sld xmlns:p="http://schemas.openxmlformats.org/presentationml/2006/main" xmlns:a="http://schemas.openxmlformats.org/drawingml/2006/main" xmlns:r="http://schemas.openxmlformats.org/officeDocument/2006/relationships">
+<p:sld xmlns:a="http://schemas.openxmlformats.org/drawingml/2006/main" xmlns:r="http://schemas.openxmlformats.org/officeDocument/2006/relationships" xmlns:p="http://schemas.openxmlformats.org/presentationml/2006/main">
   <p:cSld>
     <p:spTree>
       <p:nvGrpSpPr>
@@ -7806,12 +7949,12 @@
       </p:grpSpPr>
       <p:grpSp>
         <p:nvGrpSpPr>
-          <p:cNvPr name="Group 2" id="2"/>
+          <p:cNvPr id="2" name="Group 2"/>
           <p:cNvGrpSpPr/>
           <p:nvPr/>
         </p:nvGrpSpPr>
         <p:grpSpPr>
-          <a:xfrm rot="0">
+          <a:xfrm>
             <a:off x="0" y="0"/>
             <a:ext cx="18288000" cy="10287000"/>
             <a:chOff x="0" y="0"/>
@@ -7820,12 +7963,12 @@
         </p:grpSpPr>
         <p:sp>
           <p:nvSpPr>
-            <p:cNvPr name="Freeform 3" id="3"/>
+            <p:cNvPr id="3" name="Freeform 3"/>
             <p:cNvSpPr/>
             <p:nvPr/>
           </p:nvSpPr>
           <p:spPr>
-            <a:xfrm flipH="false" flipV="false" rot="0">
+            <a:xfrm>
               <a:off x="0" y="0"/>
               <a:ext cx="24384000" cy="13716000"/>
             </a:xfrm>
@@ -7834,9 +7977,9 @@
               <a:gdLst/>
               <a:ahLst/>
               <a:cxnLst/>
-              <a:rect r="r" b="b" t="t" l="l"/>
+              <a:rect l="l" t="t" r="r" b="b"/>
               <a:pathLst>
-                <a:path h="13716000" w="24384000">
+                <a:path w="24384000" h="13716000">
                   <a:moveTo>
                     <a:pt x="0" y="0"/>
                   </a:moveTo>
@@ -7861,12 +8004,12 @@
       </p:grpSp>
       <p:sp>
         <p:nvSpPr>
-          <p:cNvPr name="Freeform 4" id="4"/>
+          <p:cNvPr id="4" name="Freeform 4"/>
           <p:cNvSpPr/>
           <p:nvPr/>
         </p:nvSpPr>
         <p:spPr>
-          <a:xfrm flipH="false" flipV="false" rot="3998324">
+          <a:xfrm rot="3998324">
             <a:off x="8132677" y="6983959"/>
             <a:ext cx="3270792" cy="4318716"/>
           </a:xfrm>
@@ -7875,9 +8018,9 @@
             <a:gdLst/>
             <a:ahLst/>
             <a:cxnLst/>
-            <a:rect r="r" b="b" t="t" l="l"/>
+            <a:rect l="l" t="t" r="r" b="b"/>
             <a:pathLst>
-              <a:path h="4318716" w="3270792">
+              <a:path w="3270792" h="4318716">
                 <a:moveTo>
                   <a:pt x="0" y="0"/>
                 </a:moveTo>
@@ -7901,24 +8044,24 @@
             <a:blip r:embed="rId3">
               <a:extLst>
                 <a:ext uri="{96DAC541-7B7A-43D3-8B79-37D633B846F1}">
-                  <asvg:svgBlip xmlns:asvg="http://schemas.microsoft.com/office/drawing/2016/SVG/main" r:embed="rId4"/>
+                  <asvg:svgBlip xmlns:asvg="http://schemas.microsoft.com/office/drawing/2016/SVG/main" xmlns="" r:embed="rId4"/>
                 </a:ext>
               </a:extLst>
             </a:blip>
             <a:stretch>
-              <a:fillRect l="0" t="0" r="0" b="0"/>
+              <a:fillRect/>
             </a:stretch>
           </a:blipFill>
         </p:spPr>
       </p:sp>
       <p:sp>
         <p:nvSpPr>
-          <p:cNvPr name="Freeform 5" id="5"/>
+          <p:cNvPr id="5" name="Freeform 5"/>
           <p:cNvSpPr/>
           <p:nvPr/>
         </p:nvSpPr>
         <p:spPr>
-          <a:xfrm flipH="false" flipV="false" rot="1695503">
+          <a:xfrm rot="1695503">
             <a:off x="-667352" y="-1248037"/>
             <a:ext cx="5780943" cy="7633090"/>
           </a:xfrm>
@@ -7927,9 +8070,9 @@
             <a:gdLst/>
             <a:ahLst/>
             <a:cxnLst/>
-            <a:rect r="r" b="b" t="t" l="l"/>
+            <a:rect l="l" t="t" r="r" b="b"/>
             <a:pathLst>
-              <a:path h="7633090" w="5780943">
+              <a:path w="5780943" h="7633090">
                 <a:moveTo>
                   <a:pt x="0" y="0"/>
                 </a:moveTo>
@@ -7953,26 +8096,26 @@
             <a:blip r:embed="rId5">
               <a:extLst>
                 <a:ext uri="{96DAC541-7B7A-43D3-8B79-37D633B846F1}">
-                  <asvg:svgBlip xmlns:asvg="http://schemas.microsoft.com/office/drawing/2016/SVG/main" r:embed="rId6"/>
+                  <asvg:svgBlip xmlns:asvg="http://schemas.microsoft.com/office/drawing/2016/SVG/main" xmlns="" r:embed="rId6"/>
                 </a:ext>
               </a:extLst>
             </a:blip>
             <a:stretch>
-              <a:fillRect l="0" t="0" r="0" b="0"/>
+              <a:fillRect/>
             </a:stretch>
           </a:blipFill>
         </p:spPr>
       </p:sp>
       <p:grpSp>
         <p:nvGrpSpPr>
-          <p:cNvPr name="Group 6" id="6"/>
+          <p:cNvPr id="6" name="Group 6"/>
           <p:cNvGrpSpPr>
-            <a:grpSpLocks noChangeAspect="true"/>
+            <a:grpSpLocks noChangeAspect="1"/>
           </p:cNvGrpSpPr>
           <p:nvPr/>
         </p:nvGrpSpPr>
         <p:grpSpPr>
-          <a:xfrm rot="0">
+          <a:xfrm>
             <a:off x="0" y="-1254807"/>
             <a:ext cx="7450187" cy="11175281"/>
             <a:chOff x="0" y="0"/>
@@ -7981,12 +8124,12 @@
         </p:grpSpPr>
         <p:sp>
           <p:nvSpPr>
-            <p:cNvPr name="Freeform 7" id="7"/>
+            <p:cNvPr id="7" name="Freeform 7"/>
             <p:cNvSpPr/>
             <p:nvPr/>
           </p:nvSpPr>
           <p:spPr>
-            <a:xfrm flipH="false" flipV="false" rot="0">
+            <a:xfrm>
               <a:off x="0" y="0"/>
               <a:ext cx="9144000" cy="13716000"/>
             </a:xfrm>
@@ -7995,9 +8138,9 @@
               <a:gdLst/>
               <a:ahLst/>
               <a:cxnLst/>
-              <a:rect r="r" b="b" t="t" l="l"/>
+              <a:rect l="l" t="t" r="r" b="b"/>
               <a:pathLst>
-                <a:path h="13716000" w="9144000">
+                <a:path w="9144000" h="13716000">
                   <a:moveTo>
                     <a:pt x="0" y="0"/>
                   </a:moveTo>
@@ -8020,7 +8163,7 @@
             <a:blipFill>
               <a:blip r:embed="rId7"/>
               <a:stretch>
-                <a:fillRect l="0" t="0" r="0" b="0"/>
+                <a:fillRect/>
               </a:stretch>
             </a:blipFill>
           </p:spPr>
@@ -8028,12 +8171,12 @@
       </p:grpSp>
       <p:grpSp>
         <p:nvGrpSpPr>
-          <p:cNvPr name="Group 8" id="8"/>
+          <p:cNvPr id="8" name="Group 8"/>
           <p:cNvGrpSpPr/>
           <p:nvPr/>
         </p:nvGrpSpPr>
         <p:grpSpPr>
-          <a:xfrm rot="0">
+          <a:xfrm>
             <a:off x="7850237" y="2799309"/>
             <a:ext cx="4580930" cy="38100"/>
             <a:chOff x="0" y="0"/>
@@ -8042,12 +8185,12 @@
         </p:grpSpPr>
         <p:sp>
           <p:nvSpPr>
-            <p:cNvPr name="Freeform 9" id="9"/>
+            <p:cNvPr id="9" name="Freeform 9"/>
             <p:cNvSpPr/>
             <p:nvPr/>
           </p:nvSpPr>
           <p:spPr>
-            <a:xfrm flipH="false" flipV="false" rot="0">
+            <a:xfrm>
               <a:off x="0" y="0"/>
               <a:ext cx="6107938" cy="50800"/>
             </a:xfrm>
@@ -8056,9 +8199,9 @@
               <a:gdLst/>
               <a:ahLst/>
               <a:cxnLst/>
-              <a:rect r="r" b="b" t="t" l="l"/>
+              <a:rect l="l" t="t" r="r" b="b"/>
               <a:pathLst>
-                <a:path h="50800" w="6107938">
+                <a:path w="6107938" h="50800">
                   <a:moveTo>
                     <a:pt x="0" y="0"/>
                   </a:moveTo>
@@ -8083,12 +8226,12 @@
       </p:grpSp>
       <p:grpSp>
         <p:nvGrpSpPr>
-          <p:cNvPr name="Group 10" id="10"/>
+          <p:cNvPr id="10" name="Group 10"/>
           <p:cNvGrpSpPr/>
           <p:nvPr/>
         </p:nvGrpSpPr>
         <p:grpSpPr>
-          <a:xfrm rot="0">
+          <a:xfrm>
             <a:off x="12714685" y="2799309"/>
             <a:ext cx="4581079" cy="38100"/>
             <a:chOff x="0" y="0"/>
@@ -8097,12 +8240,12 @@
         </p:grpSpPr>
         <p:sp>
           <p:nvSpPr>
-            <p:cNvPr name="Freeform 11" id="11"/>
+            <p:cNvPr id="11" name="Freeform 11"/>
             <p:cNvSpPr/>
             <p:nvPr/>
           </p:nvSpPr>
           <p:spPr>
-            <a:xfrm flipH="false" flipV="false" rot="0">
+            <a:xfrm>
               <a:off x="0" y="0"/>
               <a:ext cx="6108065" cy="50800"/>
             </a:xfrm>
@@ -8111,9 +8254,9 @@
               <a:gdLst/>
               <a:ahLst/>
               <a:cxnLst/>
-              <a:rect r="r" b="b" t="t" l="l"/>
+              <a:rect l="l" t="t" r="r" b="b"/>
               <a:pathLst>
-                <a:path h="50800" w="6108065">
+                <a:path w="6108065" h="50800">
                   <a:moveTo>
                     <a:pt x="0" y="0"/>
                   </a:moveTo>
@@ -8138,12 +8281,12 @@
       </p:grpSp>
       <p:grpSp>
         <p:nvGrpSpPr>
-          <p:cNvPr name="Group 12" id="12"/>
+          <p:cNvPr id="12" name="Group 12"/>
           <p:cNvGrpSpPr/>
           <p:nvPr/>
         </p:nvGrpSpPr>
         <p:grpSpPr>
-          <a:xfrm rot="0">
+          <a:xfrm>
             <a:off x="7991922" y="7044333"/>
             <a:ext cx="9445526" cy="38100"/>
             <a:chOff x="0" y="0"/>
@@ -8152,12 +8295,12 @@
         </p:grpSpPr>
         <p:sp>
           <p:nvSpPr>
-            <p:cNvPr name="Freeform 13" id="13"/>
+            <p:cNvPr id="13" name="Freeform 13"/>
             <p:cNvSpPr/>
             <p:nvPr/>
           </p:nvSpPr>
           <p:spPr>
-            <a:xfrm flipH="false" flipV="false" rot="0">
+            <a:xfrm>
               <a:off x="0" y="0"/>
               <a:ext cx="12594082" cy="50800"/>
             </a:xfrm>
@@ -8166,9 +8309,9 @@
               <a:gdLst/>
               <a:ahLst/>
               <a:cxnLst/>
-              <a:rect r="r" b="b" t="t" l="l"/>
+              <a:rect l="l" t="t" r="r" b="b"/>
               <a:pathLst>
-                <a:path h="50800" w="12594082">
+                <a:path w="12594082" h="50800">
                   <a:moveTo>
                     <a:pt x="0" y="0"/>
                   </a:moveTo>
@@ -8193,12 +8336,12 @@
       </p:grpSp>
       <p:sp>
         <p:nvSpPr>
-          <p:cNvPr name="Freeform 14" id="14"/>
+          <p:cNvPr id="14" name="Freeform 14"/>
           <p:cNvSpPr/>
           <p:nvPr/>
         </p:nvSpPr>
         <p:spPr>
-          <a:xfrm flipH="false" flipV="false" rot="4229768">
+          <a:xfrm rot="4229768">
             <a:off x="110895" y="4288800"/>
             <a:ext cx="1075497" cy="995324"/>
           </a:xfrm>
@@ -8207,9 +8350,9 @@
             <a:gdLst/>
             <a:ahLst/>
             <a:cxnLst/>
-            <a:rect r="r" b="b" t="t" l="l"/>
+            <a:rect l="l" t="t" r="r" b="b"/>
             <a:pathLst>
-              <a:path h="995324" w="1075497">
+              <a:path w="1075497" h="995324">
                 <a:moveTo>
                   <a:pt x="0" y="0"/>
                 </a:moveTo>
@@ -8233,24 +8376,24 @@
             <a:blip r:embed="rId8">
               <a:extLst>
                 <a:ext uri="{96DAC541-7B7A-43D3-8B79-37D633B846F1}">
-                  <asvg:svgBlip xmlns:asvg="http://schemas.microsoft.com/office/drawing/2016/SVG/main" r:embed="rId9"/>
+                  <asvg:svgBlip xmlns:asvg="http://schemas.microsoft.com/office/drawing/2016/SVG/main" xmlns="" r:embed="rId9"/>
                 </a:ext>
               </a:extLst>
             </a:blip>
             <a:stretch>
-              <a:fillRect l="0" t="0" r="0" b="0"/>
+              <a:fillRect/>
             </a:stretch>
           </a:blipFill>
         </p:spPr>
       </p:sp>
       <p:sp>
         <p:nvSpPr>
-          <p:cNvPr name="Freeform 15" id="15"/>
+          <p:cNvPr id="15" name="Freeform 15"/>
           <p:cNvSpPr/>
           <p:nvPr/>
         </p:nvSpPr>
         <p:spPr>
-          <a:xfrm flipH="true" flipV="true" rot="3471976">
+          <a:xfrm rot="3471976" flipH="1" flipV="1">
             <a:off x="11646919" y="-2755363"/>
             <a:ext cx="5780943" cy="7633090"/>
           </a:xfrm>
@@ -8259,9 +8402,9 @@
             <a:gdLst/>
             <a:ahLst/>
             <a:cxnLst/>
-            <a:rect r="r" b="b" t="t" l="l"/>
+            <a:rect l="l" t="t" r="r" b="b"/>
             <a:pathLst>
-              <a:path h="7633090" w="5780943">
+              <a:path w="5780943" h="7633090">
                 <a:moveTo>
                   <a:pt x="5780944" y="7633090"/>
                 </a:moveTo>
@@ -8285,24 +8428,24 @@
             <a:blip r:embed="rId5">
               <a:extLst>
                 <a:ext uri="{96DAC541-7B7A-43D3-8B79-37D633B846F1}">
-                  <asvg:svgBlip xmlns:asvg="http://schemas.microsoft.com/office/drawing/2016/SVG/main" r:embed="rId6"/>
+                  <asvg:svgBlip xmlns:asvg="http://schemas.microsoft.com/office/drawing/2016/SVG/main" xmlns="" r:embed="rId6"/>
                 </a:ext>
               </a:extLst>
             </a:blip>
             <a:stretch>
-              <a:fillRect l="0" t="0" r="0" b="0"/>
+              <a:fillRect/>
             </a:stretch>
           </a:blipFill>
         </p:spPr>
       </p:sp>
       <p:sp>
         <p:nvSpPr>
-          <p:cNvPr name="TextBox 16" id="16"/>
-          <p:cNvSpPr txBox="true"/>
-          <p:nvPr/>
-        </p:nvSpPr>
-        <p:spPr>
-          <a:xfrm rot="0">
+          <p:cNvPr id="16" name="TextBox 16"/>
+          <p:cNvSpPr txBox="1"/>
+          <p:nvPr/>
+        </p:nvSpPr>
+        <p:spPr>
+          <a:xfrm>
             <a:off x="7850237" y="961876"/>
             <a:ext cx="7724835" cy="919162"/>
           </a:xfrm>
@@ -8311,7 +8454,7 @@
           </a:prstGeom>
         </p:spPr>
         <p:txBody>
-          <a:bodyPr anchor="t" rtlCol="false" tIns="0" lIns="0" bIns="0" rIns="0">
+          <a:bodyPr lIns="0" tIns="0" rIns="0" bIns="0" rtlCol="0" anchor="t">
             <a:spAutoFit/>
           </a:bodyPr>
           <a:lstStyle/>
@@ -8322,7 +8465,7 @@
               </a:lnSpc>
             </a:pPr>
             <a:r>
-              <a:rPr lang="en-US" sz="5812" b="true">
+              <a:rPr lang="en-US" sz="5812" b="1">
                 <a:solidFill>
                   <a:srgbClr val="020202"/>
                 </a:solidFill>
@@ -8338,12 +8481,12 @@
       </p:sp>
       <p:sp>
         <p:nvSpPr>
-          <p:cNvPr name="TextBox 17" id="17"/>
-          <p:cNvSpPr txBox="true"/>
-          <p:nvPr/>
-        </p:nvSpPr>
-        <p:spPr>
-          <a:xfrm rot="0">
+          <p:cNvPr id="17" name="TextBox 17"/>
+          <p:cNvSpPr txBox="1"/>
+          <p:nvPr/>
+        </p:nvSpPr>
+        <p:spPr>
+          <a:xfrm>
             <a:off x="7991922" y="2269777"/>
             <a:ext cx="553862" cy="414337"/>
           </a:xfrm>
@@ -8352,7 +8495,7 @@
           </a:prstGeom>
         </p:spPr>
         <p:txBody>
-          <a:bodyPr anchor="t" rtlCol="false" tIns="0" lIns="0" bIns="0" rIns="0">
+          <a:bodyPr lIns="0" tIns="0" rIns="0" bIns="0" rtlCol="0" anchor="t">
             <a:spAutoFit/>
           </a:bodyPr>
           <a:lstStyle/>
@@ -8379,12 +8522,12 @@
       </p:sp>
       <p:sp>
         <p:nvSpPr>
-          <p:cNvPr name="TextBox 18" id="18"/>
-          <p:cNvSpPr txBox="true"/>
-          <p:nvPr/>
-        </p:nvSpPr>
-        <p:spPr>
-          <a:xfrm rot="0">
+          <p:cNvPr id="18" name="TextBox 18"/>
+          <p:cNvSpPr txBox="1"/>
+          <p:nvPr/>
+        </p:nvSpPr>
+        <p:spPr>
+          <a:xfrm>
             <a:off x="7991922" y="2998142"/>
             <a:ext cx="3721299" cy="484137"/>
           </a:xfrm>
@@ -8393,7 +8536,7 @@
           </a:prstGeom>
         </p:spPr>
         <p:txBody>
-          <a:bodyPr anchor="t" rtlCol="false" tIns="0" lIns="0" bIns="0" rIns="0">
+          <a:bodyPr lIns="0" tIns="0" rIns="0" bIns="0" rtlCol="0" anchor="t">
             <a:spAutoFit/>
           </a:bodyPr>
           <a:lstStyle/>
@@ -8420,12 +8563,12 @@
       </p:sp>
       <p:sp>
         <p:nvSpPr>
-          <p:cNvPr name="TextBox 19" id="19"/>
-          <p:cNvSpPr txBox="true"/>
-          <p:nvPr/>
-        </p:nvSpPr>
-        <p:spPr>
-          <a:xfrm rot="0">
+          <p:cNvPr id="19" name="TextBox 19"/>
+          <p:cNvSpPr txBox="1"/>
+          <p:nvPr/>
+        </p:nvSpPr>
+        <p:spPr>
+          <a:xfrm>
             <a:off x="7991922" y="3557141"/>
             <a:ext cx="4580930" cy="2363391"/>
           </a:xfrm>
@@ -8434,7 +8577,7 @@
           </a:prstGeom>
         </p:spPr>
         <p:txBody>
-          <a:bodyPr anchor="t" rtlCol="false" tIns="0" lIns="0" bIns="0" rIns="0">
+          <a:bodyPr lIns="0" tIns="0" rIns="0" bIns="0" rtlCol="0" anchor="t">
             <a:spAutoFit/>
           </a:bodyPr>
           <a:lstStyle/>
@@ -8461,12 +8604,12 @@
       </p:sp>
       <p:sp>
         <p:nvSpPr>
-          <p:cNvPr name="TextBox 20" id="20"/>
-          <p:cNvSpPr txBox="true"/>
-          <p:nvPr/>
-        </p:nvSpPr>
-        <p:spPr>
-          <a:xfrm rot="0">
+          <p:cNvPr id="20" name="TextBox 20"/>
+          <p:cNvSpPr txBox="1"/>
+          <p:nvPr/>
+        </p:nvSpPr>
+        <p:spPr>
+          <a:xfrm>
             <a:off x="12714685" y="2269777"/>
             <a:ext cx="418690" cy="414337"/>
           </a:xfrm>
@@ -8475,7 +8618,7 @@
           </a:prstGeom>
         </p:spPr>
         <p:txBody>
-          <a:bodyPr anchor="t" rtlCol="false" tIns="0" lIns="0" bIns="0" rIns="0">
+          <a:bodyPr lIns="0" tIns="0" rIns="0" bIns="0" rtlCol="0" anchor="t">
             <a:spAutoFit/>
           </a:bodyPr>
           <a:lstStyle/>
@@ -8502,12 +8645,12 @@
       </p:sp>
       <p:sp>
         <p:nvSpPr>
-          <p:cNvPr name="TextBox 21" id="21"/>
-          <p:cNvSpPr txBox="true"/>
-          <p:nvPr/>
-        </p:nvSpPr>
-        <p:spPr>
-          <a:xfrm rot="0">
+          <p:cNvPr id="21" name="TextBox 21"/>
+          <p:cNvSpPr txBox="1"/>
+          <p:nvPr/>
+        </p:nvSpPr>
+        <p:spPr>
+          <a:xfrm>
             <a:off x="12714685" y="2998142"/>
             <a:ext cx="3721299" cy="484137"/>
           </a:xfrm>
@@ -8516,7 +8659,7 @@
           </a:prstGeom>
         </p:spPr>
         <p:txBody>
-          <a:bodyPr anchor="t" rtlCol="false" tIns="0" lIns="0" bIns="0" rIns="0">
+          <a:bodyPr lIns="0" tIns="0" rIns="0" bIns="0" rtlCol="0" anchor="t">
             <a:spAutoFit/>
           </a:bodyPr>
           <a:lstStyle/>
@@ -8543,12 +8686,12 @@
       </p:sp>
       <p:sp>
         <p:nvSpPr>
-          <p:cNvPr name="TextBox 22" id="22"/>
-          <p:cNvSpPr txBox="true"/>
-          <p:nvPr/>
-        </p:nvSpPr>
-        <p:spPr>
-          <a:xfrm rot="0">
+          <p:cNvPr id="22" name="TextBox 22"/>
+          <p:cNvSpPr txBox="1"/>
+          <p:nvPr/>
+        </p:nvSpPr>
+        <p:spPr>
+          <a:xfrm>
             <a:off x="12714685" y="3557141"/>
             <a:ext cx="4581079" cy="1456135"/>
           </a:xfrm>
@@ -8557,7 +8700,7 @@
           </a:prstGeom>
         </p:spPr>
         <p:txBody>
-          <a:bodyPr anchor="t" rtlCol="false" tIns="0" lIns="0" bIns="0" rIns="0">
+          <a:bodyPr lIns="0" tIns="0" rIns="0" bIns="0" rtlCol="0" anchor="t">
             <a:spAutoFit/>
           </a:bodyPr>
           <a:lstStyle/>
@@ -8584,12 +8727,12 @@
       </p:sp>
       <p:sp>
         <p:nvSpPr>
-          <p:cNvPr name="TextBox 23" id="23"/>
-          <p:cNvSpPr txBox="true"/>
-          <p:nvPr/>
-        </p:nvSpPr>
-        <p:spPr>
-          <a:xfrm rot="0">
+          <p:cNvPr id="23" name="TextBox 23"/>
+          <p:cNvSpPr txBox="1"/>
+          <p:nvPr/>
+        </p:nvSpPr>
+        <p:spPr>
+          <a:xfrm>
             <a:off x="7991922" y="6514803"/>
             <a:ext cx="553862" cy="414337"/>
           </a:xfrm>
@@ -8598,7 +8741,7 @@
           </a:prstGeom>
         </p:spPr>
         <p:txBody>
-          <a:bodyPr anchor="t" rtlCol="false" tIns="0" lIns="0" bIns="0" rIns="0">
+          <a:bodyPr lIns="0" tIns="0" rIns="0" bIns="0" rtlCol="0" anchor="t">
             <a:spAutoFit/>
           </a:bodyPr>
           <a:lstStyle/>
@@ -8625,12 +8768,12 @@
       </p:sp>
       <p:sp>
         <p:nvSpPr>
-          <p:cNvPr name="TextBox 24" id="24"/>
-          <p:cNvSpPr txBox="true"/>
-          <p:nvPr/>
-        </p:nvSpPr>
-        <p:spPr>
-          <a:xfrm rot="0">
+          <p:cNvPr id="24" name="TextBox 24"/>
+          <p:cNvSpPr txBox="1"/>
+          <p:nvPr/>
+        </p:nvSpPr>
+        <p:spPr>
+          <a:xfrm>
             <a:off x="7991922" y="7243168"/>
             <a:ext cx="3721299" cy="484138"/>
           </a:xfrm>
@@ -8639,7 +8782,7 @@
           </a:prstGeom>
         </p:spPr>
         <p:txBody>
-          <a:bodyPr anchor="t" rtlCol="false" tIns="0" lIns="0" bIns="0" rIns="0">
+          <a:bodyPr lIns="0" tIns="0" rIns="0" bIns="0" rtlCol="0" anchor="t">
             <a:spAutoFit/>
           </a:bodyPr>
           <a:lstStyle/>
@@ -8666,12 +8809,12 @@
       </p:sp>
       <p:sp>
         <p:nvSpPr>
-          <p:cNvPr name="TextBox 25" id="25"/>
-          <p:cNvSpPr txBox="true"/>
-          <p:nvPr/>
-        </p:nvSpPr>
-        <p:spPr>
-          <a:xfrm rot="0">
+          <p:cNvPr id="25" name="TextBox 25"/>
+          <p:cNvSpPr txBox="1"/>
+          <p:nvPr/>
+        </p:nvSpPr>
+        <p:spPr>
+          <a:xfrm>
             <a:off x="7991922" y="7802165"/>
             <a:ext cx="9445526" cy="1456135"/>
           </a:xfrm>
@@ -8680,7 +8823,7 @@
           </a:prstGeom>
         </p:spPr>
         <p:txBody>
-          <a:bodyPr anchor="t" rtlCol="false" tIns="0" lIns="0" bIns="0" rIns="0">
+          <a:bodyPr lIns="0" tIns="0" rIns="0" bIns="0" rtlCol="0" anchor="t">
             <a:spAutoFit/>
           </a:bodyPr>
           <a:lstStyle/>
@@ -8707,12 +8850,12 @@
       </p:sp>
       <p:sp>
         <p:nvSpPr>
-          <p:cNvPr name="Freeform 26" id="26"/>
+          <p:cNvPr id="26" name="Freeform 26"/>
           <p:cNvSpPr/>
           <p:nvPr/>
         </p:nvSpPr>
         <p:spPr>
-          <a:xfrm flipH="false" flipV="true" rot="6286086">
+          <a:xfrm rot="6286086" flipV="1">
             <a:off x="6636319" y="6967864"/>
             <a:ext cx="1075497" cy="995324"/>
           </a:xfrm>
@@ -8721,9 +8864,9 @@
             <a:gdLst/>
             <a:ahLst/>
             <a:cxnLst/>
-            <a:rect r="r" b="b" t="t" l="l"/>
+            <a:rect l="l" t="t" r="r" b="b"/>
             <a:pathLst>
-              <a:path h="995324" w="1075497">
+              <a:path w="1075497" h="995324">
                 <a:moveTo>
                   <a:pt x="0" y="995324"/>
                 </a:moveTo>
@@ -8747,15 +8890,56 @@
             <a:blip r:embed="rId8">
               <a:extLst>
                 <a:ext uri="{96DAC541-7B7A-43D3-8B79-37D633B846F1}">
-                  <asvg:svgBlip xmlns:asvg="http://schemas.microsoft.com/office/drawing/2016/SVG/main" r:embed="rId9"/>
+                  <asvg:svgBlip xmlns:asvg="http://schemas.microsoft.com/office/drawing/2016/SVG/main" xmlns="" r:embed="rId9"/>
                 </a:ext>
               </a:extLst>
             </a:blip>
             <a:stretch>
-              <a:fillRect l="0" t="0" r="0" b="0"/>
+              <a:fillRect/>
             </a:stretch>
           </a:blipFill>
         </p:spPr>
+      </p:sp>
+      <p:sp>
+        <p:nvSpPr>
+          <p:cNvPr id="27" name="TextBox 26"/>
+          <p:cNvSpPr txBox="1"/>
+          <p:nvPr/>
+        </p:nvSpPr>
+        <p:spPr>
+          <a:xfrm>
+            <a:off x="14935200" y="9789056"/>
+            <a:ext cx="9208084" cy="369332"/>
+          </a:xfrm>
+          <a:prstGeom prst="rect">
+            <a:avLst/>
+          </a:prstGeom>
+        </p:spPr>
+        <p:txBody>
+          <a:bodyPr lIns="0" tIns="0" rIns="0" bIns="0" rtlCol="0" anchor="t">
+            <a:spAutoFit/>
+          </a:bodyPr>
+          <a:lstStyle/>
+          <a:p>
+            <a:r>
+              <a:rPr lang="en-US" sz="2400" dirty="0" smtClean="0"/>
+              <a:t>Group No. 7 		</a:t>
+            </a:r>
+            <a:r>
+              <a:rPr lang="en-US" sz="2400" dirty="0"/>
+              <a:t>4</a:t>
+            </a:r>
+            <a:endParaRPr lang="en-US" sz="2120" dirty="0">
+              <a:solidFill>
+                <a:srgbClr val="383838"/>
+              </a:solidFill>
+              <a:latin typeface="DM Sans"/>
+              <a:ea typeface="DM Sans"/>
+              <a:cs typeface="DM Sans"/>
+              <a:sym typeface="DM Sans"/>
+            </a:endParaRPr>
+          </a:p>
+        </p:txBody>
       </p:sp>
     </p:spTree>
   </p:cSld>
@@ -8766,7 +8950,7 @@
 </file>
 
 <file path=ppt/slides/slide5.xml><?xml version="1.0" encoding="utf-8"?>
-<p:sld xmlns:p="http://schemas.openxmlformats.org/presentationml/2006/main" xmlns:a="http://schemas.openxmlformats.org/drawingml/2006/main" xmlns:r="http://schemas.openxmlformats.org/officeDocument/2006/relationships">
+<p:sld xmlns:a="http://schemas.openxmlformats.org/drawingml/2006/main" xmlns:r="http://schemas.openxmlformats.org/officeDocument/2006/relationships" xmlns:p="http://schemas.openxmlformats.org/presentationml/2006/main">
   <p:cSld>
     <p:spTree>
       <p:nvGrpSpPr>
@@ -8784,12 +8968,12 @@
       </p:grpSpPr>
       <p:grpSp>
         <p:nvGrpSpPr>
-          <p:cNvPr name="Group 2" id="2"/>
+          <p:cNvPr id="2" name="Group 2"/>
           <p:cNvGrpSpPr/>
           <p:nvPr/>
         </p:nvGrpSpPr>
         <p:grpSpPr>
-          <a:xfrm rot="0">
+          <a:xfrm>
             <a:off x="0" y="0"/>
             <a:ext cx="18288000" cy="10287000"/>
             <a:chOff x="0" y="0"/>
@@ -8798,12 +8982,12 @@
         </p:grpSpPr>
         <p:sp>
           <p:nvSpPr>
-            <p:cNvPr name="Freeform 3" id="3"/>
+            <p:cNvPr id="3" name="Freeform 3"/>
             <p:cNvSpPr/>
             <p:nvPr/>
           </p:nvSpPr>
           <p:spPr>
-            <a:xfrm flipH="false" flipV="false" rot="0">
+            <a:xfrm>
               <a:off x="0" y="0"/>
               <a:ext cx="24384000" cy="13716000"/>
             </a:xfrm>
@@ -8812,9 +8996,9 @@
               <a:gdLst/>
               <a:ahLst/>
               <a:cxnLst/>
-              <a:rect r="r" b="b" t="t" l="l"/>
+              <a:rect l="l" t="t" r="r" b="b"/>
               <a:pathLst>
-                <a:path h="13716000" w="24384000">
+                <a:path w="24384000" h="13716000">
                   <a:moveTo>
                     <a:pt x="0" y="0"/>
                   </a:moveTo>
@@ -8839,12 +9023,12 @@
       </p:grpSp>
       <p:sp>
         <p:nvSpPr>
-          <p:cNvPr name="Freeform 4" id="4"/>
+          <p:cNvPr id="4" name="Freeform 4"/>
           <p:cNvSpPr/>
           <p:nvPr/>
         </p:nvSpPr>
         <p:spPr>
-          <a:xfrm flipH="false" flipV="false" rot="3998324">
+          <a:xfrm rot="3998324">
             <a:off x="8132677" y="6983959"/>
             <a:ext cx="3270792" cy="4318716"/>
           </a:xfrm>
@@ -8853,9 +9037,9 @@
             <a:gdLst/>
             <a:ahLst/>
             <a:cxnLst/>
-            <a:rect r="r" b="b" t="t" l="l"/>
+            <a:rect l="l" t="t" r="r" b="b"/>
             <a:pathLst>
-              <a:path h="4318716" w="3270792">
+              <a:path w="3270792" h="4318716">
                 <a:moveTo>
                   <a:pt x="0" y="0"/>
                 </a:moveTo>
@@ -8879,24 +9063,24 @@
             <a:blip r:embed="rId3">
               <a:extLst>
                 <a:ext uri="{96DAC541-7B7A-43D3-8B79-37D633B846F1}">
-                  <asvg:svgBlip xmlns:asvg="http://schemas.microsoft.com/office/drawing/2016/SVG/main" r:embed="rId4"/>
+                  <asvg:svgBlip xmlns:asvg="http://schemas.microsoft.com/office/drawing/2016/SVG/main" xmlns="" r:embed="rId4"/>
                 </a:ext>
               </a:extLst>
             </a:blip>
             <a:stretch>
-              <a:fillRect l="0" t="0" r="0" b="0"/>
+              <a:fillRect/>
             </a:stretch>
           </a:blipFill>
         </p:spPr>
       </p:sp>
       <p:sp>
         <p:nvSpPr>
-          <p:cNvPr name="Freeform 5" id="5"/>
+          <p:cNvPr id="5" name="Freeform 5"/>
           <p:cNvSpPr/>
           <p:nvPr/>
         </p:nvSpPr>
         <p:spPr>
-          <a:xfrm flipH="false" flipV="false" rot="1695503">
+          <a:xfrm rot="1695503">
             <a:off x="-667352" y="-1248037"/>
             <a:ext cx="5780943" cy="7633090"/>
           </a:xfrm>
@@ -8905,9 +9089,9 @@
             <a:gdLst/>
             <a:ahLst/>
             <a:cxnLst/>
-            <a:rect r="r" b="b" t="t" l="l"/>
+            <a:rect l="l" t="t" r="r" b="b"/>
             <a:pathLst>
-              <a:path h="7633090" w="5780943">
+              <a:path w="5780943" h="7633090">
                 <a:moveTo>
                   <a:pt x="0" y="0"/>
                 </a:moveTo>
@@ -8931,26 +9115,26 @@
             <a:blip r:embed="rId5">
               <a:extLst>
                 <a:ext uri="{96DAC541-7B7A-43D3-8B79-37D633B846F1}">
-                  <asvg:svgBlip xmlns:asvg="http://schemas.microsoft.com/office/drawing/2016/SVG/main" r:embed="rId6"/>
+                  <asvg:svgBlip xmlns:asvg="http://schemas.microsoft.com/office/drawing/2016/SVG/main" xmlns="" r:embed="rId6"/>
                 </a:ext>
               </a:extLst>
             </a:blip>
             <a:stretch>
-              <a:fillRect l="0" t="0" r="0" b="0"/>
+              <a:fillRect/>
             </a:stretch>
           </a:blipFill>
         </p:spPr>
       </p:sp>
       <p:grpSp>
         <p:nvGrpSpPr>
-          <p:cNvPr name="Group 6" id="6"/>
+          <p:cNvPr id="6" name="Group 6"/>
           <p:cNvGrpSpPr>
-            <a:grpSpLocks noChangeAspect="true"/>
+            <a:grpSpLocks noChangeAspect="1"/>
           </p:cNvGrpSpPr>
           <p:nvPr/>
         </p:nvGrpSpPr>
         <p:grpSpPr>
-          <a:xfrm rot="0">
+          <a:xfrm>
             <a:off x="16049019" y="9686925"/>
             <a:ext cx="2153256" cy="514350"/>
             <a:chOff x="0" y="0"/>
@@ -8959,14 +9143,14 @@
         </p:grpSpPr>
         <p:sp>
           <p:nvSpPr>
-            <p:cNvPr name="Freeform 7" id="7" descr="preencoded.png">
+            <p:cNvPr id="7" name="Freeform 7" descr="preencoded.png">
               <a:hlinkClick r:id="rId7" tooltip="https://gamma.app/?utm_source=made-with-gamma"/>
             </p:cNvPr>
             <p:cNvSpPr/>
             <p:nvPr/>
           </p:nvSpPr>
           <p:spPr>
-            <a:xfrm flipH="false" flipV="false" rot="0">
+            <a:xfrm>
               <a:off x="0" y="0"/>
               <a:ext cx="2870962" cy="685800"/>
             </a:xfrm>
@@ -8975,9 +9159,9 @@
               <a:gdLst/>
               <a:ahLst/>
               <a:cxnLst/>
-              <a:rect r="r" b="b" t="t" l="l"/>
+              <a:rect l="l" t="t" r="r" b="b"/>
               <a:pathLst>
-                <a:path h="685800" w="2870962">
+                <a:path w="2870962" h="685800">
                   <a:moveTo>
                     <a:pt x="0" y="0"/>
                   </a:moveTo>
@@ -9000,7 +9184,7 @@
             <a:blipFill>
               <a:blip r:embed="rId8"/>
               <a:stretch>
-                <a:fillRect l="0" t="0" r="-1" b="0"/>
+                <a:fillRect r="-1"/>
               </a:stretch>
             </a:blipFill>
           </p:spPr>
@@ -9008,14 +9192,14 @@
       </p:grpSp>
       <p:grpSp>
         <p:nvGrpSpPr>
-          <p:cNvPr name="Group 8" id="8"/>
+          <p:cNvPr id="8" name="Group 8"/>
           <p:cNvGrpSpPr>
-            <a:grpSpLocks noChangeAspect="true"/>
+            <a:grpSpLocks noChangeAspect="1"/>
           </p:cNvGrpSpPr>
           <p:nvPr/>
         </p:nvGrpSpPr>
         <p:grpSpPr>
-          <a:xfrm rot="0">
+          <a:xfrm>
             <a:off x="11430000" y="0"/>
             <a:ext cx="6858000" cy="10287000"/>
             <a:chOff x="0" y="0"/>
@@ -9024,12 +9208,12 @@
         </p:grpSpPr>
         <p:sp>
           <p:nvSpPr>
-            <p:cNvPr name="Freeform 9" id="9"/>
+            <p:cNvPr id="9" name="Freeform 9"/>
             <p:cNvSpPr/>
             <p:nvPr/>
           </p:nvSpPr>
           <p:spPr>
-            <a:xfrm flipH="false" flipV="false" rot="0">
+            <a:xfrm>
               <a:off x="0" y="0"/>
               <a:ext cx="9144000" cy="13716000"/>
             </a:xfrm>
@@ -9038,9 +9222,9 @@
               <a:gdLst/>
               <a:ahLst/>
               <a:cxnLst/>
-              <a:rect r="r" b="b" t="t" l="l"/>
+              <a:rect l="l" t="t" r="r" b="b"/>
               <a:pathLst>
-                <a:path h="13716000" w="9144000">
+                <a:path w="9144000" h="13716000">
                   <a:moveTo>
                     <a:pt x="0" y="0"/>
                   </a:moveTo>
@@ -9063,7 +9247,7 @@
             <a:blipFill>
               <a:blip r:embed="rId9"/>
               <a:stretch>
-                <a:fillRect l="-12965" t="0" r="-36617" b="0"/>
+                <a:fillRect l="-12965" r="-36617"/>
               </a:stretch>
             </a:blipFill>
           </p:spPr>
@@ -9071,12 +9255,12 @@
       </p:grpSp>
       <p:grpSp>
         <p:nvGrpSpPr>
-          <p:cNvPr name="Group 10" id="10"/>
+          <p:cNvPr id="10" name="Group 10"/>
           <p:cNvGrpSpPr/>
           <p:nvPr/>
         </p:nvGrpSpPr>
         <p:grpSpPr>
-          <a:xfrm rot="0">
+          <a:xfrm>
             <a:off x="7415334" y="2444800"/>
             <a:ext cx="4014666" cy="3121863"/>
             <a:chOff x="0" y="0"/>
@@ -9085,12 +9269,12 @@
         </p:grpSpPr>
         <p:sp>
           <p:nvSpPr>
-            <p:cNvPr name="Freeform 11" id="11"/>
+            <p:cNvPr id="11" name="Freeform 11"/>
             <p:cNvSpPr/>
             <p:nvPr/>
           </p:nvSpPr>
           <p:spPr>
-            <a:xfrm flipH="false" flipV="false" rot="0">
+            <a:xfrm>
               <a:off x="0" y="0"/>
               <a:ext cx="4866767" cy="3784473"/>
             </a:xfrm>
@@ -9099,9 +9283,9 @@
               <a:gdLst/>
               <a:ahLst/>
               <a:cxnLst/>
-              <a:rect r="r" b="b" t="t" l="l"/>
+              <a:rect l="l" t="t" r="r" b="b"/>
               <a:pathLst>
-                <a:path h="3784473" w="4866767">
+                <a:path w="4866767" h="3784473">
                   <a:moveTo>
                     <a:pt x="0" y="43307"/>
                   </a:moveTo>
@@ -9146,12 +9330,12 @@
       </p:grpSp>
       <p:grpSp>
         <p:nvGrpSpPr>
-          <p:cNvPr name="Group 12" id="12"/>
+          <p:cNvPr id="12" name="Group 12"/>
           <p:cNvGrpSpPr/>
           <p:nvPr/>
         </p:nvGrpSpPr>
         <p:grpSpPr>
-          <a:xfrm rot="0">
+          <a:xfrm>
             <a:off x="7415334" y="5834144"/>
             <a:ext cx="4014666" cy="3207314"/>
             <a:chOff x="0" y="0"/>
@@ -9160,12 +9344,12 @@
         </p:grpSpPr>
         <p:sp>
           <p:nvSpPr>
-            <p:cNvPr name="Freeform 13" id="13"/>
+            <p:cNvPr id="13" name="Freeform 13"/>
             <p:cNvSpPr/>
             <p:nvPr/>
           </p:nvSpPr>
           <p:spPr>
-            <a:xfrm flipH="false" flipV="false" rot="0">
+            <a:xfrm>
               <a:off x="0" y="0"/>
               <a:ext cx="4866640" cy="3887978"/>
             </a:xfrm>
@@ -9174,9 +9358,9 @@
               <a:gdLst/>
               <a:ahLst/>
               <a:cxnLst/>
-              <a:rect r="r" b="b" t="t" l="l"/>
+              <a:rect l="l" t="t" r="r" b="b"/>
               <a:pathLst>
-                <a:path h="3887978" w="4866640">
+                <a:path w="4866640" h="3887978">
                   <a:moveTo>
                     <a:pt x="0" y="43180"/>
                   </a:moveTo>
@@ -9221,12 +9405,12 @@
       </p:grpSp>
       <p:sp>
         <p:nvSpPr>
-          <p:cNvPr name="TextBox 14" id="14"/>
-          <p:cNvSpPr txBox="true"/>
-          <p:nvPr/>
-        </p:nvSpPr>
-        <p:spPr>
-          <a:xfrm rot="0">
+          <p:cNvPr id="14" name="TextBox 14"/>
+          <p:cNvSpPr txBox="1"/>
+          <p:nvPr/>
+        </p:nvSpPr>
+        <p:spPr>
+          <a:xfrm>
             <a:off x="756791" y="873394"/>
             <a:ext cx="7062639" cy="885606"/>
           </a:xfrm>
@@ -9235,7 +9419,7 @@
           </a:prstGeom>
         </p:spPr>
         <p:txBody>
-          <a:bodyPr anchor="t" rtlCol="false" tIns="0" lIns="0" bIns="0" rIns="0">
+          <a:bodyPr lIns="0" tIns="0" rIns="0" bIns="0" rtlCol="0" anchor="t">
             <a:spAutoFit/>
           </a:bodyPr>
           <a:lstStyle/>
@@ -9246,7 +9430,7 @@
               </a:lnSpc>
             </a:pPr>
             <a:r>
-              <a:rPr lang="en-US" sz="5637" b="true">
+              <a:rPr lang="en-US" sz="5637" b="1">
                 <a:solidFill>
                   <a:srgbClr val="020202"/>
                 </a:solidFill>
@@ -9262,12 +9446,12 @@
       </p:sp>
       <p:sp>
         <p:nvSpPr>
-          <p:cNvPr name="TextBox 15" id="15"/>
-          <p:cNvSpPr txBox="true"/>
-          <p:nvPr/>
-        </p:nvSpPr>
-        <p:spPr>
-          <a:xfrm rot="0">
+          <p:cNvPr id="15" name="TextBox 15"/>
+          <p:cNvSpPr txBox="1"/>
+          <p:nvPr/>
+        </p:nvSpPr>
+        <p:spPr>
+          <a:xfrm>
             <a:off x="756791" y="2225415"/>
             <a:ext cx="5738813" cy="527867"/>
           </a:xfrm>
@@ -9276,7 +9460,7 @@
           </a:prstGeom>
         </p:spPr>
         <p:txBody>
-          <a:bodyPr anchor="t" rtlCol="false" tIns="0" lIns="0" bIns="0" rIns="0">
+          <a:bodyPr lIns="0" tIns="0" rIns="0" bIns="0" rtlCol="0" anchor="t">
             <a:spAutoFit/>
           </a:bodyPr>
           <a:lstStyle/>
@@ -9303,12 +9487,12 @@
       </p:sp>
       <p:sp>
         <p:nvSpPr>
-          <p:cNvPr name="TextBox 16" id="16"/>
-          <p:cNvSpPr txBox="true"/>
-          <p:nvPr/>
-        </p:nvSpPr>
-        <p:spPr>
-          <a:xfrm rot="0">
+          <p:cNvPr id="16" name="TextBox 16"/>
+          <p:cNvSpPr txBox="1"/>
+          <p:nvPr/>
+        </p:nvSpPr>
+        <p:spPr>
+          <a:xfrm>
             <a:off x="756791" y="3016827"/>
             <a:ext cx="5738812" cy="1485900"/>
           </a:xfrm>
@@ -9317,7 +9501,7 @@
           </a:prstGeom>
         </p:spPr>
         <p:txBody>
-          <a:bodyPr anchor="t" rtlCol="false" tIns="0" lIns="0" bIns="0" rIns="0">
+          <a:bodyPr lIns="0" tIns="0" rIns="0" bIns="0" rtlCol="0" anchor="t">
             <a:spAutoFit/>
           </a:bodyPr>
           <a:lstStyle/>
@@ -9344,12 +9528,12 @@
       </p:sp>
       <p:sp>
         <p:nvSpPr>
-          <p:cNvPr name="TextBox 17" id="17"/>
-          <p:cNvSpPr txBox="true"/>
-          <p:nvPr/>
-        </p:nvSpPr>
-        <p:spPr>
-          <a:xfrm rot="0">
+          <p:cNvPr id="17" name="TextBox 17"/>
+          <p:cNvSpPr txBox="1"/>
+          <p:nvPr/>
+        </p:nvSpPr>
+        <p:spPr>
+          <a:xfrm>
             <a:off x="756791" y="5038797"/>
             <a:ext cx="3190763" cy="527867"/>
           </a:xfrm>
@@ -9358,7 +9542,7 @@
           </a:prstGeom>
         </p:spPr>
         <p:txBody>
-          <a:bodyPr anchor="t" rtlCol="false" tIns="0" lIns="0" bIns="0" rIns="0">
+          <a:bodyPr lIns="0" tIns="0" rIns="0" bIns="0" rtlCol="0" anchor="t">
             <a:spAutoFit/>
           </a:bodyPr>
           <a:lstStyle/>
@@ -9385,12 +9569,12 @@
       </p:sp>
       <p:sp>
         <p:nvSpPr>
-          <p:cNvPr name="TextBox 18" id="18"/>
-          <p:cNvSpPr txBox="true"/>
-          <p:nvPr/>
-        </p:nvSpPr>
-        <p:spPr>
-          <a:xfrm rot="0">
+          <p:cNvPr id="18" name="TextBox 18"/>
+          <p:cNvSpPr txBox="1"/>
+          <p:nvPr/>
+        </p:nvSpPr>
+        <p:spPr>
+          <a:xfrm>
             <a:off x="509141" y="5827465"/>
             <a:ext cx="6275784" cy="428873"/>
           </a:xfrm>
@@ -9399,12 +9583,12 @@
           </a:prstGeom>
         </p:spPr>
         <p:txBody>
-          <a:bodyPr anchor="t" rtlCol="false" tIns="0" lIns="0" bIns="0" rIns="0">
+          <a:bodyPr lIns="0" tIns="0" rIns="0" bIns="0" rtlCol="0" anchor="t">
             <a:spAutoFit/>
           </a:bodyPr>
           <a:lstStyle/>
           <a:p>
-            <a:pPr algn="l" marL="493868" indent="-246934" lvl="1">
+            <a:pPr marL="493868" lvl="1" indent="-246934" algn="l">
               <a:lnSpc>
                 <a:spcPts val="3643"/>
               </a:lnSpc>
@@ -9428,12 +9612,12 @@
       </p:sp>
       <p:sp>
         <p:nvSpPr>
-          <p:cNvPr name="TextBox 19" id="19"/>
-          <p:cNvSpPr txBox="true"/>
-          <p:nvPr/>
-        </p:nvSpPr>
-        <p:spPr>
-          <a:xfrm rot="0">
+          <p:cNvPr id="19" name="TextBox 19"/>
+          <p:cNvSpPr txBox="1"/>
+          <p:nvPr/>
+        </p:nvSpPr>
+        <p:spPr>
+          <a:xfrm>
             <a:off x="509141" y="6248946"/>
             <a:ext cx="5738812" cy="428873"/>
           </a:xfrm>
@@ -9442,12 +9626,12 @@
           </a:prstGeom>
         </p:spPr>
         <p:txBody>
-          <a:bodyPr anchor="t" rtlCol="false" tIns="0" lIns="0" bIns="0" rIns="0">
+          <a:bodyPr lIns="0" tIns="0" rIns="0" bIns="0" rtlCol="0" anchor="t">
             <a:spAutoFit/>
           </a:bodyPr>
           <a:lstStyle/>
           <a:p>
-            <a:pPr algn="l" marL="493868" indent="-246934" lvl="1">
+            <a:pPr marL="493868" lvl="1" indent="-246934" algn="l">
               <a:lnSpc>
                 <a:spcPts val="3643"/>
               </a:lnSpc>
@@ -9471,12 +9655,12 @@
       </p:sp>
       <p:sp>
         <p:nvSpPr>
-          <p:cNvPr name="TextBox 20" id="20"/>
-          <p:cNvSpPr txBox="true"/>
-          <p:nvPr/>
-        </p:nvSpPr>
-        <p:spPr>
-          <a:xfrm rot="0">
+          <p:cNvPr id="20" name="TextBox 20"/>
+          <p:cNvSpPr txBox="1"/>
+          <p:nvPr/>
+        </p:nvSpPr>
+        <p:spPr>
+          <a:xfrm>
             <a:off x="509141" y="6670427"/>
             <a:ext cx="5738812" cy="428873"/>
           </a:xfrm>
@@ -9485,12 +9669,12 @@
           </a:prstGeom>
         </p:spPr>
         <p:txBody>
-          <a:bodyPr anchor="t" rtlCol="false" tIns="0" lIns="0" bIns="0" rIns="0">
+          <a:bodyPr lIns="0" tIns="0" rIns="0" bIns="0" rtlCol="0" anchor="t">
             <a:spAutoFit/>
           </a:bodyPr>
           <a:lstStyle/>
           <a:p>
-            <a:pPr algn="l" marL="493868" indent="-246934" lvl="1">
+            <a:pPr marL="493868" lvl="1" indent="-246934" algn="l">
               <a:lnSpc>
                 <a:spcPts val="3643"/>
               </a:lnSpc>
@@ -9514,12 +9698,12 @@
       </p:sp>
       <p:sp>
         <p:nvSpPr>
-          <p:cNvPr name="TextBox 21" id="21"/>
-          <p:cNvSpPr txBox="true"/>
-          <p:nvPr/>
-        </p:nvSpPr>
-        <p:spPr>
-          <a:xfrm rot="0">
+          <p:cNvPr id="21" name="TextBox 21"/>
+          <p:cNvSpPr txBox="1"/>
+          <p:nvPr/>
+        </p:nvSpPr>
+        <p:spPr>
+          <a:xfrm>
             <a:off x="509141" y="7091908"/>
             <a:ext cx="5738812" cy="428873"/>
           </a:xfrm>
@@ -9528,12 +9712,12 @@
           </a:prstGeom>
         </p:spPr>
         <p:txBody>
-          <a:bodyPr anchor="t" rtlCol="false" tIns="0" lIns="0" bIns="0" rIns="0">
+          <a:bodyPr lIns="0" tIns="0" rIns="0" bIns="0" rtlCol="0" anchor="t">
             <a:spAutoFit/>
           </a:bodyPr>
           <a:lstStyle/>
           <a:p>
-            <a:pPr algn="l" marL="493868" indent="-246934" lvl="1">
+            <a:pPr marL="493868" lvl="1" indent="-246934" algn="l">
               <a:lnSpc>
                 <a:spcPts val="3643"/>
               </a:lnSpc>
@@ -9557,12 +9741,12 @@
       </p:sp>
       <p:sp>
         <p:nvSpPr>
-          <p:cNvPr name="TextBox 22" id="22"/>
-          <p:cNvSpPr txBox="true"/>
-          <p:nvPr/>
-        </p:nvSpPr>
-        <p:spPr>
-          <a:xfrm rot="0">
+          <p:cNvPr id="22" name="TextBox 22"/>
+          <p:cNvSpPr txBox="1"/>
+          <p:nvPr/>
+        </p:nvSpPr>
+        <p:spPr>
+          <a:xfrm>
             <a:off x="509141" y="7513390"/>
             <a:ext cx="5738812" cy="428873"/>
           </a:xfrm>
@@ -9571,12 +9755,12 @@
           </a:prstGeom>
         </p:spPr>
         <p:txBody>
-          <a:bodyPr anchor="t" rtlCol="false" tIns="0" lIns="0" bIns="0" rIns="0">
+          <a:bodyPr lIns="0" tIns="0" rIns="0" bIns="0" rtlCol="0" anchor="t">
             <a:spAutoFit/>
           </a:bodyPr>
           <a:lstStyle/>
           <a:p>
-            <a:pPr algn="l" marL="493868" indent="-246934" lvl="1">
+            <a:pPr marL="493868" lvl="1" indent="-246934" algn="l">
               <a:lnSpc>
                 <a:spcPts val="3643"/>
               </a:lnSpc>
@@ -9600,12 +9784,12 @@
       </p:sp>
       <p:sp>
         <p:nvSpPr>
-          <p:cNvPr name="TextBox 23" id="23"/>
-          <p:cNvSpPr txBox="true"/>
-          <p:nvPr/>
-        </p:nvSpPr>
-        <p:spPr>
-          <a:xfrm rot="0">
+          <p:cNvPr id="23" name="TextBox 23"/>
+          <p:cNvSpPr txBox="1"/>
+          <p:nvPr/>
+        </p:nvSpPr>
+        <p:spPr>
+          <a:xfrm>
             <a:off x="509141" y="7932737"/>
             <a:ext cx="6056162" cy="428873"/>
           </a:xfrm>
@@ -9614,12 +9798,12 @@
           </a:prstGeom>
         </p:spPr>
         <p:txBody>
-          <a:bodyPr anchor="t" rtlCol="false" tIns="0" lIns="0" bIns="0" rIns="0">
+          <a:bodyPr lIns="0" tIns="0" rIns="0" bIns="0" rtlCol="0" anchor="t">
             <a:spAutoFit/>
           </a:bodyPr>
           <a:lstStyle/>
           <a:p>
-            <a:pPr algn="l" marL="493868" indent="-246934" lvl="1">
+            <a:pPr marL="493868" lvl="1" indent="-246934" algn="l">
               <a:lnSpc>
                 <a:spcPts val="3643"/>
               </a:lnSpc>
@@ -9643,12 +9827,12 @@
       </p:sp>
       <p:sp>
         <p:nvSpPr>
-          <p:cNvPr name="TextBox 24" id="24"/>
-          <p:cNvSpPr txBox="true"/>
-          <p:nvPr/>
-        </p:nvSpPr>
-        <p:spPr>
-          <a:xfrm rot="0">
+          <p:cNvPr id="24" name="TextBox 24"/>
+          <p:cNvSpPr txBox="1"/>
+          <p:nvPr/>
+        </p:nvSpPr>
+        <p:spPr>
+          <a:xfrm>
             <a:off x="7819430" y="2743757"/>
             <a:ext cx="2944040" cy="809763"/>
           </a:xfrm>
@@ -9657,7 +9841,7 @@
           </a:prstGeom>
         </p:spPr>
         <p:txBody>
-          <a:bodyPr anchor="t" rtlCol="false" tIns="0" lIns="0" bIns="0" rIns="0">
+          <a:bodyPr lIns="0" tIns="0" rIns="0" bIns="0" rtlCol="0" anchor="t">
             <a:spAutoFit/>
           </a:bodyPr>
           <a:lstStyle/>
@@ -9668,7 +9852,7 @@
               </a:lnSpc>
             </a:pPr>
             <a:r>
-              <a:rPr lang="en-US" sz="2606" b="true">
+              <a:rPr lang="en-US" sz="2606" b="1">
                 <a:solidFill>
                   <a:srgbClr val="000000"/>
                 </a:solidFill>
@@ -9684,12 +9868,12 @@
       </p:sp>
       <p:sp>
         <p:nvSpPr>
-          <p:cNvPr name="TextBox 25" id="25"/>
-          <p:cNvSpPr txBox="true"/>
-          <p:nvPr/>
-        </p:nvSpPr>
-        <p:spPr>
-          <a:xfrm rot="0">
+          <p:cNvPr id="25" name="TextBox 25"/>
+          <p:cNvSpPr txBox="1"/>
+          <p:nvPr/>
+        </p:nvSpPr>
+        <p:spPr>
+          <a:xfrm>
             <a:off x="7819430" y="3683577"/>
             <a:ext cx="3372883" cy="792835"/>
           </a:xfrm>
@@ -9698,12 +9882,12 @@
           </a:prstGeom>
         </p:spPr>
         <p:txBody>
-          <a:bodyPr anchor="t" rtlCol="false" tIns="0" lIns="0" bIns="0" rIns="0">
+          <a:bodyPr lIns="0" tIns="0" rIns="0" bIns="0" rtlCol="0" anchor="t">
             <a:spAutoFit/>
           </a:bodyPr>
           <a:lstStyle/>
           <a:p>
-            <a:pPr algn="l" marL="310084" indent="-155042" lvl="1">
+            <a:pPr marL="310084" lvl="1" indent="-155042" algn="l">
               <a:lnSpc>
                 <a:spcPts val="3274"/>
               </a:lnSpc>
@@ -9711,7 +9895,7 @@
               <a:buChar char="•"/>
             </a:pPr>
             <a:r>
-              <a:rPr lang="en-US" b="true" sz="2056">
+              <a:rPr lang="en-US" sz="2056" b="1">
                 <a:solidFill>
                   <a:srgbClr val="000000"/>
                 </a:solidFill>
@@ -9739,12 +9923,12 @@
       </p:sp>
       <p:sp>
         <p:nvSpPr>
-          <p:cNvPr name="TextBox 26" id="26"/>
-          <p:cNvSpPr txBox="true"/>
-          <p:nvPr/>
-        </p:nvSpPr>
-        <p:spPr>
-          <a:xfrm rot="0">
+          <p:cNvPr id="26" name="TextBox 26"/>
+          <p:cNvSpPr txBox="1"/>
+          <p:nvPr/>
+        </p:nvSpPr>
+        <p:spPr>
+          <a:xfrm>
             <a:off x="7819430" y="4441477"/>
             <a:ext cx="2911513" cy="792835"/>
           </a:xfrm>
@@ -9753,12 +9937,12 @@
           </a:prstGeom>
         </p:spPr>
         <p:txBody>
-          <a:bodyPr anchor="t" rtlCol="false" tIns="0" lIns="0" bIns="0" rIns="0">
+          <a:bodyPr lIns="0" tIns="0" rIns="0" bIns="0" rtlCol="0" anchor="t">
             <a:spAutoFit/>
           </a:bodyPr>
           <a:lstStyle/>
           <a:p>
-            <a:pPr algn="l" marL="310084" indent="-155042" lvl="1">
+            <a:pPr marL="310084" lvl="1" indent="-155042" algn="l">
               <a:lnSpc>
                 <a:spcPts val="3274"/>
               </a:lnSpc>
@@ -9766,7 +9950,7 @@
               <a:buChar char="•"/>
             </a:pPr>
             <a:r>
-              <a:rPr lang="en-US" b="true" sz="2056">
+              <a:rPr lang="en-US" sz="2056" b="1">
                 <a:solidFill>
                   <a:srgbClr val="000000"/>
                 </a:solidFill>
@@ -9794,12 +9978,12 @@
       </p:sp>
       <p:sp>
         <p:nvSpPr>
-          <p:cNvPr name="TextBox 27" id="27"/>
-          <p:cNvSpPr txBox="true"/>
-          <p:nvPr/>
-        </p:nvSpPr>
-        <p:spPr>
-          <a:xfrm rot="0">
+          <p:cNvPr id="27" name="TextBox 27"/>
+          <p:cNvSpPr txBox="1"/>
+          <p:nvPr/>
+        </p:nvSpPr>
+        <p:spPr>
+          <a:xfrm>
             <a:off x="7695313" y="6112203"/>
             <a:ext cx="3497000" cy="382589"/>
           </a:xfrm>
@@ -9808,7 +9992,7 @@
           </a:prstGeom>
         </p:spPr>
         <p:txBody>
-          <a:bodyPr anchor="t" rtlCol="false" tIns="0" lIns="0" bIns="0" rIns="0">
+          <a:bodyPr lIns="0" tIns="0" rIns="0" bIns="0" rtlCol="0" anchor="t">
             <a:spAutoFit/>
           </a:bodyPr>
           <a:lstStyle/>
@@ -9819,7 +10003,7 @@
               </a:lnSpc>
             </a:pPr>
             <a:r>
-              <a:rPr lang="en-US" sz="2406" b="true">
+              <a:rPr lang="en-US" sz="2406" b="1">
                 <a:solidFill>
                   <a:srgbClr val="000000"/>
                 </a:solidFill>
@@ -9835,12 +10019,12 @@
       </p:sp>
       <p:sp>
         <p:nvSpPr>
-          <p:cNvPr name="TextBox 28" id="28"/>
-          <p:cNvSpPr txBox="true"/>
-          <p:nvPr/>
-        </p:nvSpPr>
-        <p:spPr>
-          <a:xfrm rot="0">
+          <p:cNvPr id="28" name="TextBox 28"/>
+          <p:cNvSpPr txBox="1"/>
+          <p:nvPr/>
+        </p:nvSpPr>
+        <p:spPr>
+          <a:xfrm>
             <a:off x="7695313" y="6592212"/>
             <a:ext cx="2911513" cy="383260"/>
           </a:xfrm>
@@ -9849,12 +10033,12 @@
           </a:prstGeom>
         </p:spPr>
         <p:txBody>
-          <a:bodyPr anchor="t" rtlCol="false" tIns="0" lIns="0" bIns="0" rIns="0">
+          <a:bodyPr lIns="0" tIns="0" rIns="0" bIns="0" rtlCol="0" anchor="t">
             <a:spAutoFit/>
           </a:bodyPr>
           <a:lstStyle/>
           <a:p>
-            <a:pPr algn="l" marL="443909" indent="-221955" lvl="1">
+            <a:pPr marL="443909" lvl="1" indent="-221955" algn="l">
               <a:lnSpc>
                 <a:spcPts val="3274"/>
               </a:lnSpc>
@@ -9862,7 +10046,7 @@
               <a:buChar char="•"/>
             </a:pPr>
             <a:r>
-              <a:rPr lang="en-US" b="true" sz="2056">
+              <a:rPr lang="en-US" sz="2056" b="1">
                 <a:solidFill>
                   <a:srgbClr val="000000"/>
                 </a:solidFill>
@@ -9890,12 +10074,12 @@
       </p:sp>
       <p:sp>
         <p:nvSpPr>
-          <p:cNvPr name="TextBox 29" id="29"/>
-          <p:cNvSpPr txBox="true"/>
-          <p:nvPr/>
-        </p:nvSpPr>
-        <p:spPr>
-          <a:xfrm rot="0">
+          <p:cNvPr id="29" name="TextBox 29"/>
+          <p:cNvSpPr txBox="1"/>
+          <p:nvPr/>
+        </p:nvSpPr>
+        <p:spPr>
+          <a:xfrm>
             <a:off x="7688243" y="6976907"/>
             <a:ext cx="2911513" cy="383260"/>
           </a:xfrm>
@@ -9904,12 +10088,12 @@
           </a:prstGeom>
         </p:spPr>
         <p:txBody>
-          <a:bodyPr anchor="t" rtlCol="false" tIns="0" lIns="0" bIns="0" rIns="0">
+          <a:bodyPr lIns="0" tIns="0" rIns="0" bIns="0" rtlCol="0" anchor="t">
             <a:spAutoFit/>
           </a:bodyPr>
           <a:lstStyle/>
           <a:p>
-            <a:pPr algn="l" marL="443909" indent="-221955" lvl="1">
+            <a:pPr marL="443909" lvl="1" indent="-221955" algn="l">
               <a:lnSpc>
                 <a:spcPts val="3274"/>
               </a:lnSpc>
@@ -9917,7 +10101,7 @@
               <a:buChar char="•"/>
             </a:pPr>
             <a:r>
-              <a:rPr lang="en-US" b="true" sz="2056">
+              <a:rPr lang="en-US" sz="2056" b="1">
                 <a:solidFill>
                   <a:srgbClr val="000000"/>
                 </a:solidFill>
@@ -9945,12 +10129,12 @@
       </p:sp>
       <p:sp>
         <p:nvSpPr>
-          <p:cNvPr name="TextBox 30" id="30"/>
-          <p:cNvSpPr txBox="true"/>
-          <p:nvPr/>
-        </p:nvSpPr>
-        <p:spPr>
-          <a:xfrm rot="0">
+          <p:cNvPr id="30" name="TextBox 30"/>
+          <p:cNvSpPr txBox="1"/>
+          <p:nvPr/>
+        </p:nvSpPr>
+        <p:spPr>
+          <a:xfrm>
             <a:off x="7665720" y="7361601"/>
             <a:ext cx="3097750" cy="1202410"/>
           </a:xfrm>
@@ -9959,12 +10143,12 @@
           </a:prstGeom>
         </p:spPr>
         <p:txBody>
-          <a:bodyPr anchor="t" rtlCol="false" tIns="0" lIns="0" bIns="0" rIns="0">
+          <a:bodyPr lIns="0" tIns="0" rIns="0" bIns="0" rtlCol="0" anchor="t">
             <a:spAutoFit/>
           </a:bodyPr>
           <a:lstStyle/>
           <a:p>
-            <a:pPr algn="l" marL="443909" indent="-221955" lvl="1">
+            <a:pPr marL="443909" lvl="1" indent="-221955" algn="l">
               <a:lnSpc>
                 <a:spcPts val="3274"/>
               </a:lnSpc>
@@ -9972,7 +10156,7 @@
               <a:buChar char="•"/>
             </a:pPr>
             <a:r>
-              <a:rPr lang="en-US" b="true" sz="2056">
+              <a:rPr lang="en-US" sz="2056" b="1">
                 <a:solidFill>
                   <a:srgbClr val="000000"/>
                 </a:solidFill>
@@ -9998,6 +10182,47 @@
           </a:p>
         </p:txBody>
       </p:sp>
+      <p:sp>
+        <p:nvSpPr>
+          <p:cNvPr id="31" name="TextBox 30"/>
+          <p:cNvSpPr txBox="1"/>
+          <p:nvPr/>
+        </p:nvSpPr>
+        <p:spPr>
+          <a:xfrm>
+            <a:off x="14935200" y="9789056"/>
+            <a:ext cx="9208084" cy="369332"/>
+          </a:xfrm>
+          <a:prstGeom prst="rect">
+            <a:avLst/>
+          </a:prstGeom>
+        </p:spPr>
+        <p:txBody>
+          <a:bodyPr lIns="0" tIns="0" rIns="0" bIns="0" rtlCol="0" anchor="t">
+            <a:spAutoFit/>
+          </a:bodyPr>
+          <a:lstStyle/>
+          <a:p>
+            <a:r>
+              <a:rPr lang="en-US" sz="2400" dirty="0" smtClean="0"/>
+              <a:t>Group No. 7 		</a:t>
+            </a:r>
+            <a:r>
+              <a:rPr lang="en-US" sz="2400" dirty="0" smtClean="0"/>
+              <a:t>5</a:t>
+            </a:r>
+            <a:endParaRPr lang="en-US" sz="2120" dirty="0">
+              <a:solidFill>
+                <a:srgbClr val="383838"/>
+              </a:solidFill>
+              <a:latin typeface="DM Sans"/>
+              <a:ea typeface="DM Sans"/>
+              <a:cs typeface="DM Sans"/>
+              <a:sym typeface="DM Sans"/>
+            </a:endParaRPr>
+          </a:p>
+        </p:txBody>
+      </p:sp>
     </p:spTree>
   </p:cSld>
   <p:clrMapOvr>
@@ -10007,7 +10232,7 @@
 </file>
 
 <file path=ppt/slides/slide6.xml><?xml version="1.0" encoding="utf-8"?>
-<p:sld xmlns:p="http://schemas.openxmlformats.org/presentationml/2006/main" xmlns:a="http://schemas.openxmlformats.org/drawingml/2006/main" xmlns:r="http://schemas.openxmlformats.org/officeDocument/2006/relationships">
+<p:sld xmlns:a="http://schemas.openxmlformats.org/drawingml/2006/main" xmlns:r="http://schemas.openxmlformats.org/officeDocument/2006/relationships" xmlns:p="http://schemas.openxmlformats.org/presentationml/2006/main">
   <p:cSld>
     <p:spTree>
       <p:nvGrpSpPr>
@@ -10025,12 +10250,12 @@
       </p:grpSpPr>
       <p:grpSp>
         <p:nvGrpSpPr>
-          <p:cNvPr name="Group 2" id="2"/>
+          <p:cNvPr id="2" name="Group 2"/>
           <p:cNvGrpSpPr/>
           <p:nvPr/>
         </p:nvGrpSpPr>
         <p:grpSpPr>
-          <a:xfrm rot="0">
+          <a:xfrm>
             <a:off x="0" y="0"/>
             <a:ext cx="18288000" cy="10287000"/>
             <a:chOff x="0" y="0"/>
@@ -10039,12 +10264,12 @@
         </p:grpSpPr>
         <p:sp>
           <p:nvSpPr>
-            <p:cNvPr name="Freeform 3" id="3"/>
+            <p:cNvPr id="3" name="Freeform 3"/>
             <p:cNvSpPr/>
             <p:nvPr/>
           </p:nvSpPr>
           <p:spPr>
-            <a:xfrm flipH="false" flipV="false" rot="0">
+            <a:xfrm>
               <a:off x="0" y="0"/>
               <a:ext cx="24384000" cy="13716000"/>
             </a:xfrm>
@@ -10053,9 +10278,9 @@
               <a:gdLst/>
               <a:ahLst/>
               <a:cxnLst/>
-              <a:rect r="r" b="b" t="t" l="l"/>
+              <a:rect l="l" t="t" r="r" b="b"/>
               <a:pathLst>
-                <a:path h="13716000" w="24384000">
+                <a:path w="24384000" h="13716000">
                   <a:moveTo>
                     <a:pt x="0" y="0"/>
                   </a:moveTo>
@@ -10080,13 +10305,13 @@
       </p:grpSp>
       <p:grpSp>
         <p:nvGrpSpPr>
-          <p:cNvPr name="Group 4" id="4"/>
+          <p:cNvPr id="4" name="Group 4"/>
           <p:cNvGrpSpPr/>
           <p:nvPr/>
         </p:nvGrpSpPr>
         <p:grpSpPr>
-          <a:xfrm rot="0">
-            <a:off x="0" y="0"/>
+          <a:xfrm>
+            <a:off x="-152400" y="0"/>
             <a:ext cx="18288000" cy="10287000"/>
             <a:chOff x="0" y="0"/>
             <a:chExt cx="24384000" cy="13716000"/>
@@ -10094,12 +10319,12 @@
         </p:grpSpPr>
         <p:sp>
           <p:nvSpPr>
-            <p:cNvPr name="Freeform 5" id="5"/>
+            <p:cNvPr id="5" name="Freeform 5"/>
             <p:cNvSpPr/>
             <p:nvPr/>
           </p:nvSpPr>
           <p:spPr>
-            <a:xfrm flipH="false" flipV="false" rot="0">
+            <a:xfrm>
               <a:off x="0" y="0"/>
               <a:ext cx="24384000" cy="13716000"/>
             </a:xfrm>
@@ -10108,9 +10333,9 @@
               <a:gdLst/>
               <a:ahLst/>
               <a:cxnLst/>
-              <a:rect r="r" b="b" t="t" l="l"/>
+              <a:rect l="l" t="t" r="r" b="b"/>
               <a:pathLst>
-                <a:path h="13716000" w="24384000">
+                <a:path w="24384000" h="13716000">
                   <a:moveTo>
                     <a:pt x="0" y="0"/>
                   </a:moveTo>
@@ -10135,12 +10360,12 @@
       </p:grpSp>
       <p:sp>
         <p:nvSpPr>
-          <p:cNvPr name="Freeform 6" id="6"/>
+          <p:cNvPr id="6" name="Freeform 6"/>
           <p:cNvSpPr/>
           <p:nvPr/>
         </p:nvSpPr>
         <p:spPr>
-          <a:xfrm flipH="false" flipV="false" rot="3998324">
+          <a:xfrm rot="3998324">
             <a:off x="8132677" y="6983959"/>
             <a:ext cx="3270792" cy="4318716"/>
           </a:xfrm>
@@ -10149,9 +10374,9 @@
             <a:gdLst/>
             <a:ahLst/>
             <a:cxnLst/>
-            <a:rect r="r" b="b" t="t" l="l"/>
+            <a:rect l="l" t="t" r="r" b="b"/>
             <a:pathLst>
-              <a:path h="4318716" w="3270792">
+              <a:path w="3270792" h="4318716">
                 <a:moveTo>
                   <a:pt x="0" y="0"/>
                 </a:moveTo>
@@ -10175,24 +10400,24 @@
             <a:blip r:embed="rId3">
               <a:extLst>
                 <a:ext uri="{96DAC541-7B7A-43D3-8B79-37D633B846F1}">
-                  <asvg:svgBlip xmlns:asvg="http://schemas.microsoft.com/office/drawing/2016/SVG/main" r:embed="rId4"/>
+                  <asvg:svgBlip xmlns:asvg="http://schemas.microsoft.com/office/drawing/2016/SVG/main" xmlns="" r:embed="rId4"/>
                 </a:ext>
               </a:extLst>
             </a:blip>
             <a:stretch>
-              <a:fillRect l="0" t="0" r="0" b="0"/>
+              <a:fillRect/>
             </a:stretch>
           </a:blipFill>
         </p:spPr>
       </p:sp>
       <p:sp>
         <p:nvSpPr>
-          <p:cNvPr name="Freeform 7" id="7"/>
+          <p:cNvPr id="7" name="Freeform 7"/>
           <p:cNvSpPr/>
           <p:nvPr/>
         </p:nvSpPr>
         <p:spPr>
-          <a:xfrm flipH="false" flipV="false" rot="1695503">
+          <a:xfrm rot="1695503">
             <a:off x="-667352" y="-1248037"/>
             <a:ext cx="5780943" cy="7633090"/>
           </a:xfrm>
@@ -10201,9 +10426,9 @@
             <a:gdLst/>
             <a:ahLst/>
             <a:cxnLst/>
-            <a:rect r="r" b="b" t="t" l="l"/>
+            <a:rect l="l" t="t" r="r" b="b"/>
             <a:pathLst>
-              <a:path h="7633090" w="5780943">
+              <a:path w="5780943" h="7633090">
                 <a:moveTo>
                   <a:pt x="0" y="0"/>
                 </a:moveTo>
@@ -10227,26 +10452,26 @@
             <a:blip r:embed="rId5">
               <a:extLst>
                 <a:ext uri="{96DAC541-7B7A-43D3-8B79-37D633B846F1}">
-                  <asvg:svgBlip xmlns:asvg="http://schemas.microsoft.com/office/drawing/2016/SVG/main" r:embed="rId6"/>
+                  <asvg:svgBlip xmlns:asvg="http://schemas.microsoft.com/office/drawing/2016/SVG/main" xmlns="" r:embed="rId6"/>
                 </a:ext>
               </a:extLst>
             </a:blip>
             <a:stretch>
-              <a:fillRect l="0" t="0" r="0" b="0"/>
+              <a:fillRect/>
             </a:stretch>
           </a:blipFill>
         </p:spPr>
       </p:sp>
       <p:grpSp>
         <p:nvGrpSpPr>
-          <p:cNvPr name="Group 8" id="8"/>
+          <p:cNvPr id="8" name="Group 8"/>
           <p:cNvGrpSpPr>
-            <a:grpSpLocks noChangeAspect="true"/>
+            <a:grpSpLocks noChangeAspect="1"/>
           </p:cNvGrpSpPr>
           <p:nvPr/>
         </p:nvGrpSpPr>
         <p:grpSpPr>
-          <a:xfrm rot="0">
+          <a:xfrm>
             <a:off x="0" y="0"/>
             <a:ext cx="6858000" cy="10287000"/>
             <a:chOff x="0" y="0"/>
@@ -10255,12 +10480,12 @@
         </p:grpSpPr>
         <p:sp>
           <p:nvSpPr>
-            <p:cNvPr name="Freeform 9" id="9"/>
+            <p:cNvPr id="9" name="Freeform 9"/>
             <p:cNvSpPr/>
             <p:nvPr/>
           </p:nvSpPr>
           <p:spPr>
-            <a:xfrm flipH="false" flipV="false" rot="0">
+            <a:xfrm>
               <a:off x="0" y="0"/>
               <a:ext cx="9144000" cy="13716000"/>
             </a:xfrm>
@@ -10269,9 +10494,9 @@
               <a:gdLst/>
               <a:ahLst/>
               <a:cxnLst/>
-              <a:rect r="r" b="b" t="t" l="l"/>
+              <a:rect l="l" t="t" r="r" b="b"/>
               <a:pathLst>
-                <a:path h="13716000" w="9144000">
+                <a:path w="9144000" h="13716000">
                   <a:moveTo>
                     <a:pt x="0" y="0"/>
                   </a:moveTo>
@@ -10294,7 +10519,7 @@
             <a:blipFill>
               <a:blip r:embed="rId7"/>
               <a:stretch>
-                <a:fillRect l="-47802" t="0" r="-5279" b="0"/>
+                <a:fillRect l="-47802" r="-5279"/>
               </a:stretch>
             </a:blipFill>
           </p:spPr>
@@ -10302,12 +10527,12 @@
       </p:grpSp>
       <p:grpSp>
         <p:nvGrpSpPr>
-          <p:cNvPr name="Group 10" id="10"/>
+          <p:cNvPr id="10" name="Group 10"/>
           <p:cNvGrpSpPr/>
           <p:nvPr/>
         </p:nvGrpSpPr>
         <p:grpSpPr>
-          <a:xfrm rot="0">
+          <a:xfrm>
             <a:off x="13492020" y="2041475"/>
             <a:ext cx="3934405" cy="3417391"/>
             <a:chOff x="0" y="0"/>
@@ -10316,12 +10541,12 @@
         </p:grpSpPr>
         <p:sp>
           <p:nvSpPr>
-            <p:cNvPr name="Freeform 11" id="11"/>
+            <p:cNvPr id="11" name="Freeform 11"/>
             <p:cNvSpPr/>
             <p:nvPr/>
           </p:nvSpPr>
           <p:spPr>
-            <a:xfrm flipH="false" flipV="false" rot="0">
+            <a:xfrm>
               <a:off x="0" y="0"/>
               <a:ext cx="5245904" cy="4556505"/>
             </a:xfrm>
@@ -10330,9 +10555,9 @@
               <a:gdLst/>
               <a:ahLst/>
               <a:cxnLst/>
-              <a:rect r="r" b="b" t="t" l="l"/>
+              <a:rect l="l" t="t" r="r" b="b"/>
               <a:pathLst>
-                <a:path h="4556505" w="5245904">
+                <a:path w="5245904" h="4556505">
                   <a:moveTo>
                     <a:pt x="0" y="45320"/>
                   </a:moveTo>
@@ -10377,12 +10602,12 @@
       </p:grpSp>
       <p:grpSp>
         <p:nvGrpSpPr>
-          <p:cNvPr name="Group 12" id="12"/>
+          <p:cNvPr id="12" name="Group 12"/>
           <p:cNvGrpSpPr/>
           <p:nvPr/>
         </p:nvGrpSpPr>
         <p:grpSpPr>
-          <a:xfrm rot="0">
+          <a:xfrm>
             <a:off x="13492020" y="5668416"/>
             <a:ext cx="3934405" cy="2818359"/>
             <a:chOff x="0" y="0"/>
@@ -10391,12 +10616,12 @@
         </p:grpSpPr>
         <p:sp>
           <p:nvSpPr>
-            <p:cNvPr name="Freeform 13" id="13"/>
+            <p:cNvPr id="13" name="Freeform 13"/>
             <p:cNvSpPr/>
             <p:nvPr/>
           </p:nvSpPr>
           <p:spPr>
-            <a:xfrm flipH="false" flipV="false" rot="0">
+            <a:xfrm>
               <a:off x="0" y="0"/>
               <a:ext cx="5245904" cy="3757803"/>
             </a:xfrm>
@@ -10405,9 +10630,9 @@
               <a:gdLst/>
               <a:ahLst/>
               <a:cxnLst/>
-              <a:rect r="r" b="b" t="t" l="l"/>
+              <a:rect l="l" t="t" r="r" b="b"/>
               <a:pathLst>
-                <a:path h="3757803" w="5245904">
+                <a:path w="5245904" h="3757803">
                   <a:moveTo>
                     <a:pt x="0" y="41783"/>
                   </a:moveTo>
@@ -10452,12 +10677,12 @@
       </p:grpSp>
       <p:sp>
         <p:nvSpPr>
-          <p:cNvPr name="Freeform 14" id="14"/>
+          <p:cNvPr id="14" name="Freeform 14"/>
           <p:cNvSpPr/>
           <p:nvPr/>
         </p:nvSpPr>
         <p:spPr>
-          <a:xfrm flipH="true" flipV="true" rot="3471976">
+          <a:xfrm rot="3471976" flipH="1" flipV="1">
             <a:off x="11075260" y="-3473120"/>
             <a:ext cx="5780943" cy="7633090"/>
           </a:xfrm>
@@ -10466,9 +10691,9 @@
             <a:gdLst/>
             <a:ahLst/>
             <a:cxnLst/>
-            <a:rect r="r" b="b" t="t" l="l"/>
+            <a:rect l="l" t="t" r="r" b="b"/>
             <a:pathLst>
-              <a:path h="7633090" w="5780943">
+              <a:path w="5780943" h="7633090">
                 <a:moveTo>
                   <a:pt x="5780944" y="7633091"/>
                 </a:moveTo>
@@ -10492,24 +10717,24 @@
             <a:blip r:embed="rId5">
               <a:extLst>
                 <a:ext uri="{96DAC541-7B7A-43D3-8B79-37D633B846F1}">
-                  <asvg:svgBlip xmlns:asvg="http://schemas.microsoft.com/office/drawing/2016/SVG/main" r:embed="rId6"/>
+                  <asvg:svgBlip xmlns:asvg="http://schemas.microsoft.com/office/drawing/2016/SVG/main" xmlns="" r:embed="rId6"/>
                 </a:ext>
               </a:extLst>
             </a:blip>
             <a:stretch>
-              <a:fillRect l="0" t="0" r="0" b="0"/>
+              <a:fillRect/>
             </a:stretch>
           </a:blipFill>
         </p:spPr>
       </p:sp>
       <p:sp>
         <p:nvSpPr>
-          <p:cNvPr name="TextBox 15" id="15"/>
-          <p:cNvSpPr txBox="true"/>
-          <p:nvPr/>
-        </p:nvSpPr>
-        <p:spPr>
-          <a:xfrm rot="0">
+          <p:cNvPr id="15" name="TextBox 15"/>
+          <p:cNvSpPr txBox="1"/>
+          <p:nvPr/>
+        </p:nvSpPr>
+        <p:spPr>
+          <a:xfrm>
             <a:off x="6858000" y="1000125"/>
             <a:ext cx="6056971" cy="881181"/>
           </a:xfrm>
@@ -10518,7 +10743,7 @@
           </a:prstGeom>
         </p:spPr>
         <p:txBody>
-          <a:bodyPr anchor="t" rtlCol="false" tIns="0" lIns="0" bIns="0" rIns="0">
+          <a:bodyPr lIns="0" tIns="0" rIns="0" bIns="0" rtlCol="0" anchor="t">
             <a:spAutoFit/>
           </a:bodyPr>
           <a:lstStyle/>
@@ -10529,7 +10754,7 @@
               </a:lnSpc>
             </a:pPr>
             <a:r>
-              <a:rPr lang="en-US" sz="5640" b="true">
+              <a:rPr lang="en-US" sz="5640" b="1">
                 <a:solidFill>
                   <a:srgbClr val="020202"/>
                 </a:solidFill>
@@ -10545,12 +10770,12 @@
       </p:sp>
       <p:sp>
         <p:nvSpPr>
-          <p:cNvPr name="TextBox 16" id="16"/>
-          <p:cNvSpPr txBox="true"/>
-          <p:nvPr/>
-        </p:nvSpPr>
-        <p:spPr>
-          <a:xfrm rot="0">
+          <p:cNvPr id="16" name="TextBox 16"/>
+          <p:cNvSpPr txBox="1"/>
+          <p:nvPr/>
+        </p:nvSpPr>
+        <p:spPr>
+          <a:xfrm>
             <a:off x="6858000" y="2182145"/>
             <a:ext cx="6056971" cy="534117"/>
           </a:xfrm>
@@ -10559,7 +10784,7 @@
           </a:prstGeom>
         </p:spPr>
         <p:txBody>
-          <a:bodyPr anchor="t" rtlCol="false" tIns="0" lIns="0" bIns="0" rIns="0">
+          <a:bodyPr lIns="0" tIns="0" rIns="0" bIns="0" rtlCol="0" anchor="t">
             <a:spAutoFit/>
           </a:bodyPr>
           <a:lstStyle/>
@@ -10586,12 +10811,12 @@
       </p:sp>
       <p:sp>
         <p:nvSpPr>
-          <p:cNvPr name="TextBox 17" id="17"/>
-          <p:cNvSpPr txBox="true"/>
-          <p:nvPr/>
-        </p:nvSpPr>
-        <p:spPr>
-          <a:xfrm rot="0">
+          <p:cNvPr id="17" name="TextBox 17"/>
+          <p:cNvSpPr txBox="1"/>
+          <p:nvPr/>
+        </p:nvSpPr>
+        <p:spPr>
+          <a:xfrm>
             <a:off x="6998401" y="2879229"/>
             <a:ext cx="5776169" cy="1485900"/>
           </a:xfrm>
@@ -10600,7 +10825,7 @@
           </a:prstGeom>
         </p:spPr>
         <p:txBody>
-          <a:bodyPr anchor="t" rtlCol="false" tIns="0" lIns="0" bIns="0" rIns="0">
+          <a:bodyPr lIns="0" tIns="0" rIns="0" bIns="0" rtlCol="0" anchor="t">
             <a:spAutoFit/>
           </a:bodyPr>
           <a:lstStyle/>
@@ -10627,12 +10852,12 @@
       </p:sp>
       <p:sp>
         <p:nvSpPr>
-          <p:cNvPr name="TextBox 18" id="18"/>
-          <p:cNvSpPr txBox="true"/>
-          <p:nvPr/>
-        </p:nvSpPr>
-        <p:spPr>
-          <a:xfrm rot="0">
+          <p:cNvPr id="18" name="TextBox 18"/>
+          <p:cNvSpPr txBox="1"/>
+          <p:nvPr/>
+        </p:nvSpPr>
+        <p:spPr>
+          <a:xfrm>
             <a:off x="7002884" y="4687045"/>
             <a:ext cx="3313771" cy="534117"/>
           </a:xfrm>
@@ -10641,7 +10866,7 @@
           </a:prstGeom>
         </p:spPr>
         <p:txBody>
-          <a:bodyPr anchor="t" rtlCol="false" tIns="0" lIns="0" bIns="0" rIns="0">
+          <a:bodyPr lIns="0" tIns="0" rIns="0" bIns="0" rtlCol="0" anchor="t">
             <a:spAutoFit/>
           </a:bodyPr>
           <a:lstStyle/>
@@ -10668,12 +10893,12 @@
       </p:sp>
       <p:sp>
         <p:nvSpPr>
-          <p:cNvPr name="TextBox 19" id="19"/>
-          <p:cNvSpPr txBox="true"/>
-          <p:nvPr/>
-        </p:nvSpPr>
-        <p:spPr>
-          <a:xfrm rot="0">
+          <p:cNvPr id="19" name="TextBox 19"/>
+          <p:cNvSpPr txBox="1"/>
+          <p:nvPr/>
+        </p:nvSpPr>
+        <p:spPr>
+          <a:xfrm>
             <a:off x="6858000" y="5354512"/>
             <a:ext cx="5776169" cy="431644"/>
           </a:xfrm>
@@ -10682,12 +10907,12 @@
           </a:prstGeom>
         </p:spPr>
         <p:txBody>
-          <a:bodyPr anchor="t" rtlCol="false" tIns="0" lIns="0" bIns="0" rIns="0">
+          <a:bodyPr lIns="0" tIns="0" rIns="0" bIns="0" rtlCol="0" anchor="t">
             <a:spAutoFit/>
           </a:bodyPr>
           <a:lstStyle/>
           <a:p>
-            <a:pPr algn="l" marL="494410" indent="-247205" lvl="1">
+            <a:pPr marL="494410" lvl="1" indent="-247205" algn="l">
               <a:lnSpc>
                 <a:spcPts val="3699"/>
               </a:lnSpc>
@@ -10711,12 +10936,12 @@
       </p:sp>
       <p:sp>
         <p:nvSpPr>
-          <p:cNvPr name="TextBox 20" id="20"/>
-          <p:cNvSpPr txBox="true"/>
-          <p:nvPr/>
-        </p:nvSpPr>
-        <p:spPr>
-          <a:xfrm rot="0">
+          <p:cNvPr id="20" name="TextBox 20"/>
+          <p:cNvSpPr txBox="1"/>
+          <p:nvPr/>
+        </p:nvSpPr>
+        <p:spPr>
+          <a:xfrm>
             <a:off x="6858000" y="5772724"/>
             <a:ext cx="5776169" cy="431644"/>
           </a:xfrm>
@@ -10725,12 +10950,12 @@
           </a:prstGeom>
         </p:spPr>
         <p:txBody>
-          <a:bodyPr anchor="t" rtlCol="false" tIns="0" lIns="0" bIns="0" rIns="0">
+          <a:bodyPr lIns="0" tIns="0" rIns="0" bIns="0" rtlCol="0" anchor="t">
             <a:spAutoFit/>
           </a:bodyPr>
           <a:lstStyle/>
           <a:p>
-            <a:pPr algn="l" marL="494410" indent="-247205" lvl="1">
+            <a:pPr marL="494410" lvl="1" indent="-247205" algn="l">
               <a:lnSpc>
                 <a:spcPts val="3699"/>
               </a:lnSpc>
@@ -10754,12 +10979,12 @@
       </p:sp>
       <p:sp>
         <p:nvSpPr>
-          <p:cNvPr name="TextBox 21" id="21"/>
-          <p:cNvSpPr txBox="true"/>
-          <p:nvPr/>
-        </p:nvSpPr>
-        <p:spPr>
-          <a:xfrm rot="0">
+          <p:cNvPr id="21" name="TextBox 21"/>
+          <p:cNvSpPr txBox="1"/>
+          <p:nvPr/>
+        </p:nvSpPr>
+        <p:spPr>
+          <a:xfrm>
             <a:off x="6858000" y="6164823"/>
             <a:ext cx="5776169" cy="431644"/>
           </a:xfrm>
@@ -10768,12 +10993,12 @@
           </a:prstGeom>
         </p:spPr>
         <p:txBody>
-          <a:bodyPr anchor="t" rtlCol="false" tIns="0" lIns="0" bIns="0" rIns="0">
+          <a:bodyPr lIns="0" tIns="0" rIns="0" bIns="0" rtlCol="0" anchor="t">
             <a:spAutoFit/>
           </a:bodyPr>
           <a:lstStyle/>
           <a:p>
-            <a:pPr algn="l" marL="494410" indent="-247205" lvl="1">
+            <a:pPr marL="494410" lvl="1" indent="-247205" algn="l">
               <a:lnSpc>
                 <a:spcPts val="3699"/>
               </a:lnSpc>
@@ -10797,12 +11022,12 @@
       </p:sp>
       <p:sp>
         <p:nvSpPr>
-          <p:cNvPr name="TextBox 22" id="22"/>
-          <p:cNvSpPr txBox="true"/>
-          <p:nvPr/>
-        </p:nvSpPr>
-        <p:spPr>
-          <a:xfrm rot="0">
+          <p:cNvPr id="22" name="TextBox 22"/>
+          <p:cNvSpPr txBox="1"/>
+          <p:nvPr/>
+        </p:nvSpPr>
+        <p:spPr>
+          <a:xfrm>
             <a:off x="6858000" y="6672667"/>
             <a:ext cx="6056971" cy="685800"/>
           </a:xfrm>
@@ -10811,12 +11036,12 @@
           </a:prstGeom>
         </p:spPr>
         <p:txBody>
-          <a:bodyPr anchor="t" rtlCol="false" tIns="0" lIns="0" bIns="0" rIns="0">
+          <a:bodyPr lIns="0" tIns="0" rIns="0" bIns="0" rtlCol="0" anchor="t">
             <a:spAutoFit/>
           </a:bodyPr>
           <a:lstStyle/>
           <a:p>
-            <a:pPr algn="l" marL="494410" indent="-247205" lvl="1">
+            <a:pPr marL="494410" lvl="1" indent="-247205" algn="l">
               <a:lnSpc>
                 <a:spcPts val="2747"/>
               </a:lnSpc>
@@ -10840,12 +11065,12 @@
       </p:sp>
       <p:sp>
         <p:nvSpPr>
-          <p:cNvPr name="TextBox 23" id="23"/>
-          <p:cNvSpPr txBox="true"/>
-          <p:nvPr/>
-        </p:nvSpPr>
-        <p:spPr>
-          <a:xfrm rot="0">
+          <p:cNvPr id="23" name="TextBox 23"/>
+          <p:cNvSpPr txBox="1"/>
+          <p:nvPr/>
+        </p:nvSpPr>
+        <p:spPr>
+          <a:xfrm>
             <a:off x="6858000" y="7434667"/>
             <a:ext cx="5776169" cy="685800"/>
           </a:xfrm>
@@ -10854,12 +11079,12 @@
           </a:prstGeom>
         </p:spPr>
         <p:txBody>
-          <a:bodyPr anchor="t" rtlCol="false" tIns="0" lIns="0" bIns="0" rIns="0">
+          <a:bodyPr lIns="0" tIns="0" rIns="0" bIns="0" rtlCol="0" anchor="t">
             <a:spAutoFit/>
           </a:bodyPr>
           <a:lstStyle/>
           <a:p>
-            <a:pPr algn="l" marL="494410" indent="-247205" lvl="1">
+            <a:pPr marL="494410" lvl="1" indent="-247205" algn="l">
               <a:lnSpc>
                 <a:spcPts val="2747"/>
               </a:lnSpc>
@@ -10883,12 +11108,12 @@
       </p:sp>
       <p:sp>
         <p:nvSpPr>
-          <p:cNvPr name="TextBox 24" id="24"/>
-          <p:cNvSpPr txBox="true"/>
-          <p:nvPr/>
-        </p:nvSpPr>
-        <p:spPr>
-          <a:xfrm rot="0">
+          <p:cNvPr id="24" name="TextBox 24"/>
+          <p:cNvSpPr txBox="1"/>
+          <p:nvPr/>
+        </p:nvSpPr>
+        <p:spPr>
+          <a:xfrm>
             <a:off x="6858000" y="8110942"/>
             <a:ext cx="5776169" cy="431644"/>
           </a:xfrm>
@@ -10897,12 +11122,12 @@
           </a:prstGeom>
         </p:spPr>
         <p:txBody>
-          <a:bodyPr anchor="t" rtlCol="false" tIns="0" lIns="0" bIns="0" rIns="0">
+          <a:bodyPr lIns="0" tIns="0" rIns="0" bIns="0" rtlCol="0" anchor="t">
             <a:spAutoFit/>
           </a:bodyPr>
           <a:lstStyle/>
           <a:p>
-            <a:pPr algn="l" marL="494410" indent="-247205" lvl="1">
+            <a:pPr marL="494410" lvl="1" indent="-247205" algn="l">
               <a:lnSpc>
                 <a:spcPts val="3699"/>
               </a:lnSpc>
@@ -10926,12 +11151,12 @@
       </p:sp>
       <p:sp>
         <p:nvSpPr>
-          <p:cNvPr name="TextBox 25" id="25"/>
-          <p:cNvSpPr txBox="true"/>
-          <p:nvPr/>
-        </p:nvSpPr>
-        <p:spPr>
-          <a:xfrm rot="0">
+          <p:cNvPr id="25" name="TextBox 25"/>
+          <p:cNvSpPr txBox="1"/>
+          <p:nvPr/>
+        </p:nvSpPr>
+        <p:spPr>
+          <a:xfrm>
             <a:off x="13965732" y="2330664"/>
             <a:ext cx="2986982" cy="835802"/>
           </a:xfrm>
@@ -10940,7 +11165,7 @@
           </a:prstGeom>
         </p:spPr>
         <p:txBody>
-          <a:bodyPr anchor="t" rtlCol="false" tIns="0" lIns="0" bIns="0" rIns="0">
+          <a:bodyPr lIns="0" tIns="0" rIns="0" bIns="0" rtlCol="0" anchor="t">
             <a:spAutoFit/>
           </a:bodyPr>
           <a:lstStyle/>
@@ -10951,7 +11176,7 @@
               </a:lnSpc>
             </a:pPr>
             <a:r>
-              <a:rPr lang="en-US" sz="2610" b="true">
+              <a:rPr lang="en-US" sz="2610" b="1">
                 <a:solidFill>
                   <a:srgbClr val="000000"/>
                 </a:solidFill>
@@ -10967,12 +11192,12 @@
       </p:sp>
       <p:sp>
         <p:nvSpPr>
-          <p:cNvPr name="TextBox 26" id="26"/>
-          <p:cNvSpPr txBox="true"/>
-          <p:nvPr/>
-        </p:nvSpPr>
-        <p:spPr>
-          <a:xfrm rot="0">
+          <p:cNvPr id="26" name="TextBox 26"/>
+          <p:cNvSpPr txBox="1"/>
+          <p:nvPr/>
+        </p:nvSpPr>
+        <p:spPr>
+          <a:xfrm>
             <a:off x="13965732" y="3326010"/>
             <a:ext cx="2711054" cy="609600"/>
           </a:xfrm>
@@ -10981,12 +11206,12 @@
           </a:prstGeom>
         </p:spPr>
         <p:txBody>
-          <a:bodyPr anchor="t" rtlCol="false" tIns="0" lIns="0" bIns="0" rIns="0">
+          <a:bodyPr lIns="0" tIns="0" rIns="0" bIns="0" rtlCol="0" anchor="t">
             <a:spAutoFit/>
           </a:bodyPr>
           <a:lstStyle/>
           <a:p>
-            <a:pPr algn="l" marL="310674" indent="-155337" lvl="1">
+            <a:pPr marL="310674" lvl="1" indent="-155337" algn="l">
               <a:lnSpc>
                 <a:spcPts val="2472"/>
               </a:lnSpc>
@@ -11010,12 +11235,12 @@
       </p:sp>
       <p:sp>
         <p:nvSpPr>
-          <p:cNvPr name="TextBox 27" id="27"/>
-          <p:cNvSpPr txBox="true"/>
-          <p:nvPr/>
-        </p:nvSpPr>
-        <p:spPr>
-          <a:xfrm rot="0">
+          <p:cNvPr id="27" name="TextBox 27"/>
+          <p:cNvSpPr txBox="1"/>
+          <p:nvPr/>
+        </p:nvSpPr>
+        <p:spPr>
+          <a:xfrm>
             <a:off x="13965732" y="4067621"/>
             <a:ext cx="3084614" cy="304800"/>
           </a:xfrm>
@@ -11024,12 +11249,12 @@
           </a:prstGeom>
         </p:spPr>
         <p:txBody>
-          <a:bodyPr anchor="t" rtlCol="false" tIns="0" lIns="0" bIns="0" rIns="0">
+          <a:bodyPr lIns="0" tIns="0" rIns="0" bIns="0" rtlCol="0" anchor="t">
             <a:spAutoFit/>
           </a:bodyPr>
           <a:lstStyle/>
           <a:p>
-            <a:pPr algn="l" marL="310674" indent="-155337" lvl="1">
+            <a:pPr marL="310674" lvl="1" indent="-155337" algn="l">
               <a:lnSpc>
                 <a:spcPts val="2472"/>
               </a:lnSpc>
@@ -11053,12 +11278,12 @@
       </p:sp>
       <p:sp>
         <p:nvSpPr>
-          <p:cNvPr name="TextBox 28" id="28"/>
-          <p:cNvSpPr txBox="true"/>
-          <p:nvPr/>
-        </p:nvSpPr>
-        <p:spPr>
-          <a:xfrm rot="0">
+          <p:cNvPr id="28" name="TextBox 28"/>
+          <p:cNvSpPr txBox="1"/>
+          <p:nvPr/>
+        </p:nvSpPr>
+        <p:spPr>
+          <a:xfrm>
             <a:off x="13965732" y="4474964"/>
             <a:ext cx="2711054" cy="609600"/>
           </a:xfrm>
@@ -11067,12 +11292,12 @@
           </a:prstGeom>
         </p:spPr>
         <p:txBody>
-          <a:bodyPr anchor="t" rtlCol="false" tIns="0" lIns="0" bIns="0" rIns="0">
+          <a:bodyPr lIns="0" tIns="0" rIns="0" bIns="0" rtlCol="0" anchor="t">
             <a:spAutoFit/>
           </a:bodyPr>
           <a:lstStyle/>
           <a:p>
-            <a:pPr algn="l" marL="310674" indent="-155337" lvl="1">
+            <a:pPr marL="310674" lvl="1" indent="-155337" algn="l">
               <a:lnSpc>
                 <a:spcPts val="2472"/>
               </a:lnSpc>
@@ -11096,12 +11321,12 @@
       </p:sp>
       <p:sp>
         <p:nvSpPr>
-          <p:cNvPr name="TextBox 29" id="29"/>
-          <p:cNvSpPr txBox="true"/>
-          <p:nvPr/>
-        </p:nvSpPr>
-        <p:spPr>
-          <a:xfrm rot="0">
+          <p:cNvPr id="29" name="TextBox 29"/>
+          <p:cNvSpPr txBox="1"/>
+          <p:nvPr/>
+        </p:nvSpPr>
+        <p:spPr>
+          <a:xfrm>
             <a:off x="13965732" y="6001791"/>
             <a:ext cx="2711054" cy="315913"/>
           </a:xfrm>
@@ -11110,7 +11335,7 @@
           </a:prstGeom>
         </p:spPr>
         <p:txBody>
-          <a:bodyPr anchor="t" rtlCol="false" tIns="0" lIns="0" bIns="0" rIns="0">
+          <a:bodyPr lIns="0" tIns="0" rIns="0" bIns="0" rtlCol="0" anchor="t">
             <a:spAutoFit/>
           </a:bodyPr>
           <a:lstStyle/>
@@ -11121,7 +11346,7 @@
               </a:lnSpc>
             </a:pPr>
             <a:r>
-              <a:rPr lang="en-US" sz="2125" b="true">
+              <a:rPr lang="en-US" sz="2125" b="1">
                 <a:solidFill>
                   <a:srgbClr val="000000"/>
                 </a:solidFill>
@@ -11137,12 +11362,12 @@
       </p:sp>
       <p:sp>
         <p:nvSpPr>
-          <p:cNvPr name="TextBox 30" id="30"/>
-          <p:cNvSpPr txBox="true"/>
-          <p:nvPr/>
-        </p:nvSpPr>
-        <p:spPr>
-          <a:xfrm rot="0">
+          <p:cNvPr id="30" name="TextBox 30"/>
+          <p:cNvSpPr txBox="1"/>
+          <p:nvPr/>
+        </p:nvSpPr>
+        <p:spPr>
+          <a:xfrm>
             <a:off x="13851432" y="6420742"/>
             <a:ext cx="2711054" cy="396152"/>
           </a:xfrm>
@@ -11151,12 +11376,12 @@
           </a:prstGeom>
         </p:spPr>
         <p:txBody>
-          <a:bodyPr anchor="t" rtlCol="false" tIns="0" lIns="0" bIns="0" rIns="0">
+          <a:bodyPr lIns="0" tIns="0" rIns="0" bIns="0" rtlCol="0" anchor="t">
             <a:spAutoFit/>
           </a:bodyPr>
           <a:lstStyle/>
           <a:p>
-            <a:pPr algn="l" marL="444755" indent="-222377" lvl="1">
+            <a:pPr marL="444755" lvl="1" indent="-222377" algn="l">
               <a:lnSpc>
                 <a:spcPts val="3327"/>
               </a:lnSpc>
@@ -11164,7 +11389,7 @@
               <a:buChar char="•"/>
             </a:pPr>
             <a:r>
-              <a:rPr lang="en-US" b="true" sz="2060">
+              <a:rPr lang="en-US" sz="2060" b="1">
                 <a:solidFill>
                   <a:srgbClr val="000000"/>
                 </a:solidFill>
@@ -11192,12 +11417,12 @@
       </p:sp>
       <p:sp>
         <p:nvSpPr>
-          <p:cNvPr name="TextBox 31" id="31"/>
-          <p:cNvSpPr txBox="true"/>
-          <p:nvPr/>
-        </p:nvSpPr>
-        <p:spPr>
-          <a:xfrm rot="0">
+          <p:cNvPr id="31" name="TextBox 31"/>
+          <p:cNvSpPr txBox="1"/>
+          <p:nvPr/>
+        </p:nvSpPr>
+        <p:spPr>
+          <a:xfrm>
             <a:off x="13841907" y="6835944"/>
             <a:ext cx="2711054" cy="396152"/>
           </a:xfrm>
@@ -11206,12 +11431,12 @@
           </a:prstGeom>
         </p:spPr>
         <p:txBody>
-          <a:bodyPr anchor="t" rtlCol="false" tIns="0" lIns="0" bIns="0" rIns="0">
+          <a:bodyPr lIns="0" tIns="0" rIns="0" bIns="0" rtlCol="0" anchor="t">
             <a:spAutoFit/>
           </a:bodyPr>
           <a:lstStyle/>
           <a:p>
-            <a:pPr algn="l" marL="444755" indent="-222377" lvl="1">
+            <a:pPr marL="444755" lvl="1" indent="-222377" algn="l">
               <a:lnSpc>
                 <a:spcPts val="3327"/>
               </a:lnSpc>
@@ -11219,7 +11444,7 @@
               <a:buChar char="•"/>
             </a:pPr>
             <a:r>
-              <a:rPr lang="en-US" b="true" sz="2060">
+              <a:rPr lang="en-US" sz="2060" b="1">
                 <a:solidFill>
                   <a:srgbClr val="000000"/>
                 </a:solidFill>
@@ -11247,12 +11472,12 @@
       </p:sp>
       <p:sp>
         <p:nvSpPr>
-          <p:cNvPr name="TextBox 32" id="32"/>
-          <p:cNvSpPr txBox="true"/>
-          <p:nvPr/>
-        </p:nvSpPr>
-        <p:spPr>
-          <a:xfrm rot="0">
+          <p:cNvPr id="32" name="TextBox 32"/>
+          <p:cNvSpPr txBox="1"/>
+          <p:nvPr/>
+        </p:nvSpPr>
+        <p:spPr>
+          <a:xfrm>
             <a:off x="13841907" y="7251146"/>
             <a:ext cx="3417393" cy="815252"/>
           </a:xfrm>
@@ -11261,12 +11486,12 @@
           </a:prstGeom>
         </p:spPr>
         <p:txBody>
-          <a:bodyPr anchor="t" rtlCol="false" tIns="0" lIns="0" bIns="0" rIns="0">
+          <a:bodyPr lIns="0" tIns="0" rIns="0" bIns="0" rtlCol="0" anchor="t">
             <a:spAutoFit/>
           </a:bodyPr>
           <a:lstStyle/>
           <a:p>
-            <a:pPr algn="l" marL="444755" indent="-222377" lvl="1">
+            <a:pPr marL="444755" lvl="1" indent="-222377" algn="l">
               <a:lnSpc>
                 <a:spcPts val="3327"/>
               </a:lnSpc>
@@ -11274,7 +11499,7 @@
               <a:buChar char="•"/>
             </a:pPr>
             <a:r>
-              <a:rPr lang="en-US" b="true" sz="2060">
+              <a:rPr lang="en-US" sz="2060" b="1">
                 <a:solidFill>
                   <a:srgbClr val="000000"/>
                 </a:solidFill>
@@ -11300,6 +11525,47 @@
           </a:p>
         </p:txBody>
       </p:sp>
+      <p:sp>
+        <p:nvSpPr>
+          <p:cNvPr id="33" name="TextBox 32"/>
+          <p:cNvSpPr txBox="1"/>
+          <p:nvPr/>
+        </p:nvSpPr>
+        <p:spPr>
+          <a:xfrm>
+            <a:off x="14935200" y="9789056"/>
+            <a:ext cx="9208084" cy="369332"/>
+          </a:xfrm>
+          <a:prstGeom prst="rect">
+            <a:avLst/>
+          </a:prstGeom>
+        </p:spPr>
+        <p:txBody>
+          <a:bodyPr lIns="0" tIns="0" rIns="0" bIns="0" rtlCol="0" anchor="t">
+            <a:spAutoFit/>
+          </a:bodyPr>
+          <a:lstStyle/>
+          <a:p>
+            <a:r>
+              <a:rPr lang="en-US" sz="2400" dirty="0" smtClean="0"/>
+              <a:t>Group No. 7 		</a:t>
+            </a:r>
+            <a:r>
+              <a:rPr lang="en-US" sz="2400" dirty="0" smtClean="0"/>
+              <a:t>6</a:t>
+            </a:r>
+            <a:endParaRPr lang="en-US" sz="2120" dirty="0">
+              <a:solidFill>
+                <a:srgbClr val="383838"/>
+              </a:solidFill>
+              <a:latin typeface="DM Sans"/>
+              <a:ea typeface="DM Sans"/>
+              <a:cs typeface="DM Sans"/>
+              <a:sym typeface="DM Sans"/>
+            </a:endParaRPr>
+          </a:p>
+        </p:txBody>
+      </p:sp>
     </p:spTree>
   </p:cSld>
   <p:clrMapOvr>
@@ -11309,7 +11575,7 @@
 </file>
 
 <file path=ppt/slides/slide7.xml><?xml version="1.0" encoding="utf-8"?>
-<p:sld xmlns:p="http://schemas.openxmlformats.org/presentationml/2006/main" xmlns:a="http://schemas.openxmlformats.org/drawingml/2006/main" xmlns:r="http://schemas.openxmlformats.org/officeDocument/2006/relationships">
+<p:sld xmlns:a="http://schemas.openxmlformats.org/drawingml/2006/main" xmlns:r="http://schemas.openxmlformats.org/officeDocument/2006/relationships" xmlns:p="http://schemas.openxmlformats.org/presentationml/2006/main">
   <p:cSld>
     <p:spTree>
       <p:nvGrpSpPr>
@@ -11327,12 +11593,12 @@
       </p:grpSpPr>
       <p:grpSp>
         <p:nvGrpSpPr>
-          <p:cNvPr name="Group 2" id="2"/>
+          <p:cNvPr id="2" name="Group 2"/>
           <p:cNvGrpSpPr/>
           <p:nvPr/>
         </p:nvGrpSpPr>
         <p:grpSpPr>
-          <a:xfrm rot="0">
+          <a:xfrm>
             <a:off x="0" y="0"/>
             <a:ext cx="18288000" cy="10287000"/>
             <a:chOff x="0" y="0"/>
@@ -11341,12 +11607,12 @@
         </p:grpSpPr>
         <p:sp>
           <p:nvSpPr>
-            <p:cNvPr name="Freeform 3" id="3"/>
+            <p:cNvPr id="3" name="Freeform 3"/>
             <p:cNvSpPr/>
             <p:nvPr/>
           </p:nvSpPr>
           <p:spPr>
-            <a:xfrm flipH="false" flipV="false" rot="0">
+            <a:xfrm>
               <a:off x="0" y="0"/>
               <a:ext cx="24384000" cy="13716000"/>
             </a:xfrm>
@@ -11355,9 +11621,9 @@
               <a:gdLst/>
               <a:ahLst/>
               <a:cxnLst/>
-              <a:rect r="r" b="b" t="t" l="l"/>
+              <a:rect l="l" t="t" r="r" b="b"/>
               <a:pathLst>
-                <a:path h="13716000" w="24384000">
+                <a:path w="24384000" h="13716000">
                   <a:moveTo>
                     <a:pt x="0" y="0"/>
                   </a:moveTo>
@@ -11382,12 +11648,12 @@
       </p:grpSp>
       <p:grpSp>
         <p:nvGrpSpPr>
-          <p:cNvPr name="Group 4" id="4"/>
+          <p:cNvPr id="4" name="Group 4"/>
           <p:cNvGrpSpPr/>
           <p:nvPr/>
         </p:nvGrpSpPr>
         <p:grpSpPr>
-          <a:xfrm rot="0">
+          <a:xfrm>
             <a:off x="0" y="0"/>
             <a:ext cx="18288000" cy="10287000"/>
             <a:chOff x="0" y="0"/>
@@ -11396,12 +11662,12 @@
         </p:grpSpPr>
         <p:sp>
           <p:nvSpPr>
-            <p:cNvPr name="Freeform 5" id="5"/>
+            <p:cNvPr id="5" name="Freeform 5"/>
             <p:cNvSpPr/>
             <p:nvPr/>
           </p:nvSpPr>
           <p:spPr>
-            <a:xfrm flipH="false" flipV="false" rot="0">
+            <a:xfrm>
               <a:off x="0" y="0"/>
               <a:ext cx="24384000" cy="13716000"/>
             </a:xfrm>
@@ -11410,9 +11676,9 @@
               <a:gdLst/>
               <a:ahLst/>
               <a:cxnLst/>
-              <a:rect r="r" b="b" t="t" l="l"/>
+              <a:rect l="l" t="t" r="r" b="b"/>
               <a:pathLst>
-                <a:path h="13716000" w="24384000">
+                <a:path w="24384000" h="13716000">
                   <a:moveTo>
                     <a:pt x="0" y="0"/>
                   </a:moveTo>
@@ -11437,12 +11703,12 @@
       </p:grpSp>
       <p:sp>
         <p:nvSpPr>
-          <p:cNvPr name="Freeform 6" id="6"/>
+          <p:cNvPr id="6" name="Freeform 6"/>
           <p:cNvSpPr/>
           <p:nvPr/>
         </p:nvSpPr>
         <p:spPr>
-          <a:xfrm flipH="false" flipV="false" rot="2339688">
+          <a:xfrm rot="2339688">
             <a:off x="11749101" y="4133095"/>
             <a:ext cx="6643732" cy="8772307"/>
           </a:xfrm>
@@ -11451,9 +11717,9 @@
             <a:gdLst/>
             <a:ahLst/>
             <a:cxnLst/>
-            <a:rect r="r" b="b" t="t" l="l"/>
+            <a:rect l="l" t="t" r="r" b="b"/>
             <a:pathLst>
-              <a:path h="8772307" w="6643732">
+              <a:path w="6643732" h="8772307">
                 <a:moveTo>
                   <a:pt x="0" y="0"/>
                 </a:moveTo>
@@ -11477,24 +11743,24 @@
             <a:blip r:embed="rId3">
               <a:extLst>
                 <a:ext uri="{96DAC541-7B7A-43D3-8B79-37D633B846F1}">
-                  <asvg:svgBlip xmlns:asvg="http://schemas.microsoft.com/office/drawing/2016/SVG/main" r:embed="rId4"/>
+                  <asvg:svgBlip xmlns:asvg="http://schemas.microsoft.com/office/drawing/2016/SVG/main" xmlns="" r:embed="rId4"/>
                 </a:ext>
               </a:extLst>
             </a:blip>
             <a:stretch>
-              <a:fillRect l="0" t="0" r="0" b="0"/>
+              <a:fillRect/>
             </a:stretch>
           </a:blipFill>
         </p:spPr>
       </p:sp>
       <p:sp>
         <p:nvSpPr>
-          <p:cNvPr name="Freeform 7" id="7"/>
+          <p:cNvPr id="7" name="Freeform 7"/>
           <p:cNvSpPr/>
           <p:nvPr/>
         </p:nvSpPr>
         <p:spPr>
-          <a:xfrm flipH="false" flipV="false" rot="-8948988">
+          <a:xfrm rot="-8948988">
             <a:off x="-82136" y="-2787845"/>
             <a:ext cx="5780943" cy="7633090"/>
           </a:xfrm>
@@ -11503,9 +11769,9 @@
             <a:gdLst/>
             <a:ahLst/>
             <a:cxnLst/>
-            <a:rect r="r" b="b" t="t" l="l"/>
+            <a:rect l="l" t="t" r="r" b="b"/>
             <a:pathLst>
-              <a:path h="7633090" w="5780943">
+              <a:path w="5780943" h="7633090">
                 <a:moveTo>
                   <a:pt x="0" y="0"/>
                 </a:moveTo>
@@ -11529,24 +11795,24 @@
             <a:blip r:embed="rId5">
               <a:extLst>
                 <a:ext uri="{96DAC541-7B7A-43D3-8B79-37D633B846F1}">
-                  <asvg:svgBlip xmlns:asvg="http://schemas.microsoft.com/office/drawing/2016/SVG/main" r:embed="rId6"/>
+                  <asvg:svgBlip xmlns:asvg="http://schemas.microsoft.com/office/drawing/2016/SVG/main" xmlns="" r:embed="rId6"/>
                 </a:ext>
               </a:extLst>
             </a:blip>
             <a:stretch>
-              <a:fillRect l="0" t="0" r="0" b="0"/>
+              <a:fillRect/>
             </a:stretch>
           </a:blipFill>
         </p:spPr>
       </p:sp>
       <p:sp>
         <p:nvSpPr>
-          <p:cNvPr name="TextBox 8" id="8"/>
-          <p:cNvSpPr txBox="true"/>
-          <p:nvPr/>
-        </p:nvSpPr>
-        <p:spPr>
-          <a:xfrm rot="0">
+          <p:cNvPr id="8" name="TextBox 8"/>
+          <p:cNvSpPr txBox="1"/>
+          <p:nvPr/>
+        </p:nvSpPr>
+        <p:spPr>
+          <a:xfrm>
             <a:off x="5068119" y="3960648"/>
             <a:ext cx="8151762" cy="1182852"/>
           </a:xfrm>
@@ -11555,7 +11821,7 @@
           </a:prstGeom>
         </p:spPr>
         <p:txBody>
-          <a:bodyPr anchor="t" rtlCol="false" tIns="0" lIns="0" bIns="0" rIns="0">
+          <a:bodyPr lIns="0" tIns="0" rIns="0" bIns="0" rtlCol="0" anchor="t">
             <a:spAutoFit/>
           </a:bodyPr>
           <a:lstStyle/>
@@ -11566,7 +11832,7 @@
               </a:lnSpc>
             </a:pPr>
             <a:r>
-              <a:rPr lang="en-US" sz="7512" b="true">
+              <a:rPr lang="en-US" sz="7512" b="1">
                 <a:solidFill>
                   <a:srgbClr val="020202"/>
                 </a:solidFill>
@@ -11582,12 +11848,12 @@
       </p:sp>
       <p:sp>
         <p:nvSpPr>
-          <p:cNvPr name="TextBox 9" id="9"/>
-          <p:cNvSpPr txBox="true"/>
-          <p:nvPr/>
-        </p:nvSpPr>
-        <p:spPr>
-          <a:xfrm rot="0">
+          <p:cNvPr id="9" name="TextBox 9"/>
+          <p:cNvSpPr txBox="1"/>
+          <p:nvPr/>
+        </p:nvSpPr>
+        <p:spPr>
+          <a:xfrm>
             <a:off x="5068119" y="5330266"/>
             <a:ext cx="8151762" cy="457200"/>
           </a:xfrm>
@@ -11596,7 +11862,7 @@
           </a:prstGeom>
         </p:spPr>
         <p:txBody>
-          <a:bodyPr anchor="t" rtlCol="false" tIns="0" lIns="0" bIns="0" rIns="0">
+          <a:bodyPr lIns="0" tIns="0" rIns="0" bIns="0" rtlCol="0" anchor="t">
             <a:spAutoFit/>
           </a:bodyPr>
           <a:lstStyle/>
@@ -11607,7 +11873,7 @@
               </a:lnSpc>
             </a:pPr>
             <a:r>
-              <a:rPr lang="en-US" sz="3039" i="true">
+              <a:rPr lang="en-US" sz="3039" i="1">
                 <a:solidFill>
                   <a:srgbClr val="383838"/>
                 </a:solidFill>

--- a/MST-Visualizer.pptx.pptx
+++ b/MST-Visualizer.pptx.pptx
@@ -20,31 +20,31 @@
   <p:notesSz cx="6858000" cy="9144000"/>
   <p:embeddedFontLst>
     <p:embeddedFont>
-      <p:font typeface="PT Serif Bold" panose="020B0604020202020204" charset="0"/>
+      <p:font typeface="DM Sans" panose="020B0604020202020204" charset="0"/>
       <p:regular r:id="rId10"/>
     </p:embeddedFont>
     <p:embeddedFont>
-      <p:font typeface="DM Sans Italics" panose="020B0604020202020204" charset="0"/>
+      <p:font typeface="PT Serif" panose="020B0604020202020204" charset="0"/>
       <p:regular r:id="rId11"/>
     </p:embeddedFont>
     <p:embeddedFont>
-      <p:font typeface="PT Serif" panose="020B0604020202020204" charset="0"/>
+      <p:font typeface="DM Sans Bold" panose="020B0604020202020204" charset="0"/>
       <p:regular r:id="rId12"/>
     </p:embeddedFont>
     <p:embeddedFont>
-      <p:font typeface="Calibri" panose="020F0502020204030204" pitchFamily="34" charset="0"/>
+      <p:font typeface="DM Sans Italics" panose="020B0604020202020204" charset="0"/>
       <p:regular r:id="rId13"/>
-      <p:bold r:id="rId14"/>
-      <p:italic r:id="rId15"/>
-      <p:boldItalic r:id="rId16"/>
     </p:embeddedFont>
     <p:embeddedFont>
-      <p:font typeface="DM Sans Bold" panose="020B0604020202020204" charset="0"/>
-      <p:regular r:id="rId17"/>
+      <p:font typeface="PT Serif Bold" panose="020B0604020202020204" charset="0"/>
+      <p:regular r:id="rId14"/>
     </p:embeddedFont>
     <p:embeddedFont>
-      <p:font typeface="DM Sans" panose="020B0604020202020204" charset="0"/>
-      <p:regular r:id="rId18"/>
+      <p:font typeface="Calibri" panose="020F0502020204030204" pitchFamily="34" charset="0"/>
+      <p:regular r:id="rId15"/>
+      <p:bold r:id="rId16"/>
+      <p:italic r:id="rId17"/>
+      <p:boldItalic r:id="rId18"/>
     </p:embeddedFont>
   </p:embeddedFontLst>
   <p:defaultTextStyle>
@@ -650,10 +650,10 @@
           <a:lstStyle/>
           <a:p>
             <a:r>
-              <a:rPr lang="en-US"/>
+              <a:rPr lang="en-US" dirty="0"/>
               <a:t>1</a:t>
             </a:r>
-            <a:endParaRPr lang="en-US" smtClean="0"/>
+            <a:endParaRPr lang="en-US" dirty="0" smtClean="0"/>
           </a:p>
         </p:txBody>
       </p:sp>
@@ -5221,7 +5221,7 @@
             <a:blip r:embed="rId6">
               <a:extLst>
                 <a:ext uri="{96DAC541-7B7A-43D3-8B79-37D633B846F1}">
-                  <asvg:svgBlip xmlns:asvg="http://schemas.microsoft.com/office/drawing/2016/SVG/main" xmlns="" r:embed="rId7"/>
+                  <asvg:svgBlip xmlns="" xmlns:asvg="http://schemas.microsoft.com/office/drawing/2016/SVG/main" r:embed="rId7"/>
                 </a:ext>
               </a:extLst>
             </a:blip>
@@ -5273,7 +5273,7 @@
             <a:blip r:embed="rId8">
               <a:extLst>
                 <a:ext uri="{96DAC541-7B7A-43D3-8B79-37D633B846F1}">
-                  <asvg:svgBlip xmlns:asvg="http://schemas.microsoft.com/office/drawing/2016/SVG/main" xmlns="" r:embed="rId9"/>
+                  <asvg:svgBlip xmlns="" xmlns:asvg="http://schemas.microsoft.com/office/drawing/2016/SVG/main" r:embed="rId9"/>
                 </a:ext>
               </a:extLst>
             </a:blip>
@@ -5631,6 +5631,13 @@
   <p:clrMapOvr>
     <a:masterClrMapping/>
   </p:clrMapOvr>
+  <p:timing>
+    <p:tnLst>
+      <p:par>
+        <p:cTn id="1" dur="indefinite" restart="never" nodeType="tmRoot"/>
+      </p:par>
+    </p:tnLst>
+  </p:timing>
 </p:sld>
 </file>
 
@@ -5803,7 +5810,7 @@
             <a:blip r:embed="rId3">
               <a:extLst>
                 <a:ext uri="{96DAC541-7B7A-43D3-8B79-37D633B846F1}">
-                  <asvg:svgBlip xmlns:asvg="http://schemas.microsoft.com/office/drawing/2016/SVG/main" xmlns="" r:embed="rId4"/>
+                  <asvg:svgBlip xmlns="" xmlns:asvg="http://schemas.microsoft.com/office/drawing/2016/SVG/main" r:embed="rId4"/>
                 </a:ext>
               </a:extLst>
             </a:blip>
@@ -6295,7 +6302,7 @@
             <a:blip r:embed="rId6">
               <a:extLst>
                 <a:ext uri="{96DAC541-7B7A-43D3-8B79-37D633B846F1}">
-                  <asvg:svgBlip xmlns:asvg="http://schemas.microsoft.com/office/drawing/2016/SVG/main" xmlns="" r:embed="rId7"/>
+                  <asvg:svgBlip xmlns="" xmlns:asvg="http://schemas.microsoft.com/office/drawing/2016/SVG/main" r:embed="rId7"/>
                 </a:ext>
               </a:extLst>
             </a:blip>
@@ -6347,6 +6354,13 @@
   <p:clrMapOvr>
     <a:masterClrMapping/>
   </p:clrMapOvr>
+  <p:timing>
+    <p:tnLst>
+      <p:par>
+        <p:cTn id="1" dur="indefinite" restart="never" nodeType="tmRoot"/>
+      </p:par>
+    </p:tnLst>
+  </p:timing>
 </p:sld>
 </file>
 
@@ -6519,7 +6533,7 @@
             <a:blip r:embed="rId3">
               <a:extLst>
                 <a:ext uri="{96DAC541-7B7A-43D3-8B79-37D633B846F1}">
-                  <asvg:svgBlip xmlns:asvg="http://schemas.microsoft.com/office/drawing/2016/SVG/main" xmlns="" r:embed="rId4"/>
+                  <asvg:svgBlip xmlns="" xmlns:asvg="http://schemas.microsoft.com/office/drawing/2016/SVG/main" r:embed="rId4"/>
                 </a:ext>
               </a:extLst>
             </a:blip>
@@ -6571,7 +6585,7 @@
             <a:blip r:embed="rId3">
               <a:extLst>
                 <a:ext uri="{96DAC541-7B7A-43D3-8B79-37D633B846F1}">
-                  <asvg:svgBlip xmlns:asvg="http://schemas.microsoft.com/office/drawing/2016/SVG/main" xmlns="" r:embed="rId4"/>
+                  <asvg:svgBlip xmlns="" xmlns:asvg="http://schemas.microsoft.com/office/drawing/2016/SVG/main" r:embed="rId4"/>
                 </a:ext>
               </a:extLst>
             </a:blip>
@@ -7096,7 +7110,7 @@
             <a:blip r:embed="rId5">
               <a:extLst>
                 <a:ext uri="{96DAC541-7B7A-43D3-8B79-37D633B846F1}">
-                  <asvg:svgBlip xmlns:asvg="http://schemas.microsoft.com/office/drawing/2016/SVG/main" xmlns="" r:embed="rId6"/>
+                  <asvg:svgBlip xmlns="" xmlns:asvg="http://schemas.microsoft.com/office/drawing/2016/SVG/main" r:embed="rId6"/>
                 </a:ext>
               </a:extLst>
             </a:blip>
@@ -7904,11 +7918,7 @@
           <a:p>
             <a:r>
               <a:rPr lang="en-US" sz="2400" dirty="0" smtClean="0"/>
-              <a:t>Group No. 7 		</a:t>
-            </a:r>
-            <a:r>
-              <a:rPr lang="en-US" sz="2400" dirty="0" smtClean="0"/>
-              <a:t>3</a:t>
+              <a:t>Group No. 7 		3</a:t>
             </a:r>
             <a:endParaRPr lang="en-US" sz="2120" dirty="0">
               <a:solidFill>
@@ -7927,6 +7937,13 @@
   <p:clrMapOvr>
     <a:masterClrMapping/>
   </p:clrMapOvr>
+  <p:timing>
+    <p:tnLst>
+      <p:par>
+        <p:cTn id="1" dur="indefinite" restart="never" nodeType="tmRoot"/>
+      </p:par>
+    </p:tnLst>
+  </p:timing>
 </p:sld>
 </file>
 
@@ -8044,7 +8061,7 @@
             <a:blip r:embed="rId3">
               <a:extLst>
                 <a:ext uri="{96DAC541-7B7A-43D3-8B79-37D633B846F1}">
-                  <asvg:svgBlip xmlns:asvg="http://schemas.microsoft.com/office/drawing/2016/SVG/main" xmlns="" r:embed="rId4"/>
+                  <asvg:svgBlip xmlns="" xmlns:asvg="http://schemas.microsoft.com/office/drawing/2016/SVG/main" r:embed="rId4"/>
                 </a:ext>
               </a:extLst>
             </a:blip>
@@ -8096,7 +8113,7 @@
             <a:blip r:embed="rId5">
               <a:extLst>
                 <a:ext uri="{96DAC541-7B7A-43D3-8B79-37D633B846F1}">
-                  <asvg:svgBlip xmlns:asvg="http://schemas.microsoft.com/office/drawing/2016/SVG/main" xmlns="" r:embed="rId6"/>
+                  <asvg:svgBlip xmlns="" xmlns:asvg="http://schemas.microsoft.com/office/drawing/2016/SVG/main" r:embed="rId6"/>
                 </a:ext>
               </a:extLst>
             </a:blip>
@@ -8376,7 +8393,7 @@
             <a:blip r:embed="rId8">
               <a:extLst>
                 <a:ext uri="{96DAC541-7B7A-43D3-8B79-37D633B846F1}">
-                  <asvg:svgBlip xmlns:asvg="http://schemas.microsoft.com/office/drawing/2016/SVG/main" xmlns="" r:embed="rId9"/>
+                  <asvg:svgBlip xmlns="" xmlns:asvg="http://schemas.microsoft.com/office/drawing/2016/SVG/main" r:embed="rId9"/>
                 </a:ext>
               </a:extLst>
             </a:blip>
@@ -8428,7 +8445,7 @@
             <a:blip r:embed="rId5">
               <a:extLst>
                 <a:ext uri="{96DAC541-7B7A-43D3-8B79-37D633B846F1}">
-                  <asvg:svgBlip xmlns:asvg="http://schemas.microsoft.com/office/drawing/2016/SVG/main" xmlns="" r:embed="rId6"/>
+                  <asvg:svgBlip xmlns="" xmlns:asvg="http://schemas.microsoft.com/office/drawing/2016/SVG/main" r:embed="rId6"/>
                 </a:ext>
               </a:extLst>
             </a:blip>
@@ -8890,7 +8907,7 @@
             <a:blip r:embed="rId8">
               <a:extLst>
                 <a:ext uri="{96DAC541-7B7A-43D3-8B79-37D633B846F1}">
-                  <asvg:svgBlip xmlns:asvg="http://schemas.microsoft.com/office/drawing/2016/SVG/main" xmlns="" r:embed="rId9"/>
+                  <asvg:svgBlip xmlns="" xmlns:asvg="http://schemas.microsoft.com/office/drawing/2016/SVG/main" r:embed="rId9"/>
                 </a:ext>
               </a:extLst>
             </a:blip>
@@ -8946,6 +8963,13 @@
   <p:clrMapOvr>
     <a:masterClrMapping/>
   </p:clrMapOvr>
+  <p:timing>
+    <p:tnLst>
+      <p:par>
+        <p:cTn id="1" dur="indefinite" restart="never" nodeType="tmRoot"/>
+      </p:par>
+    </p:tnLst>
+  </p:timing>
 </p:sld>
 </file>
 
@@ -9063,7 +9087,7 @@
             <a:blip r:embed="rId3">
               <a:extLst>
                 <a:ext uri="{96DAC541-7B7A-43D3-8B79-37D633B846F1}">
-                  <asvg:svgBlip xmlns:asvg="http://schemas.microsoft.com/office/drawing/2016/SVG/main" xmlns="" r:embed="rId4"/>
+                  <asvg:svgBlip xmlns="" xmlns:asvg="http://schemas.microsoft.com/office/drawing/2016/SVG/main" r:embed="rId4"/>
                 </a:ext>
               </a:extLst>
             </a:blip>
@@ -9115,7 +9139,7 @@
             <a:blip r:embed="rId5">
               <a:extLst>
                 <a:ext uri="{96DAC541-7B7A-43D3-8B79-37D633B846F1}">
-                  <asvg:svgBlip xmlns:asvg="http://schemas.microsoft.com/office/drawing/2016/SVG/main" xmlns="" r:embed="rId6"/>
+                  <asvg:svgBlip xmlns="" xmlns:asvg="http://schemas.microsoft.com/office/drawing/2016/SVG/main" r:embed="rId6"/>
                 </a:ext>
               </a:extLst>
             </a:blip>
@@ -9200,8 +9224,8 @@
         </p:nvGrpSpPr>
         <p:grpSpPr>
           <a:xfrm>
-            <a:off x="11430000" y="0"/>
-            <a:ext cx="6858000" cy="10287000"/>
+            <a:off x="11323320" y="0"/>
+            <a:ext cx="6964680" cy="10447020"/>
             <a:chOff x="0" y="0"/>
             <a:chExt cx="9144000" cy="13716000"/>
           </a:xfrm>
@@ -10205,11 +10229,7 @@
           <a:p>
             <a:r>
               <a:rPr lang="en-US" sz="2400" dirty="0" smtClean="0"/>
-              <a:t>Group No. 7 		</a:t>
-            </a:r>
-            <a:r>
-              <a:rPr lang="en-US" sz="2400" dirty="0" smtClean="0"/>
-              <a:t>5</a:t>
+              <a:t>Group No. 7 		5</a:t>
             </a:r>
             <a:endParaRPr lang="en-US" sz="2120" dirty="0">
               <a:solidFill>
@@ -10228,6 +10248,13 @@
   <p:clrMapOvr>
     <a:masterClrMapping/>
   </p:clrMapOvr>
+  <p:timing>
+    <p:tnLst>
+      <p:par>
+        <p:cTn id="1" dur="indefinite" restart="never" nodeType="tmRoot"/>
+      </p:par>
+    </p:tnLst>
+  </p:timing>
 </p:sld>
 </file>
 
@@ -10400,7 +10427,7 @@
             <a:blip r:embed="rId3">
               <a:extLst>
                 <a:ext uri="{96DAC541-7B7A-43D3-8B79-37D633B846F1}">
-                  <asvg:svgBlip xmlns:asvg="http://schemas.microsoft.com/office/drawing/2016/SVG/main" xmlns="" r:embed="rId4"/>
+                  <asvg:svgBlip xmlns="" xmlns:asvg="http://schemas.microsoft.com/office/drawing/2016/SVG/main" r:embed="rId4"/>
                 </a:ext>
               </a:extLst>
             </a:blip>
@@ -10452,7 +10479,7 @@
             <a:blip r:embed="rId5">
               <a:extLst>
                 <a:ext uri="{96DAC541-7B7A-43D3-8B79-37D633B846F1}">
-                  <asvg:svgBlip xmlns:asvg="http://schemas.microsoft.com/office/drawing/2016/SVG/main" xmlns="" r:embed="rId6"/>
+                  <asvg:svgBlip xmlns="" xmlns:asvg="http://schemas.microsoft.com/office/drawing/2016/SVG/main" r:embed="rId6"/>
                 </a:ext>
               </a:extLst>
             </a:blip>
@@ -10717,7 +10744,7 @@
             <a:blip r:embed="rId5">
               <a:extLst>
                 <a:ext uri="{96DAC541-7B7A-43D3-8B79-37D633B846F1}">
-                  <asvg:svgBlip xmlns:asvg="http://schemas.microsoft.com/office/drawing/2016/SVG/main" xmlns="" r:embed="rId6"/>
+                  <asvg:svgBlip xmlns="" xmlns:asvg="http://schemas.microsoft.com/office/drawing/2016/SVG/main" r:embed="rId6"/>
                 </a:ext>
               </a:extLst>
             </a:blip>
@@ -11548,11 +11575,7 @@
           <a:p>
             <a:r>
               <a:rPr lang="en-US" sz="2400" dirty="0" smtClean="0"/>
-              <a:t>Group No. 7 		</a:t>
-            </a:r>
-            <a:r>
-              <a:rPr lang="en-US" sz="2400" dirty="0" smtClean="0"/>
-              <a:t>6</a:t>
+              <a:t>Group No. 7 		6</a:t>
             </a:r>
             <a:endParaRPr lang="en-US" sz="2120" dirty="0">
               <a:solidFill>
@@ -11571,6 +11594,13 @@
   <p:clrMapOvr>
     <a:masterClrMapping/>
   </p:clrMapOvr>
+  <p:timing>
+    <p:tnLst>
+      <p:par>
+        <p:cTn id="1" dur="indefinite" restart="never" nodeType="tmRoot"/>
+      </p:par>
+    </p:tnLst>
+  </p:timing>
 </p:sld>
 </file>
 
@@ -11743,7 +11773,7 @@
             <a:blip r:embed="rId3">
               <a:extLst>
                 <a:ext uri="{96DAC541-7B7A-43D3-8B79-37D633B846F1}">
-                  <asvg:svgBlip xmlns:asvg="http://schemas.microsoft.com/office/drawing/2016/SVG/main" xmlns="" r:embed="rId4"/>
+                  <asvg:svgBlip xmlns="" xmlns:asvg="http://schemas.microsoft.com/office/drawing/2016/SVG/main" r:embed="rId4"/>
                 </a:ext>
               </a:extLst>
             </a:blip>
@@ -11795,7 +11825,7 @@
             <a:blip r:embed="rId5">
               <a:extLst>
                 <a:ext uri="{96DAC541-7B7A-43D3-8B79-37D633B846F1}">
-                  <asvg:svgBlip xmlns:asvg="http://schemas.microsoft.com/office/drawing/2016/SVG/main" xmlns="" r:embed="rId6"/>
+                  <asvg:svgBlip xmlns="" xmlns:asvg="http://schemas.microsoft.com/office/drawing/2016/SVG/main" r:embed="rId6"/>
                 </a:ext>
               </a:extLst>
             </a:blip>
@@ -11892,6 +11922,13 @@
   <p:clrMapOvr>
     <a:masterClrMapping/>
   </p:clrMapOvr>
+  <p:timing>
+    <p:tnLst>
+      <p:par>
+        <p:cTn id="1" dur="indefinite" restart="never" nodeType="tmRoot"/>
+      </p:par>
+    </p:tnLst>
+  </p:timing>
 </p:sld>
 </file>
 
